--- a/Docs/CartesPerm.pptx
+++ b/Docs/CartesPerm.pptx
@@ -5,21 +5,30 @@
     <p:sldMasterId id="2147483648" r:id="rId1"/>
   </p:sldMasterIdLst>
   <p:handoutMasterIdLst>
-    <p:handoutMasterId r:id="rId11"/>
+    <p:handoutMasterId r:id="rId20"/>
   </p:handoutMasterIdLst>
   <p:sldIdLst>
-    <p:sldId id="262" r:id="rId2"/>
-    <p:sldId id="296" r:id="rId3"/>
-    <p:sldId id="263" r:id="rId4"/>
+    <p:sldId id="296" r:id="rId2"/>
+    <p:sldId id="308" r:id="rId3"/>
+    <p:sldId id="298" r:id="rId4"/>
     <p:sldId id="297" r:id="rId5"/>
     <p:sldId id="264" r:id="rId6"/>
-    <p:sldId id="265" r:id="rId7"/>
-    <p:sldId id="273" r:id="rId8"/>
-    <p:sldId id="295" r:id="rId9"/>
-    <p:sldId id="274" r:id="rId10"/>
+    <p:sldId id="303" r:id="rId7"/>
+    <p:sldId id="265" r:id="rId8"/>
+    <p:sldId id="304" r:id="rId9"/>
+    <p:sldId id="300" r:id="rId10"/>
+    <p:sldId id="273" r:id="rId11"/>
+    <p:sldId id="295" r:id="rId12"/>
+    <p:sldId id="274" r:id="rId13"/>
+    <p:sldId id="305" r:id="rId14"/>
+    <p:sldId id="299" r:id="rId15"/>
+    <p:sldId id="306" r:id="rId16"/>
+    <p:sldId id="301" r:id="rId17"/>
+    <p:sldId id="307" r:id="rId18"/>
+    <p:sldId id="302" r:id="rId19"/>
   </p:sldIdLst>
   <p:sldSz cx="9144000" cy="6858000" type="screen4x3"/>
-  <p:notesSz cx="6858000" cy="9144000"/>
+  <p:notesSz cx="9144000" cy="6858000"/>
   <p:defaultTextStyle>
     <a:defPPr>
       <a:defRPr lang="fr-FR"/>
@@ -153,7 +162,7 @@
         <p:spPr>
           <a:xfrm>
             <a:off x="0" y="0"/>
-            <a:ext cx="2971800" cy="457200"/>
+            <a:ext cx="3962400" cy="342900"/>
           </a:xfrm>
           <a:prstGeom prst="rect">
             <a:avLst/>
@@ -183,8 +192,8 @@
         </p:nvSpPr>
         <p:spPr>
           <a:xfrm>
-            <a:off x="3884613" y="0"/>
-            <a:ext cx="2971800" cy="457200"/>
+            <a:off x="5179484" y="0"/>
+            <a:ext cx="3962400" cy="342900"/>
           </a:xfrm>
           <a:prstGeom prst="rect">
             <a:avLst/>
@@ -200,7 +209,7 @@
           <a:p>
             <a:fld id="{8F6BF74C-C825-46E6-A94A-4DDCA47B6E5E}" type="datetimeFigureOut">
               <a:rPr lang="fr-FR" smtClean="0"/>
-              <a:t>03/08/2015</a:t>
+              <a:t>12/08/2015</a:t>
             </a:fld>
             <a:endParaRPr lang="fr-FR"/>
           </a:p>
@@ -218,8 +227,8 @@
         </p:nvSpPr>
         <p:spPr>
           <a:xfrm>
-            <a:off x="0" y="8685213"/>
-            <a:ext cx="2971800" cy="457200"/>
+            <a:off x="0" y="6513910"/>
+            <a:ext cx="3962400" cy="342900"/>
           </a:xfrm>
           <a:prstGeom prst="rect">
             <a:avLst/>
@@ -249,8 +258,8 @@
         </p:nvSpPr>
         <p:spPr>
           <a:xfrm>
-            <a:off x="3884613" y="8685213"/>
-            <a:ext cx="2971800" cy="457200"/>
+            <a:off x="5179484" y="6513910"/>
+            <a:ext cx="3962400" cy="342900"/>
           </a:xfrm>
           <a:prstGeom prst="rect">
             <a:avLst/>
@@ -464,7 +473,7 @@
           <a:p>
             <a:fld id="{AA309A6D-C09C-4548-B29A-6CF363A7E532}" type="datetimeFigureOut">
               <a:rPr lang="fr-FR" smtClean="0"/>
-              <a:t>03/08/2015</a:t>
+              <a:t>12/08/2015</a:t>
             </a:fld>
             <a:endParaRPr lang="fr-BE"/>
           </a:p>
@@ -629,7 +638,7 @@
           <a:p>
             <a:fld id="{AA309A6D-C09C-4548-B29A-6CF363A7E532}" type="datetimeFigureOut">
               <a:rPr lang="fr-FR" smtClean="0"/>
-              <a:t>03/08/2015</a:t>
+              <a:t>12/08/2015</a:t>
             </a:fld>
             <a:endParaRPr lang="fr-BE"/>
           </a:p>
@@ -804,7 +813,7 @@
           <a:p>
             <a:fld id="{AA309A6D-C09C-4548-B29A-6CF363A7E532}" type="datetimeFigureOut">
               <a:rPr lang="fr-FR" smtClean="0"/>
-              <a:t>03/08/2015</a:t>
+              <a:t>12/08/2015</a:t>
             </a:fld>
             <a:endParaRPr lang="fr-BE"/>
           </a:p>
@@ -969,7 +978,7 @@
           <a:p>
             <a:fld id="{AA309A6D-C09C-4548-B29A-6CF363A7E532}" type="datetimeFigureOut">
               <a:rPr lang="fr-FR" smtClean="0"/>
-              <a:t>03/08/2015</a:t>
+              <a:t>12/08/2015</a:t>
             </a:fld>
             <a:endParaRPr lang="fr-BE"/>
           </a:p>
@@ -1210,7 +1219,7 @@
           <a:p>
             <a:fld id="{AA309A6D-C09C-4548-B29A-6CF363A7E532}" type="datetimeFigureOut">
               <a:rPr lang="fr-FR" smtClean="0"/>
-              <a:t>03/08/2015</a:t>
+              <a:t>12/08/2015</a:t>
             </a:fld>
             <a:endParaRPr lang="fr-BE"/>
           </a:p>
@@ -1493,7 +1502,7 @@
           <a:p>
             <a:fld id="{AA309A6D-C09C-4548-B29A-6CF363A7E532}" type="datetimeFigureOut">
               <a:rPr lang="fr-FR" smtClean="0"/>
-              <a:t>03/08/2015</a:t>
+              <a:t>12/08/2015</a:t>
             </a:fld>
             <a:endParaRPr lang="fr-BE"/>
           </a:p>
@@ -1910,7 +1919,7 @@
           <a:p>
             <a:fld id="{AA309A6D-C09C-4548-B29A-6CF363A7E532}" type="datetimeFigureOut">
               <a:rPr lang="fr-FR" smtClean="0"/>
-              <a:t>03/08/2015</a:t>
+              <a:t>12/08/2015</a:t>
             </a:fld>
             <a:endParaRPr lang="fr-BE"/>
           </a:p>
@@ -2023,7 +2032,7 @@
           <a:p>
             <a:fld id="{AA309A6D-C09C-4548-B29A-6CF363A7E532}" type="datetimeFigureOut">
               <a:rPr lang="fr-FR" smtClean="0"/>
-              <a:t>03/08/2015</a:t>
+              <a:t>12/08/2015</a:t>
             </a:fld>
             <a:endParaRPr lang="fr-BE"/>
           </a:p>
@@ -2113,7 +2122,7 @@
           <a:p>
             <a:fld id="{AA309A6D-C09C-4548-B29A-6CF363A7E532}" type="datetimeFigureOut">
               <a:rPr lang="fr-FR" smtClean="0"/>
-              <a:t>03/08/2015</a:t>
+              <a:t>12/08/2015</a:t>
             </a:fld>
             <a:endParaRPr lang="fr-BE"/>
           </a:p>
@@ -2385,7 +2394,7 @@
           <a:p>
             <a:fld id="{AA309A6D-C09C-4548-B29A-6CF363A7E532}" type="datetimeFigureOut">
               <a:rPr lang="fr-FR" smtClean="0"/>
-              <a:t>03/08/2015</a:t>
+              <a:t>12/08/2015</a:t>
             </a:fld>
             <a:endParaRPr lang="fr-BE"/>
           </a:p>
@@ -2633,7 +2642,7 @@
           <a:p>
             <a:fld id="{AA309A6D-C09C-4548-B29A-6CF363A7E532}" type="datetimeFigureOut">
               <a:rPr lang="fr-FR" smtClean="0"/>
-              <a:t>03/08/2015</a:t>
+              <a:t>12/08/2015</a:t>
             </a:fld>
             <a:endParaRPr lang="fr-BE"/>
           </a:p>
@@ -2841,7 +2850,7 @@
           <a:p>
             <a:fld id="{AA309A6D-C09C-4548-B29A-6CF363A7E532}" type="datetimeFigureOut">
               <a:rPr lang="fr-FR" smtClean="0"/>
-              <a:t>03/08/2015</a:t>
+              <a:t>12/08/2015</a:t>
             </a:fld>
             <a:endParaRPr lang="fr-BE"/>
           </a:p>
@@ -3518,7 +3527,3108 @@
     </p:spTree>
     <p:extLst>
       <p:ext uri="{BB962C8B-B14F-4D97-AF65-F5344CB8AC3E}">
-        <p14:creationId xmlns:p14="http://schemas.microsoft.com/office/powerpoint/2010/main" val="3118508753"/>
+        <p14:creationId xmlns:p14="http://schemas.microsoft.com/office/powerpoint/2010/main" val="3108208375"/>
+      </p:ext>
+    </p:extLst>
+  </p:cSld>
+  <p:clrMapOvr>
+    <a:masterClrMapping/>
+  </p:clrMapOvr>
+  <p:timing>
+    <p:tnLst>
+      <p:par>
+        <p:cTn id="1" dur="indefinite" restart="never" nodeType="tmRoot"/>
+      </p:par>
+    </p:tnLst>
+  </p:timing>
+</p:sld>
+</file>
+
+<file path=ppt/slides/slide10.xml><?xml version="1.0" encoding="utf-8"?>
+<p:sld xmlns:a="http://schemas.openxmlformats.org/drawingml/2006/main" xmlns:r="http://schemas.openxmlformats.org/officeDocument/2006/relationships" xmlns:p="http://schemas.openxmlformats.org/presentationml/2006/main">
+  <p:cSld>
+    <p:spTree>
+      <p:nvGrpSpPr>
+        <p:cNvPr id="1" name=""/>
+        <p:cNvGrpSpPr/>
+        <p:nvPr/>
+      </p:nvGrpSpPr>
+      <p:grpSpPr>
+        <a:xfrm>
+          <a:off x="0" y="0"/>
+          <a:ext cx="0" cy="0"/>
+          <a:chOff x="0" y="0"/>
+          <a:chExt cx="0" cy="0"/>
+        </a:xfrm>
+      </p:grpSpPr>
+      <p:sp>
+        <p:nvSpPr>
+          <p:cNvPr id="6" name="Rectangle 5"/>
+          <p:cNvSpPr/>
+          <p:nvPr/>
+        </p:nvSpPr>
+        <p:spPr>
+          <a:xfrm>
+            <a:off x="0" y="0"/>
+            <a:ext cx="9144000" cy="6858000"/>
+          </a:xfrm>
+          <a:prstGeom prst="rect">
+            <a:avLst/>
+          </a:prstGeom>
+          <a:solidFill>
+            <a:srgbClr val="FFC000">
+              <a:alpha val="0"/>
+            </a:srgbClr>
+          </a:solidFill>
+          <a:ln w="101600">
+            <a:solidFill>
+              <a:schemeClr val="tx1"/>
+            </a:solidFill>
+          </a:ln>
+        </p:spPr>
+        <p:style>
+          <a:lnRef idx="2">
+            <a:schemeClr val="accent1">
+              <a:shade val="50000"/>
+            </a:schemeClr>
+          </a:lnRef>
+          <a:fillRef idx="1">
+            <a:schemeClr val="accent1"/>
+          </a:fillRef>
+          <a:effectRef idx="0">
+            <a:schemeClr val="accent1"/>
+          </a:effectRef>
+          <a:fontRef idx="minor">
+            <a:schemeClr val="lt1"/>
+          </a:fontRef>
+        </p:style>
+        <p:txBody>
+          <a:bodyPr rtlCol="0" anchor="ctr"/>
+          <a:lstStyle/>
+          <a:p>
+            <a:pPr algn="ctr"/>
+            <a:endParaRPr lang="fr-FR">
+              <a:solidFill>
+                <a:srgbClr val="FFC000"/>
+              </a:solidFill>
+            </a:endParaRPr>
+          </a:p>
+        </p:txBody>
+      </p:sp>
+      <p:sp>
+        <p:nvSpPr>
+          <p:cNvPr id="2" name="Titre 1"/>
+          <p:cNvSpPr>
+            <a:spLocks noGrp="1"/>
+          </p:cNvSpPr>
+          <p:nvPr>
+            <p:ph type="ctrTitle"/>
+          </p:nvPr>
+        </p:nvSpPr>
+        <p:spPr>
+          <a:xfrm>
+            <a:off x="323528" y="332656"/>
+            <a:ext cx="2304256" cy="936104"/>
+          </a:xfrm>
+        </p:spPr>
+        <p:txBody>
+          <a:bodyPr>
+            <a:noAutofit/>
+          </a:bodyPr>
+          <a:lstStyle/>
+          <a:p>
+            <a:r>
+              <a:rPr lang="fr-FR" sz="7200" dirty="0" smtClean="0"/>
+              <a:t>-</a:t>
+            </a:r>
+            <a:endParaRPr lang="fr-FR" sz="7200" dirty="0"/>
+          </a:p>
+        </p:txBody>
+      </p:sp>
+      <p:sp>
+        <p:nvSpPr>
+          <p:cNvPr id="3" name="Sous-titre 2"/>
+          <p:cNvSpPr>
+            <a:spLocks noGrp="1"/>
+          </p:cNvSpPr>
+          <p:nvPr>
+            <p:ph type="subTitle" idx="1"/>
+          </p:nvPr>
+        </p:nvSpPr>
+        <p:spPr>
+          <a:xfrm>
+            <a:off x="1907704" y="2744924"/>
+            <a:ext cx="4856584" cy="1368152"/>
+          </a:xfrm>
+        </p:spPr>
+        <p:txBody>
+          <a:bodyPr vert="horz" lIns="91440" tIns="45720" rIns="91440" bIns="45720" rtlCol="0" anchor="ctr">
+            <a:noAutofit/>
+          </a:bodyPr>
+          <a:lstStyle/>
+          <a:p>
+            <a:pPr>
+              <a:spcBef>
+                <a:spcPct val="0"/>
+              </a:spcBef>
+            </a:pPr>
+            <a:r>
+              <a:rPr lang="fr-FR" sz="7200" dirty="0" err="1">
+                <a:solidFill>
+                  <a:schemeClr val="tx1"/>
+                </a:solidFill>
+                <a:latin typeface="+mj-lt"/>
+                <a:ea typeface="+mj-ea"/>
+                <a:cs typeface="+mj-cs"/>
+              </a:rPr>
+              <a:t>Évax</a:t>
+            </a:r>
+            <a:r>
+              <a:rPr lang="fr-FR" sz="7200" dirty="0">
+                <a:solidFill>
+                  <a:schemeClr val="tx1"/>
+                </a:solidFill>
+                <a:latin typeface="+mj-lt"/>
+                <a:ea typeface="+mj-ea"/>
+                <a:cs typeface="+mj-cs"/>
+              </a:rPr>
+              <a:t> pygmée</a:t>
+            </a:r>
+          </a:p>
+        </p:txBody>
+      </p:sp>
+      <p:sp>
+        <p:nvSpPr>
+          <p:cNvPr id="4" name="Titre 1"/>
+          <p:cNvSpPr txBox="1">
+            <a:spLocks/>
+          </p:cNvSpPr>
+          <p:nvPr/>
+        </p:nvSpPr>
+        <p:spPr>
+          <a:xfrm>
+            <a:off x="7452320" y="260648"/>
+            <a:ext cx="1368152" cy="648072"/>
+          </a:xfrm>
+          <a:prstGeom prst="rect">
+            <a:avLst/>
+          </a:prstGeom>
+        </p:spPr>
+        <p:txBody>
+          <a:bodyPr vert="horz" lIns="91440" tIns="45720" rIns="91440" bIns="45720" rtlCol="0" anchor="ctr">
+            <a:noAutofit/>
+          </a:bodyPr>
+          <a:lstStyle>
+            <a:lvl1pPr algn="ctr">
+              <a:spcBef>
+                <a:spcPct val="0"/>
+              </a:spcBef>
+              <a:buNone/>
+              <a:defRPr sz="7200">
+                <a:latin typeface="+mj-lt"/>
+                <a:ea typeface="+mj-ea"/>
+                <a:cs typeface="+mj-cs"/>
+              </a:defRPr>
+            </a:lvl1pPr>
+          </a:lstStyle>
+          <a:p>
+            <a:endParaRPr lang="fr-FR" dirty="0"/>
+          </a:p>
+        </p:txBody>
+      </p:sp>
+      <p:sp>
+        <p:nvSpPr>
+          <p:cNvPr id="5" name="Titre 1"/>
+          <p:cNvSpPr txBox="1">
+            <a:spLocks/>
+          </p:cNvSpPr>
+          <p:nvPr/>
+        </p:nvSpPr>
+        <p:spPr>
+          <a:xfrm>
+            <a:off x="467544" y="5805264"/>
+            <a:ext cx="2103218" cy="648072"/>
+          </a:xfrm>
+          <a:prstGeom prst="rect">
+            <a:avLst/>
+          </a:prstGeom>
+        </p:spPr>
+        <p:txBody>
+          <a:bodyPr vert="horz" lIns="91440" tIns="45720" rIns="91440" bIns="45720" rtlCol="0" anchor="ctr">
+            <a:noAutofit/>
+          </a:bodyPr>
+          <a:lstStyle>
+            <a:defPPr>
+              <a:defRPr lang="fr-FR"/>
+            </a:defPPr>
+            <a:lvl1pPr algn="ctr">
+              <a:spcBef>
+                <a:spcPct val="0"/>
+              </a:spcBef>
+              <a:buNone/>
+              <a:defRPr sz="7200">
+                <a:latin typeface="+mj-lt"/>
+                <a:ea typeface="+mj-ea"/>
+                <a:cs typeface="+mj-cs"/>
+              </a:defRPr>
+            </a:lvl1pPr>
+          </a:lstStyle>
+          <a:p>
+            <a:r>
+              <a:rPr lang="fr-FR" dirty="0" err="1"/>
+              <a:t>Niv</a:t>
+            </a:r>
+            <a:r>
+              <a:rPr lang="fr-FR" dirty="0"/>
+              <a:t> </a:t>
+            </a:r>
+            <a:r>
+              <a:rPr lang="fr-FR" dirty="0" smtClean="0"/>
+              <a:t>3</a:t>
+            </a:r>
+            <a:endParaRPr lang="fr-FR" dirty="0"/>
+          </a:p>
+        </p:txBody>
+      </p:sp>
+      <p:sp>
+        <p:nvSpPr>
+          <p:cNvPr id="7" name="Titre 1"/>
+          <p:cNvSpPr txBox="1">
+            <a:spLocks/>
+          </p:cNvSpPr>
+          <p:nvPr/>
+        </p:nvSpPr>
+        <p:spPr>
+          <a:xfrm>
+            <a:off x="5076056" y="4905164"/>
+            <a:ext cx="3528392" cy="1800200"/>
+          </a:xfrm>
+          <a:prstGeom prst="rect">
+            <a:avLst/>
+          </a:prstGeom>
+        </p:spPr>
+        <p:txBody>
+          <a:bodyPr vert="horz" lIns="91440" tIns="45720" rIns="91440" bIns="45720" rtlCol="0" anchor="ctr">
+            <a:noAutofit/>
+          </a:bodyPr>
+          <a:lstStyle>
+            <a:defPPr>
+              <a:defRPr lang="fr-FR"/>
+            </a:defPPr>
+            <a:lvl1pPr algn="ctr">
+              <a:spcBef>
+                <a:spcPct val="0"/>
+              </a:spcBef>
+              <a:buNone/>
+              <a:defRPr sz="7200">
+                <a:latin typeface="+mj-lt"/>
+                <a:ea typeface="+mj-ea"/>
+                <a:cs typeface="+mj-cs"/>
+              </a:defRPr>
+            </a:lvl1pPr>
+          </a:lstStyle>
+          <a:p>
+            <a:r>
+              <a:rPr lang="fr-FR" dirty="0"/>
+              <a:t> -1 At </a:t>
+            </a:r>
+          </a:p>
+        </p:txBody>
+      </p:sp>
+      <p:sp>
+        <p:nvSpPr>
+          <p:cNvPr id="8" name="Titre 1"/>
+          <p:cNvSpPr txBox="1">
+            <a:spLocks/>
+          </p:cNvSpPr>
+          <p:nvPr/>
+        </p:nvSpPr>
+        <p:spPr>
+          <a:xfrm>
+            <a:off x="7604720" y="413048"/>
+            <a:ext cx="1368152" cy="648072"/>
+          </a:xfrm>
+          <a:prstGeom prst="rect">
+            <a:avLst/>
+          </a:prstGeom>
+        </p:spPr>
+        <p:txBody>
+          <a:bodyPr vert="horz" lIns="91440" tIns="45720" rIns="91440" bIns="45720" rtlCol="0" anchor="ctr">
+            <a:noAutofit/>
+          </a:bodyPr>
+          <a:lstStyle>
+            <a:lvl1pPr algn="ctr">
+              <a:spcBef>
+                <a:spcPct val="0"/>
+              </a:spcBef>
+              <a:buNone/>
+              <a:defRPr sz="7200">
+                <a:latin typeface="+mj-lt"/>
+                <a:ea typeface="+mj-ea"/>
+                <a:cs typeface="+mj-cs"/>
+              </a:defRPr>
+            </a:lvl1pPr>
+          </a:lstStyle>
+          <a:p>
+            <a:r>
+              <a:rPr lang="fr-FR" dirty="0" smtClean="0"/>
+              <a:t>-</a:t>
+            </a:r>
+            <a:endParaRPr lang="fr-FR" dirty="0"/>
+          </a:p>
+        </p:txBody>
+      </p:sp>
+    </p:spTree>
+    <p:extLst>
+      <p:ext uri="{BB962C8B-B14F-4D97-AF65-F5344CB8AC3E}">
+        <p14:creationId xmlns:p14="http://schemas.microsoft.com/office/powerpoint/2010/main" val="671990365"/>
+      </p:ext>
+    </p:extLst>
+  </p:cSld>
+  <p:clrMapOvr>
+    <a:masterClrMapping/>
+  </p:clrMapOvr>
+  <p:timing>
+    <p:tnLst>
+      <p:par>
+        <p:cTn id="1" dur="indefinite" restart="never" nodeType="tmRoot"/>
+      </p:par>
+    </p:tnLst>
+  </p:timing>
+</p:sld>
+</file>
+
+<file path=ppt/slides/slide11.xml><?xml version="1.0" encoding="utf-8"?>
+<p:sld xmlns:a="http://schemas.openxmlformats.org/drawingml/2006/main" xmlns:r="http://schemas.openxmlformats.org/officeDocument/2006/relationships" xmlns:p="http://schemas.openxmlformats.org/presentationml/2006/main">
+  <p:cSld>
+    <p:spTree>
+      <p:nvGrpSpPr>
+        <p:cNvPr id="1" name=""/>
+        <p:cNvGrpSpPr/>
+        <p:nvPr/>
+      </p:nvGrpSpPr>
+      <p:grpSpPr>
+        <a:xfrm>
+          <a:off x="0" y="0"/>
+          <a:ext cx="0" cy="0"/>
+          <a:chOff x="0" y="0"/>
+          <a:chExt cx="0" cy="0"/>
+        </a:xfrm>
+      </p:grpSpPr>
+      <p:sp>
+        <p:nvSpPr>
+          <p:cNvPr id="6" name="Rectangle 5"/>
+          <p:cNvSpPr/>
+          <p:nvPr/>
+        </p:nvSpPr>
+        <p:spPr>
+          <a:xfrm>
+            <a:off x="0" y="0"/>
+            <a:ext cx="9144000" cy="6858000"/>
+          </a:xfrm>
+          <a:prstGeom prst="rect">
+            <a:avLst/>
+          </a:prstGeom>
+          <a:solidFill>
+            <a:srgbClr val="FFC000">
+              <a:alpha val="0"/>
+            </a:srgbClr>
+          </a:solidFill>
+          <a:ln w="101600">
+            <a:solidFill>
+              <a:schemeClr val="tx1"/>
+            </a:solidFill>
+          </a:ln>
+        </p:spPr>
+        <p:style>
+          <a:lnRef idx="2">
+            <a:schemeClr val="accent1">
+              <a:shade val="50000"/>
+            </a:schemeClr>
+          </a:lnRef>
+          <a:fillRef idx="1">
+            <a:schemeClr val="accent1"/>
+          </a:fillRef>
+          <a:effectRef idx="0">
+            <a:schemeClr val="accent1"/>
+          </a:effectRef>
+          <a:fontRef idx="minor">
+            <a:schemeClr val="lt1"/>
+          </a:fontRef>
+        </p:style>
+        <p:txBody>
+          <a:bodyPr rtlCol="0" anchor="ctr"/>
+          <a:lstStyle/>
+          <a:p>
+            <a:pPr algn="ctr"/>
+            <a:endParaRPr lang="fr-FR">
+              <a:solidFill>
+                <a:srgbClr val="FFC000"/>
+              </a:solidFill>
+            </a:endParaRPr>
+          </a:p>
+        </p:txBody>
+      </p:sp>
+      <p:sp>
+        <p:nvSpPr>
+          <p:cNvPr id="2" name="Titre 1"/>
+          <p:cNvSpPr>
+            <a:spLocks noGrp="1"/>
+          </p:cNvSpPr>
+          <p:nvPr>
+            <p:ph type="ctrTitle"/>
+          </p:nvPr>
+        </p:nvSpPr>
+        <p:spPr>
+          <a:xfrm>
+            <a:off x="323528" y="332656"/>
+            <a:ext cx="2304256" cy="936104"/>
+          </a:xfrm>
+        </p:spPr>
+        <p:txBody>
+          <a:bodyPr>
+            <a:noAutofit/>
+          </a:bodyPr>
+          <a:lstStyle/>
+          <a:p>
+            <a:r>
+              <a:rPr lang="fr-FR" sz="7200" dirty="0" smtClean="0"/>
+              <a:t>-</a:t>
+            </a:r>
+            <a:endParaRPr lang="fr-FR" sz="7200" dirty="0"/>
+          </a:p>
+        </p:txBody>
+      </p:sp>
+      <p:sp>
+        <p:nvSpPr>
+          <p:cNvPr id="3" name="Sous-titre 2"/>
+          <p:cNvSpPr>
+            <a:spLocks noGrp="1"/>
+          </p:cNvSpPr>
+          <p:nvPr>
+            <p:ph type="subTitle" idx="1"/>
+          </p:nvPr>
+        </p:nvSpPr>
+        <p:spPr>
+          <a:xfrm>
+            <a:off x="1907704" y="2744924"/>
+            <a:ext cx="4856584" cy="1368152"/>
+          </a:xfrm>
+        </p:spPr>
+        <p:txBody>
+          <a:bodyPr vert="horz" lIns="91440" tIns="45720" rIns="91440" bIns="45720" rtlCol="0" anchor="ctr">
+            <a:noAutofit/>
+          </a:bodyPr>
+          <a:lstStyle/>
+          <a:p>
+            <a:pPr>
+              <a:spcBef>
+                <a:spcPct val="0"/>
+              </a:spcBef>
+            </a:pPr>
+            <a:r>
+              <a:rPr lang="fr-FR" sz="7200" dirty="0" err="1">
+                <a:solidFill>
+                  <a:schemeClr val="tx1"/>
+                </a:solidFill>
+                <a:latin typeface="+mj-lt"/>
+                <a:ea typeface="+mj-ea"/>
+                <a:cs typeface="+mj-cs"/>
+              </a:rPr>
+              <a:t>Évax</a:t>
+            </a:r>
+            <a:r>
+              <a:rPr lang="fr-FR" sz="7200" dirty="0">
+                <a:solidFill>
+                  <a:schemeClr val="tx1"/>
+                </a:solidFill>
+                <a:latin typeface="+mj-lt"/>
+                <a:ea typeface="+mj-ea"/>
+                <a:cs typeface="+mj-cs"/>
+              </a:rPr>
+              <a:t> pygmée</a:t>
+            </a:r>
+          </a:p>
+        </p:txBody>
+      </p:sp>
+      <p:sp>
+        <p:nvSpPr>
+          <p:cNvPr id="4" name="Titre 1"/>
+          <p:cNvSpPr txBox="1">
+            <a:spLocks/>
+          </p:cNvSpPr>
+          <p:nvPr/>
+        </p:nvSpPr>
+        <p:spPr>
+          <a:xfrm>
+            <a:off x="7452320" y="260648"/>
+            <a:ext cx="1368152" cy="648072"/>
+          </a:xfrm>
+          <a:prstGeom prst="rect">
+            <a:avLst/>
+          </a:prstGeom>
+        </p:spPr>
+        <p:txBody>
+          <a:bodyPr vert="horz" lIns="91440" tIns="45720" rIns="91440" bIns="45720" rtlCol="0" anchor="ctr">
+            <a:noAutofit/>
+          </a:bodyPr>
+          <a:lstStyle>
+            <a:lvl1pPr algn="ctr">
+              <a:spcBef>
+                <a:spcPct val="0"/>
+              </a:spcBef>
+              <a:buNone/>
+              <a:defRPr sz="7200">
+                <a:latin typeface="+mj-lt"/>
+                <a:ea typeface="+mj-ea"/>
+                <a:cs typeface="+mj-cs"/>
+              </a:defRPr>
+            </a:lvl1pPr>
+          </a:lstStyle>
+          <a:p>
+            <a:endParaRPr lang="fr-FR" dirty="0"/>
+          </a:p>
+        </p:txBody>
+      </p:sp>
+      <p:sp>
+        <p:nvSpPr>
+          <p:cNvPr id="5" name="Titre 1"/>
+          <p:cNvSpPr txBox="1">
+            <a:spLocks/>
+          </p:cNvSpPr>
+          <p:nvPr/>
+        </p:nvSpPr>
+        <p:spPr>
+          <a:xfrm>
+            <a:off x="467544" y="5805264"/>
+            <a:ext cx="2103218" cy="648072"/>
+          </a:xfrm>
+          <a:prstGeom prst="rect">
+            <a:avLst/>
+          </a:prstGeom>
+        </p:spPr>
+        <p:txBody>
+          <a:bodyPr vert="horz" lIns="91440" tIns="45720" rIns="91440" bIns="45720" rtlCol="0" anchor="ctr">
+            <a:noAutofit/>
+          </a:bodyPr>
+          <a:lstStyle>
+            <a:defPPr>
+              <a:defRPr lang="fr-FR"/>
+            </a:defPPr>
+            <a:lvl1pPr algn="ctr">
+              <a:spcBef>
+                <a:spcPct val="0"/>
+              </a:spcBef>
+              <a:buNone/>
+              <a:defRPr sz="7200">
+                <a:latin typeface="+mj-lt"/>
+                <a:ea typeface="+mj-ea"/>
+                <a:cs typeface="+mj-cs"/>
+              </a:defRPr>
+            </a:lvl1pPr>
+          </a:lstStyle>
+          <a:p>
+            <a:r>
+              <a:rPr lang="fr-FR" dirty="0" err="1"/>
+              <a:t>Niv</a:t>
+            </a:r>
+            <a:r>
+              <a:rPr lang="fr-FR" dirty="0"/>
+              <a:t> </a:t>
+            </a:r>
+            <a:r>
+              <a:rPr lang="fr-FR" dirty="0" smtClean="0"/>
+              <a:t>3</a:t>
+            </a:r>
+            <a:endParaRPr lang="fr-FR" dirty="0"/>
+          </a:p>
+        </p:txBody>
+      </p:sp>
+      <p:sp>
+        <p:nvSpPr>
+          <p:cNvPr id="7" name="Titre 1"/>
+          <p:cNvSpPr txBox="1">
+            <a:spLocks/>
+          </p:cNvSpPr>
+          <p:nvPr/>
+        </p:nvSpPr>
+        <p:spPr>
+          <a:xfrm>
+            <a:off x="5076056" y="4905164"/>
+            <a:ext cx="3528392" cy="1800200"/>
+          </a:xfrm>
+          <a:prstGeom prst="rect">
+            <a:avLst/>
+          </a:prstGeom>
+        </p:spPr>
+        <p:txBody>
+          <a:bodyPr vert="horz" lIns="91440" tIns="45720" rIns="91440" bIns="45720" rtlCol="0" anchor="ctr">
+            <a:noAutofit/>
+          </a:bodyPr>
+          <a:lstStyle>
+            <a:defPPr>
+              <a:defRPr lang="fr-FR"/>
+            </a:defPPr>
+            <a:lvl1pPr algn="ctr">
+              <a:spcBef>
+                <a:spcPct val="0"/>
+              </a:spcBef>
+              <a:buNone/>
+              <a:defRPr sz="7200">
+                <a:latin typeface="+mj-lt"/>
+                <a:ea typeface="+mj-ea"/>
+                <a:cs typeface="+mj-cs"/>
+              </a:defRPr>
+            </a:lvl1pPr>
+          </a:lstStyle>
+          <a:p>
+            <a:r>
+              <a:rPr lang="fr-FR" sz="6000" dirty="0" smtClean="0"/>
+              <a:t> -1 At </a:t>
+            </a:r>
+            <a:endParaRPr lang="fr-FR" sz="6000" dirty="0"/>
+          </a:p>
+        </p:txBody>
+      </p:sp>
+      <p:sp>
+        <p:nvSpPr>
+          <p:cNvPr id="8" name="Titre 1"/>
+          <p:cNvSpPr txBox="1">
+            <a:spLocks/>
+          </p:cNvSpPr>
+          <p:nvPr/>
+        </p:nvSpPr>
+        <p:spPr>
+          <a:xfrm>
+            <a:off x="7604720" y="413048"/>
+            <a:ext cx="1368152" cy="648072"/>
+          </a:xfrm>
+          <a:prstGeom prst="rect">
+            <a:avLst/>
+          </a:prstGeom>
+        </p:spPr>
+        <p:txBody>
+          <a:bodyPr vert="horz" lIns="91440" tIns="45720" rIns="91440" bIns="45720" rtlCol="0" anchor="ctr">
+            <a:noAutofit/>
+          </a:bodyPr>
+          <a:lstStyle>
+            <a:lvl1pPr algn="ctr">
+              <a:spcBef>
+                <a:spcPct val="0"/>
+              </a:spcBef>
+              <a:buNone/>
+              <a:defRPr sz="7200">
+                <a:latin typeface="+mj-lt"/>
+                <a:ea typeface="+mj-ea"/>
+                <a:cs typeface="+mj-cs"/>
+              </a:defRPr>
+            </a:lvl1pPr>
+          </a:lstStyle>
+          <a:p>
+            <a:r>
+              <a:rPr lang="fr-FR" dirty="0" smtClean="0"/>
+              <a:t>-</a:t>
+            </a:r>
+            <a:endParaRPr lang="fr-FR" dirty="0"/>
+          </a:p>
+        </p:txBody>
+      </p:sp>
+    </p:spTree>
+    <p:extLst>
+      <p:ext uri="{BB962C8B-B14F-4D97-AF65-F5344CB8AC3E}">
+        <p14:creationId xmlns:p14="http://schemas.microsoft.com/office/powerpoint/2010/main" val="302146750"/>
+      </p:ext>
+    </p:extLst>
+  </p:cSld>
+  <p:clrMapOvr>
+    <a:masterClrMapping/>
+  </p:clrMapOvr>
+  <p:timing>
+    <p:tnLst>
+      <p:par>
+        <p:cTn id="1" dur="indefinite" restart="never" nodeType="tmRoot"/>
+      </p:par>
+    </p:tnLst>
+  </p:timing>
+</p:sld>
+</file>
+
+<file path=ppt/slides/slide12.xml><?xml version="1.0" encoding="utf-8"?>
+<p:sld xmlns:a="http://schemas.openxmlformats.org/drawingml/2006/main" xmlns:r="http://schemas.openxmlformats.org/officeDocument/2006/relationships" xmlns:p="http://schemas.openxmlformats.org/presentationml/2006/main">
+  <p:cSld>
+    <p:spTree>
+      <p:nvGrpSpPr>
+        <p:cNvPr id="1" name=""/>
+        <p:cNvGrpSpPr/>
+        <p:nvPr/>
+      </p:nvGrpSpPr>
+      <p:grpSpPr>
+        <a:xfrm>
+          <a:off x="0" y="0"/>
+          <a:ext cx="0" cy="0"/>
+          <a:chOff x="0" y="0"/>
+          <a:chExt cx="0" cy="0"/>
+        </a:xfrm>
+      </p:grpSpPr>
+      <p:sp>
+        <p:nvSpPr>
+          <p:cNvPr id="6" name="Rectangle 5"/>
+          <p:cNvSpPr/>
+          <p:nvPr/>
+        </p:nvSpPr>
+        <p:spPr>
+          <a:xfrm>
+            <a:off x="0" y="0"/>
+            <a:ext cx="9144000" cy="6858000"/>
+          </a:xfrm>
+          <a:prstGeom prst="rect">
+            <a:avLst/>
+          </a:prstGeom>
+          <a:solidFill>
+            <a:srgbClr val="FFC000">
+              <a:alpha val="0"/>
+            </a:srgbClr>
+          </a:solidFill>
+          <a:ln w="101600">
+            <a:solidFill>
+              <a:schemeClr val="tx1"/>
+            </a:solidFill>
+          </a:ln>
+        </p:spPr>
+        <p:style>
+          <a:lnRef idx="2">
+            <a:schemeClr val="accent1">
+              <a:shade val="50000"/>
+            </a:schemeClr>
+          </a:lnRef>
+          <a:fillRef idx="1">
+            <a:schemeClr val="accent1"/>
+          </a:fillRef>
+          <a:effectRef idx="0">
+            <a:schemeClr val="accent1"/>
+          </a:effectRef>
+          <a:fontRef idx="minor">
+            <a:schemeClr val="lt1"/>
+          </a:fontRef>
+        </p:style>
+        <p:txBody>
+          <a:bodyPr rtlCol="0" anchor="ctr"/>
+          <a:lstStyle/>
+          <a:p>
+            <a:pPr algn="ctr"/>
+            <a:endParaRPr lang="fr-FR">
+              <a:solidFill>
+                <a:srgbClr val="FFC000"/>
+              </a:solidFill>
+            </a:endParaRPr>
+          </a:p>
+        </p:txBody>
+      </p:sp>
+      <p:sp>
+        <p:nvSpPr>
+          <p:cNvPr id="2" name="Titre 1"/>
+          <p:cNvSpPr>
+            <a:spLocks noGrp="1"/>
+          </p:cNvSpPr>
+          <p:nvPr>
+            <p:ph type="ctrTitle"/>
+          </p:nvPr>
+        </p:nvSpPr>
+        <p:spPr>
+          <a:xfrm>
+            <a:off x="323528" y="332656"/>
+            <a:ext cx="2304256" cy="936104"/>
+          </a:xfrm>
+        </p:spPr>
+        <p:txBody>
+          <a:bodyPr>
+            <a:noAutofit/>
+          </a:bodyPr>
+          <a:lstStyle/>
+          <a:p>
+            <a:r>
+              <a:rPr lang="fr-FR" sz="7200" dirty="0" smtClean="0"/>
+              <a:t>-</a:t>
+            </a:r>
+            <a:endParaRPr lang="fr-FR" sz="7200" dirty="0"/>
+          </a:p>
+        </p:txBody>
+      </p:sp>
+      <p:sp>
+        <p:nvSpPr>
+          <p:cNvPr id="3" name="Sous-titre 2"/>
+          <p:cNvSpPr>
+            <a:spLocks noGrp="1"/>
+          </p:cNvSpPr>
+          <p:nvPr>
+            <p:ph type="subTitle" idx="1"/>
+          </p:nvPr>
+        </p:nvSpPr>
+        <p:spPr>
+          <a:xfrm>
+            <a:off x="1907704" y="2744924"/>
+            <a:ext cx="4856584" cy="1368152"/>
+          </a:xfrm>
+        </p:spPr>
+        <p:txBody>
+          <a:bodyPr vert="horz" lIns="91440" tIns="45720" rIns="91440" bIns="45720" rtlCol="0" anchor="ctr">
+            <a:noAutofit/>
+          </a:bodyPr>
+          <a:lstStyle/>
+          <a:p>
+            <a:pPr>
+              <a:spcBef>
+                <a:spcPct val="0"/>
+              </a:spcBef>
+            </a:pPr>
+            <a:r>
+              <a:rPr lang="fr-FR" sz="7200" dirty="0" smtClean="0">
+                <a:solidFill>
+                  <a:schemeClr val="tx1"/>
+                </a:solidFill>
+                <a:latin typeface="+mj-lt"/>
+                <a:ea typeface="+mj-ea"/>
+                <a:cs typeface="+mj-cs"/>
+              </a:rPr>
+              <a:t>Escargot </a:t>
+            </a:r>
+            <a:r>
+              <a:rPr lang="fr-FR" sz="7200" dirty="0" err="1">
+                <a:solidFill>
+                  <a:schemeClr val="tx1"/>
+                </a:solidFill>
+                <a:latin typeface="+mj-lt"/>
+                <a:ea typeface="+mj-ea"/>
+                <a:cs typeface="+mj-cs"/>
+              </a:rPr>
+              <a:t>mourguéta</a:t>
+            </a:r>
+            <a:endParaRPr lang="fr-FR" sz="7200" dirty="0">
+              <a:solidFill>
+                <a:schemeClr val="tx1"/>
+              </a:solidFill>
+              <a:latin typeface="+mj-lt"/>
+              <a:ea typeface="+mj-ea"/>
+              <a:cs typeface="+mj-cs"/>
+            </a:endParaRPr>
+          </a:p>
+        </p:txBody>
+      </p:sp>
+      <p:sp>
+        <p:nvSpPr>
+          <p:cNvPr id="4" name="Titre 1"/>
+          <p:cNvSpPr txBox="1">
+            <a:spLocks/>
+          </p:cNvSpPr>
+          <p:nvPr/>
+        </p:nvSpPr>
+        <p:spPr>
+          <a:xfrm>
+            <a:off x="7452320" y="260648"/>
+            <a:ext cx="1368152" cy="648072"/>
+          </a:xfrm>
+          <a:prstGeom prst="rect">
+            <a:avLst/>
+          </a:prstGeom>
+        </p:spPr>
+        <p:txBody>
+          <a:bodyPr vert="horz" lIns="91440" tIns="45720" rIns="91440" bIns="45720" rtlCol="0" anchor="ctr">
+            <a:noAutofit/>
+          </a:bodyPr>
+          <a:lstStyle>
+            <a:lvl1pPr algn="ctr">
+              <a:spcBef>
+                <a:spcPct val="0"/>
+              </a:spcBef>
+              <a:buNone/>
+              <a:defRPr sz="7200">
+                <a:latin typeface="+mj-lt"/>
+                <a:ea typeface="+mj-ea"/>
+                <a:cs typeface="+mj-cs"/>
+              </a:defRPr>
+            </a:lvl1pPr>
+          </a:lstStyle>
+          <a:p>
+            <a:endParaRPr lang="fr-FR" dirty="0"/>
+          </a:p>
+        </p:txBody>
+      </p:sp>
+      <p:sp>
+        <p:nvSpPr>
+          <p:cNvPr id="5" name="Titre 1"/>
+          <p:cNvSpPr txBox="1">
+            <a:spLocks/>
+          </p:cNvSpPr>
+          <p:nvPr/>
+        </p:nvSpPr>
+        <p:spPr>
+          <a:xfrm>
+            <a:off x="467544" y="5805264"/>
+            <a:ext cx="2103218" cy="648072"/>
+          </a:xfrm>
+          <a:prstGeom prst="rect">
+            <a:avLst/>
+          </a:prstGeom>
+        </p:spPr>
+        <p:txBody>
+          <a:bodyPr vert="horz" lIns="91440" tIns="45720" rIns="91440" bIns="45720" rtlCol="0" anchor="ctr">
+            <a:noAutofit/>
+          </a:bodyPr>
+          <a:lstStyle>
+            <a:defPPr>
+              <a:defRPr lang="fr-FR"/>
+            </a:defPPr>
+            <a:lvl1pPr algn="ctr">
+              <a:spcBef>
+                <a:spcPct val="0"/>
+              </a:spcBef>
+              <a:buNone/>
+              <a:defRPr sz="7200">
+                <a:latin typeface="+mj-lt"/>
+                <a:ea typeface="+mj-ea"/>
+                <a:cs typeface="+mj-cs"/>
+              </a:defRPr>
+            </a:lvl1pPr>
+          </a:lstStyle>
+          <a:p>
+            <a:r>
+              <a:rPr lang="fr-FR" dirty="0" err="1"/>
+              <a:t>Niv</a:t>
+            </a:r>
+            <a:r>
+              <a:rPr lang="fr-FR" dirty="0"/>
+              <a:t> </a:t>
+            </a:r>
+            <a:r>
+              <a:rPr lang="fr-FR" dirty="0" smtClean="0"/>
+              <a:t>8</a:t>
+            </a:r>
+            <a:endParaRPr lang="fr-FR" dirty="0"/>
+          </a:p>
+        </p:txBody>
+      </p:sp>
+      <p:sp>
+        <p:nvSpPr>
+          <p:cNvPr id="7" name="Titre 1"/>
+          <p:cNvSpPr txBox="1">
+            <a:spLocks/>
+          </p:cNvSpPr>
+          <p:nvPr/>
+        </p:nvSpPr>
+        <p:spPr>
+          <a:xfrm>
+            <a:off x="4572000" y="4905164"/>
+            <a:ext cx="4032448" cy="1800200"/>
+          </a:xfrm>
+          <a:prstGeom prst="rect">
+            <a:avLst/>
+          </a:prstGeom>
+        </p:spPr>
+        <p:txBody>
+          <a:bodyPr vert="horz" lIns="91440" tIns="45720" rIns="91440" bIns="45720" rtlCol="0" anchor="ctr">
+            <a:noAutofit/>
+          </a:bodyPr>
+          <a:lstStyle>
+            <a:defPPr>
+              <a:defRPr lang="fr-FR"/>
+            </a:defPPr>
+            <a:lvl1pPr algn="ctr">
+              <a:spcBef>
+                <a:spcPct val="0"/>
+              </a:spcBef>
+              <a:buNone/>
+              <a:defRPr sz="7200">
+                <a:latin typeface="+mj-lt"/>
+                <a:ea typeface="+mj-ea"/>
+                <a:cs typeface="+mj-cs"/>
+              </a:defRPr>
+            </a:lvl1pPr>
+          </a:lstStyle>
+          <a:p>
+            <a:r>
+              <a:rPr lang="fr-FR" sz="4800" dirty="0" smtClean="0"/>
+              <a:t> chaque action coût +1 </a:t>
+            </a:r>
+            <a:endParaRPr lang="fr-FR" sz="4800" dirty="0"/>
+          </a:p>
+        </p:txBody>
+      </p:sp>
+      <p:sp>
+        <p:nvSpPr>
+          <p:cNvPr id="8" name="Titre 1"/>
+          <p:cNvSpPr txBox="1">
+            <a:spLocks/>
+          </p:cNvSpPr>
+          <p:nvPr/>
+        </p:nvSpPr>
+        <p:spPr>
+          <a:xfrm>
+            <a:off x="7604720" y="413048"/>
+            <a:ext cx="1368152" cy="648072"/>
+          </a:xfrm>
+          <a:prstGeom prst="rect">
+            <a:avLst/>
+          </a:prstGeom>
+        </p:spPr>
+        <p:txBody>
+          <a:bodyPr vert="horz" lIns="91440" tIns="45720" rIns="91440" bIns="45720" rtlCol="0" anchor="ctr">
+            <a:noAutofit/>
+          </a:bodyPr>
+          <a:lstStyle>
+            <a:lvl1pPr algn="ctr">
+              <a:spcBef>
+                <a:spcPct val="0"/>
+              </a:spcBef>
+              <a:buNone/>
+              <a:defRPr sz="7200">
+                <a:latin typeface="+mj-lt"/>
+                <a:ea typeface="+mj-ea"/>
+                <a:cs typeface="+mj-cs"/>
+              </a:defRPr>
+            </a:lvl1pPr>
+          </a:lstStyle>
+          <a:p>
+            <a:r>
+              <a:rPr lang="fr-FR" dirty="0" smtClean="0"/>
+              <a:t>-</a:t>
+            </a:r>
+            <a:endParaRPr lang="fr-FR" dirty="0"/>
+          </a:p>
+        </p:txBody>
+      </p:sp>
+    </p:spTree>
+    <p:extLst>
+      <p:ext uri="{BB962C8B-B14F-4D97-AF65-F5344CB8AC3E}">
+        <p14:creationId xmlns:p14="http://schemas.microsoft.com/office/powerpoint/2010/main" val="3234651271"/>
+      </p:ext>
+    </p:extLst>
+  </p:cSld>
+  <p:clrMapOvr>
+    <a:masterClrMapping/>
+  </p:clrMapOvr>
+  <p:timing>
+    <p:tnLst>
+      <p:par>
+        <p:cTn id="1" dur="indefinite" restart="never" nodeType="tmRoot"/>
+      </p:par>
+    </p:tnLst>
+  </p:timing>
+</p:sld>
+</file>
+
+<file path=ppt/slides/slide13.xml><?xml version="1.0" encoding="utf-8"?>
+<p:sld xmlns:a="http://schemas.openxmlformats.org/drawingml/2006/main" xmlns:r="http://schemas.openxmlformats.org/officeDocument/2006/relationships" xmlns:p="http://schemas.openxmlformats.org/presentationml/2006/main">
+  <p:cSld>
+    <p:spTree>
+      <p:nvGrpSpPr>
+        <p:cNvPr id="1" name=""/>
+        <p:cNvGrpSpPr/>
+        <p:nvPr/>
+      </p:nvGrpSpPr>
+      <p:grpSpPr>
+        <a:xfrm>
+          <a:off x="0" y="0"/>
+          <a:ext cx="0" cy="0"/>
+          <a:chOff x="0" y="0"/>
+          <a:chExt cx="0" cy="0"/>
+        </a:xfrm>
+      </p:grpSpPr>
+      <p:sp>
+        <p:nvSpPr>
+          <p:cNvPr id="6" name="Rectangle 5"/>
+          <p:cNvSpPr/>
+          <p:nvPr/>
+        </p:nvSpPr>
+        <p:spPr>
+          <a:xfrm>
+            <a:off x="0" y="0"/>
+            <a:ext cx="9144000" cy="6858000"/>
+          </a:xfrm>
+          <a:prstGeom prst="rect">
+            <a:avLst/>
+          </a:prstGeom>
+          <a:solidFill>
+            <a:srgbClr val="FFC000">
+              <a:alpha val="0"/>
+            </a:srgbClr>
+          </a:solidFill>
+          <a:ln w="101600">
+            <a:solidFill>
+              <a:schemeClr val="tx1"/>
+            </a:solidFill>
+          </a:ln>
+        </p:spPr>
+        <p:style>
+          <a:lnRef idx="2">
+            <a:schemeClr val="accent1">
+              <a:shade val="50000"/>
+            </a:schemeClr>
+          </a:lnRef>
+          <a:fillRef idx="1">
+            <a:schemeClr val="accent1"/>
+          </a:fillRef>
+          <a:effectRef idx="0">
+            <a:schemeClr val="accent1"/>
+          </a:effectRef>
+          <a:fontRef idx="minor">
+            <a:schemeClr val="lt1"/>
+          </a:fontRef>
+        </p:style>
+        <p:txBody>
+          <a:bodyPr rtlCol="0" anchor="ctr"/>
+          <a:lstStyle/>
+          <a:p>
+            <a:pPr algn="ctr"/>
+            <a:endParaRPr lang="fr-FR">
+              <a:solidFill>
+                <a:srgbClr val="FFC000"/>
+              </a:solidFill>
+            </a:endParaRPr>
+          </a:p>
+        </p:txBody>
+      </p:sp>
+      <p:sp>
+        <p:nvSpPr>
+          <p:cNvPr id="2" name="Titre 1"/>
+          <p:cNvSpPr>
+            <a:spLocks noGrp="1"/>
+          </p:cNvSpPr>
+          <p:nvPr>
+            <p:ph type="ctrTitle"/>
+          </p:nvPr>
+        </p:nvSpPr>
+        <p:spPr>
+          <a:xfrm>
+            <a:off x="323528" y="332656"/>
+            <a:ext cx="2304256" cy="936104"/>
+          </a:xfrm>
+        </p:spPr>
+        <p:txBody>
+          <a:bodyPr>
+            <a:noAutofit/>
+          </a:bodyPr>
+          <a:lstStyle/>
+          <a:p>
+            <a:r>
+              <a:rPr lang="fr-FR" sz="7200" dirty="0" smtClean="0"/>
+              <a:t>-</a:t>
+            </a:r>
+            <a:endParaRPr lang="fr-FR" sz="7200" dirty="0"/>
+          </a:p>
+        </p:txBody>
+      </p:sp>
+      <p:sp>
+        <p:nvSpPr>
+          <p:cNvPr id="3" name="Sous-titre 2"/>
+          <p:cNvSpPr>
+            <a:spLocks noGrp="1"/>
+          </p:cNvSpPr>
+          <p:nvPr>
+            <p:ph type="subTitle" idx="1"/>
+          </p:nvPr>
+        </p:nvSpPr>
+        <p:spPr>
+          <a:xfrm>
+            <a:off x="1907704" y="2744924"/>
+            <a:ext cx="4856584" cy="1368152"/>
+          </a:xfrm>
+        </p:spPr>
+        <p:txBody>
+          <a:bodyPr vert="horz" lIns="91440" tIns="45720" rIns="91440" bIns="45720" rtlCol="0" anchor="ctr">
+            <a:noAutofit/>
+          </a:bodyPr>
+          <a:lstStyle/>
+          <a:p>
+            <a:pPr>
+              <a:spcBef>
+                <a:spcPct val="0"/>
+              </a:spcBef>
+            </a:pPr>
+            <a:r>
+              <a:rPr lang="fr-FR" sz="7200" dirty="0" smtClean="0">
+                <a:solidFill>
+                  <a:schemeClr val="tx1"/>
+                </a:solidFill>
+                <a:latin typeface="+mj-lt"/>
+                <a:ea typeface="+mj-ea"/>
+                <a:cs typeface="+mj-cs"/>
+              </a:rPr>
+              <a:t>Escargot </a:t>
+            </a:r>
+            <a:r>
+              <a:rPr lang="fr-FR" sz="7200" dirty="0" err="1">
+                <a:solidFill>
+                  <a:schemeClr val="tx1"/>
+                </a:solidFill>
+                <a:latin typeface="+mj-lt"/>
+                <a:ea typeface="+mj-ea"/>
+                <a:cs typeface="+mj-cs"/>
+              </a:rPr>
+              <a:t>mourguéta</a:t>
+            </a:r>
+            <a:endParaRPr lang="fr-FR" sz="7200" dirty="0">
+              <a:solidFill>
+                <a:schemeClr val="tx1"/>
+              </a:solidFill>
+              <a:latin typeface="+mj-lt"/>
+              <a:ea typeface="+mj-ea"/>
+              <a:cs typeface="+mj-cs"/>
+            </a:endParaRPr>
+          </a:p>
+        </p:txBody>
+      </p:sp>
+      <p:sp>
+        <p:nvSpPr>
+          <p:cNvPr id="4" name="Titre 1"/>
+          <p:cNvSpPr txBox="1">
+            <a:spLocks/>
+          </p:cNvSpPr>
+          <p:nvPr/>
+        </p:nvSpPr>
+        <p:spPr>
+          <a:xfrm>
+            <a:off x="7452320" y="260648"/>
+            <a:ext cx="1368152" cy="648072"/>
+          </a:xfrm>
+          <a:prstGeom prst="rect">
+            <a:avLst/>
+          </a:prstGeom>
+        </p:spPr>
+        <p:txBody>
+          <a:bodyPr vert="horz" lIns="91440" tIns="45720" rIns="91440" bIns="45720" rtlCol="0" anchor="ctr">
+            <a:noAutofit/>
+          </a:bodyPr>
+          <a:lstStyle>
+            <a:lvl1pPr algn="ctr">
+              <a:spcBef>
+                <a:spcPct val="0"/>
+              </a:spcBef>
+              <a:buNone/>
+              <a:defRPr sz="7200">
+                <a:latin typeface="+mj-lt"/>
+                <a:ea typeface="+mj-ea"/>
+                <a:cs typeface="+mj-cs"/>
+              </a:defRPr>
+            </a:lvl1pPr>
+          </a:lstStyle>
+          <a:p>
+            <a:endParaRPr lang="fr-FR" dirty="0"/>
+          </a:p>
+        </p:txBody>
+      </p:sp>
+      <p:sp>
+        <p:nvSpPr>
+          <p:cNvPr id="5" name="Titre 1"/>
+          <p:cNvSpPr txBox="1">
+            <a:spLocks/>
+          </p:cNvSpPr>
+          <p:nvPr/>
+        </p:nvSpPr>
+        <p:spPr>
+          <a:xfrm>
+            <a:off x="467544" y="5805264"/>
+            <a:ext cx="2103218" cy="648072"/>
+          </a:xfrm>
+          <a:prstGeom prst="rect">
+            <a:avLst/>
+          </a:prstGeom>
+        </p:spPr>
+        <p:txBody>
+          <a:bodyPr vert="horz" lIns="91440" tIns="45720" rIns="91440" bIns="45720" rtlCol="0" anchor="ctr">
+            <a:noAutofit/>
+          </a:bodyPr>
+          <a:lstStyle>
+            <a:defPPr>
+              <a:defRPr lang="fr-FR"/>
+            </a:defPPr>
+            <a:lvl1pPr algn="ctr">
+              <a:spcBef>
+                <a:spcPct val="0"/>
+              </a:spcBef>
+              <a:buNone/>
+              <a:defRPr sz="7200">
+                <a:latin typeface="+mj-lt"/>
+                <a:ea typeface="+mj-ea"/>
+                <a:cs typeface="+mj-cs"/>
+              </a:defRPr>
+            </a:lvl1pPr>
+          </a:lstStyle>
+          <a:p>
+            <a:r>
+              <a:rPr lang="fr-FR" dirty="0" err="1"/>
+              <a:t>Niv</a:t>
+            </a:r>
+            <a:r>
+              <a:rPr lang="fr-FR" dirty="0"/>
+              <a:t> </a:t>
+            </a:r>
+            <a:r>
+              <a:rPr lang="fr-FR" dirty="0" smtClean="0"/>
+              <a:t>8</a:t>
+            </a:r>
+            <a:endParaRPr lang="fr-FR" dirty="0"/>
+          </a:p>
+        </p:txBody>
+      </p:sp>
+      <p:sp>
+        <p:nvSpPr>
+          <p:cNvPr id="7" name="Titre 1"/>
+          <p:cNvSpPr txBox="1">
+            <a:spLocks/>
+          </p:cNvSpPr>
+          <p:nvPr/>
+        </p:nvSpPr>
+        <p:spPr>
+          <a:xfrm>
+            <a:off x="4572000" y="4905164"/>
+            <a:ext cx="4032448" cy="1800200"/>
+          </a:xfrm>
+          <a:prstGeom prst="rect">
+            <a:avLst/>
+          </a:prstGeom>
+        </p:spPr>
+        <p:txBody>
+          <a:bodyPr vert="horz" lIns="91440" tIns="45720" rIns="91440" bIns="45720" rtlCol="0" anchor="ctr">
+            <a:noAutofit/>
+          </a:bodyPr>
+          <a:lstStyle>
+            <a:defPPr>
+              <a:defRPr lang="fr-FR"/>
+            </a:defPPr>
+            <a:lvl1pPr algn="ctr">
+              <a:spcBef>
+                <a:spcPct val="0"/>
+              </a:spcBef>
+              <a:buNone/>
+              <a:defRPr sz="7200">
+                <a:latin typeface="+mj-lt"/>
+                <a:ea typeface="+mj-ea"/>
+                <a:cs typeface="+mj-cs"/>
+              </a:defRPr>
+            </a:lvl1pPr>
+          </a:lstStyle>
+          <a:p>
+            <a:r>
+              <a:rPr lang="fr-FR" sz="4800" dirty="0" smtClean="0"/>
+              <a:t> chaque action coût +1 </a:t>
+            </a:r>
+            <a:endParaRPr lang="fr-FR" sz="4800" dirty="0"/>
+          </a:p>
+        </p:txBody>
+      </p:sp>
+      <p:sp>
+        <p:nvSpPr>
+          <p:cNvPr id="8" name="Titre 1"/>
+          <p:cNvSpPr txBox="1">
+            <a:spLocks/>
+          </p:cNvSpPr>
+          <p:nvPr/>
+        </p:nvSpPr>
+        <p:spPr>
+          <a:xfrm>
+            <a:off x="7604720" y="413048"/>
+            <a:ext cx="1368152" cy="648072"/>
+          </a:xfrm>
+          <a:prstGeom prst="rect">
+            <a:avLst/>
+          </a:prstGeom>
+        </p:spPr>
+        <p:txBody>
+          <a:bodyPr vert="horz" lIns="91440" tIns="45720" rIns="91440" bIns="45720" rtlCol="0" anchor="ctr">
+            <a:noAutofit/>
+          </a:bodyPr>
+          <a:lstStyle>
+            <a:lvl1pPr algn="ctr">
+              <a:spcBef>
+                <a:spcPct val="0"/>
+              </a:spcBef>
+              <a:buNone/>
+              <a:defRPr sz="7200">
+                <a:latin typeface="+mj-lt"/>
+                <a:ea typeface="+mj-ea"/>
+                <a:cs typeface="+mj-cs"/>
+              </a:defRPr>
+            </a:lvl1pPr>
+          </a:lstStyle>
+          <a:p>
+            <a:r>
+              <a:rPr lang="fr-FR" dirty="0" smtClean="0"/>
+              <a:t>-</a:t>
+            </a:r>
+            <a:endParaRPr lang="fr-FR" dirty="0"/>
+          </a:p>
+        </p:txBody>
+      </p:sp>
+    </p:spTree>
+    <p:extLst>
+      <p:ext uri="{BB962C8B-B14F-4D97-AF65-F5344CB8AC3E}">
+        <p14:creationId xmlns:p14="http://schemas.microsoft.com/office/powerpoint/2010/main" val="3071950033"/>
+      </p:ext>
+    </p:extLst>
+  </p:cSld>
+  <p:clrMapOvr>
+    <a:masterClrMapping/>
+  </p:clrMapOvr>
+  <p:timing>
+    <p:tnLst>
+      <p:par>
+        <p:cTn id="1" dur="indefinite" restart="never" nodeType="tmRoot"/>
+      </p:par>
+    </p:tnLst>
+  </p:timing>
+</p:sld>
+</file>
+
+<file path=ppt/slides/slide14.xml><?xml version="1.0" encoding="utf-8"?>
+<p:sld xmlns:a="http://schemas.openxmlformats.org/drawingml/2006/main" xmlns:r="http://schemas.openxmlformats.org/officeDocument/2006/relationships" xmlns:p="http://schemas.openxmlformats.org/presentationml/2006/main">
+  <p:cSld>
+    <p:spTree>
+      <p:nvGrpSpPr>
+        <p:cNvPr id="1" name=""/>
+        <p:cNvGrpSpPr/>
+        <p:nvPr/>
+      </p:nvGrpSpPr>
+      <p:grpSpPr>
+        <a:xfrm>
+          <a:off x="0" y="0"/>
+          <a:ext cx="0" cy="0"/>
+          <a:chOff x="0" y="0"/>
+          <a:chExt cx="0" cy="0"/>
+        </a:xfrm>
+      </p:grpSpPr>
+      <p:sp>
+        <p:nvSpPr>
+          <p:cNvPr id="6" name="Rectangle 5"/>
+          <p:cNvSpPr/>
+          <p:nvPr/>
+        </p:nvSpPr>
+        <p:spPr>
+          <a:xfrm>
+            <a:off x="0" y="0"/>
+            <a:ext cx="9144000" cy="6858000"/>
+          </a:xfrm>
+          <a:prstGeom prst="rect">
+            <a:avLst/>
+          </a:prstGeom>
+          <a:solidFill>
+            <a:srgbClr val="FFC000">
+              <a:alpha val="0"/>
+            </a:srgbClr>
+          </a:solidFill>
+          <a:ln w="101600">
+            <a:solidFill>
+              <a:schemeClr val="tx1"/>
+            </a:solidFill>
+          </a:ln>
+        </p:spPr>
+        <p:style>
+          <a:lnRef idx="2">
+            <a:schemeClr val="accent1">
+              <a:shade val="50000"/>
+            </a:schemeClr>
+          </a:lnRef>
+          <a:fillRef idx="1">
+            <a:schemeClr val="accent1"/>
+          </a:fillRef>
+          <a:effectRef idx="0">
+            <a:schemeClr val="accent1"/>
+          </a:effectRef>
+          <a:fontRef idx="minor">
+            <a:schemeClr val="lt1"/>
+          </a:fontRef>
+        </p:style>
+        <p:txBody>
+          <a:bodyPr rtlCol="0" anchor="ctr"/>
+          <a:lstStyle/>
+          <a:p>
+            <a:pPr algn="ctr"/>
+            <a:endParaRPr lang="fr-FR">
+              <a:solidFill>
+                <a:srgbClr val="FFC000"/>
+              </a:solidFill>
+            </a:endParaRPr>
+          </a:p>
+        </p:txBody>
+      </p:sp>
+      <p:sp>
+        <p:nvSpPr>
+          <p:cNvPr id="2" name="Titre 1"/>
+          <p:cNvSpPr>
+            <a:spLocks noGrp="1"/>
+          </p:cNvSpPr>
+          <p:nvPr>
+            <p:ph type="ctrTitle"/>
+          </p:nvPr>
+        </p:nvSpPr>
+        <p:spPr>
+          <a:xfrm>
+            <a:off x="323528" y="332656"/>
+            <a:ext cx="2304256" cy="936104"/>
+          </a:xfrm>
+        </p:spPr>
+        <p:txBody>
+          <a:bodyPr>
+            <a:noAutofit/>
+          </a:bodyPr>
+          <a:lstStyle/>
+          <a:p>
+            <a:r>
+              <a:rPr lang="fr-FR" sz="7200" dirty="0" smtClean="0"/>
+              <a:t>-</a:t>
+            </a:r>
+            <a:endParaRPr lang="fr-FR" sz="7200" dirty="0"/>
+          </a:p>
+        </p:txBody>
+      </p:sp>
+      <p:sp>
+        <p:nvSpPr>
+          <p:cNvPr id="3" name="Sous-titre 2"/>
+          <p:cNvSpPr>
+            <a:spLocks noGrp="1"/>
+          </p:cNvSpPr>
+          <p:nvPr>
+            <p:ph type="subTitle" idx="1"/>
+          </p:nvPr>
+        </p:nvSpPr>
+        <p:spPr>
+          <a:xfrm>
+            <a:off x="1907704" y="2744924"/>
+            <a:ext cx="4856584" cy="1368152"/>
+          </a:xfrm>
+        </p:spPr>
+        <p:txBody>
+          <a:bodyPr>
+            <a:normAutofit fontScale="62500" lnSpcReduction="20000"/>
+          </a:bodyPr>
+          <a:lstStyle/>
+          <a:p>
+            <a:r>
+              <a:rPr lang="fr-FR" sz="8000" dirty="0">
+                <a:solidFill>
+                  <a:schemeClr val="tx1"/>
+                </a:solidFill>
+              </a:rPr>
+              <a:t>Lapin de garenne</a:t>
+            </a:r>
+          </a:p>
+        </p:txBody>
+      </p:sp>
+      <p:sp>
+        <p:nvSpPr>
+          <p:cNvPr id="4" name="Titre 1"/>
+          <p:cNvSpPr txBox="1">
+            <a:spLocks/>
+          </p:cNvSpPr>
+          <p:nvPr/>
+        </p:nvSpPr>
+        <p:spPr>
+          <a:xfrm>
+            <a:off x="7452320" y="260648"/>
+            <a:ext cx="1368152" cy="648072"/>
+          </a:xfrm>
+          <a:prstGeom prst="rect">
+            <a:avLst/>
+          </a:prstGeom>
+        </p:spPr>
+        <p:txBody>
+          <a:bodyPr vert="horz" lIns="91440" tIns="45720" rIns="91440" bIns="45720" rtlCol="0" anchor="ctr">
+            <a:noAutofit/>
+          </a:bodyPr>
+          <a:lstStyle>
+            <a:lvl1pPr algn="ctr">
+              <a:spcBef>
+                <a:spcPct val="0"/>
+              </a:spcBef>
+              <a:buNone/>
+              <a:defRPr sz="7200">
+                <a:latin typeface="+mj-lt"/>
+                <a:ea typeface="+mj-ea"/>
+                <a:cs typeface="+mj-cs"/>
+              </a:defRPr>
+            </a:lvl1pPr>
+          </a:lstStyle>
+          <a:p>
+            <a:endParaRPr lang="fr-FR" dirty="0"/>
+          </a:p>
+        </p:txBody>
+      </p:sp>
+      <p:sp>
+        <p:nvSpPr>
+          <p:cNvPr id="5" name="Titre 1"/>
+          <p:cNvSpPr txBox="1">
+            <a:spLocks/>
+          </p:cNvSpPr>
+          <p:nvPr/>
+        </p:nvSpPr>
+        <p:spPr>
+          <a:xfrm>
+            <a:off x="467544" y="5805264"/>
+            <a:ext cx="2103218" cy="648072"/>
+          </a:xfrm>
+          <a:prstGeom prst="rect">
+            <a:avLst/>
+          </a:prstGeom>
+        </p:spPr>
+        <p:txBody>
+          <a:bodyPr vert="horz" lIns="91440" tIns="45720" rIns="91440" bIns="45720" rtlCol="0" anchor="ctr">
+            <a:noAutofit/>
+          </a:bodyPr>
+          <a:lstStyle>
+            <a:defPPr>
+              <a:defRPr lang="fr-FR"/>
+            </a:defPPr>
+            <a:lvl1pPr algn="ctr">
+              <a:spcBef>
+                <a:spcPct val="0"/>
+              </a:spcBef>
+              <a:buNone/>
+              <a:defRPr sz="7200">
+                <a:latin typeface="+mj-lt"/>
+                <a:ea typeface="+mj-ea"/>
+                <a:cs typeface="+mj-cs"/>
+              </a:defRPr>
+            </a:lvl1pPr>
+          </a:lstStyle>
+          <a:p>
+            <a:r>
+              <a:rPr lang="fr-FR" dirty="0" err="1"/>
+              <a:t>Niv</a:t>
+            </a:r>
+            <a:r>
+              <a:rPr lang="fr-FR" dirty="0"/>
+              <a:t> 6</a:t>
+            </a:r>
+          </a:p>
+        </p:txBody>
+      </p:sp>
+      <p:sp>
+        <p:nvSpPr>
+          <p:cNvPr id="7" name="Titre 1"/>
+          <p:cNvSpPr txBox="1">
+            <a:spLocks/>
+          </p:cNvSpPr>
+          <p:nvPr/>
+        </p:nvSpPr>
+        <p:spPr>
+          <a:xfrm>
+            <a:off x="4572000" y="4725144"/>
+            <a:ext cx="4464496" cy="1800200"/>
+          </a:xfrm>
+          <a:prstGeom prst="rect">
+            <a:avLst/>
+          </a:prstGeom>
+        </p:spPr>
+        <p:txBody>
+          <a:bodyPr vert="horz" lIns="91440" tIns="45720" rIns="91440" bIns="45720" rtlCol="0" anchor="ctr">
+            <a:noAutofit/>
+          </a:bodyPr>
+          <a:lstStyle>
+            <a:defPPr>
+              <a:defRPr lang="fr-FR"/>
+            </a:defPPr>
+            <a:lvl1pPr algn="ctr">
+              <a:spcBef>
+                <a:spcPct val="0"/>
+              </a:spcBef>
+              <a:buNone/>
+              <a:defRPr sz="7200">
+                <a:latin typeface="+mj-lt"/>
+                <a:ea typeface="+mj-ea"/>
+                <a:cs typeface="+mj-cs"/>
+              </a:defRPr>
+            </a:lvl1pPr>
+          </a:lstStyle>
+          <a:p>
+            <a:r>
+              <a:rPr lang="fr-FR" sz="5400" dirty="0" smtClean="0"/>
+              <a:t>Stocke 2 actions</a:t>
+            </a:r>
+            <a:endParaRPr lang="fr-FR" sz="5400" dirty="0"/>
+          </a:p>
+        </p:txBody>
+      </p:sp>
+      <p:sp>
+        <p:nvSpPr>
+          <p:cNvPr id="8" name="Titre 1"/>
+          <p:cNvSpPr txBox="1">
+            <a:spLocks/>
+          </p:cNvSpPr>
+          <p:nvPr/>
+        </p:nvSpPr>
+        <p:spPr>
+          <a:xfrm>
+            <a:off x="7604720" y="413048"/>
+            <a:ext cx="1368152" cy="648072"/>
+          </a:xfrm>
+          <a:prstGeom prst="rect">
+            <a:avLst/>
+          </a:prstGeom>
+        </p:spPr>
+        <p:txBody>
+          <a:bodyPr vert="horz" lIns="91440" tIns="45720" rIns="91440" bIns="45720" rtlCol="0" anchor="ctr">
+            <a:noAutofit/>
+          </a:bodyPr>
+          <a:lstStyle>
+            <a:lvl1pPr algn="ctr">
+              <a:spcBef>
+                <a:spcPct val="0"/>
+              </a:spcBef>
+              <a:buNone/>
+              <a:defRPr sz="7200">
+                <a:latin typeface="+mj-lt"/>
+                <a:ea typeface="+mj-ea"/>
+                <a:cs typeface="+mj-cs"/>
+              </a:defRPr>
+            </a:lvl1pPr>
+          </a:lstStyle>
+          <a:p>
+            <a:r>
+              <a:rPr lang="fr-FR" dirty="0" smtClean="0"/>
+              <a:t>-</a:t>
+            </a:r>
+            <a:endParaRPr lang="fr-FR" dirty="0"/>
+          </a:p>
+        </p:txBody>
+      </p:sp>
+    </p:spTree>
+    <p:extLst>
+      <p:ext uri="{BB962C8B-B14F-4D97-AF65-F5344CB8AC3E}">
+        <p14:creationId xmlns:p14="http://schemas.microsoft.com/office/powerpoint/2010/main" val="38543887"/>
+      </p:ext>
+    </p:extLst>
+  </p:cSld>
+  <p:clrMapOvr>
+    <a:masterClrMapping/>
+  </p:clrMapOvr>
+  <p:timing>
+    <p:tnLst>
+      <p:par>
+        <p:cTn id="1" dur="indefinite" restart="never" nodeType="tmRoot"/>
+      </p:par>
+    </p:tnLst>
+  </p:timing>
+</p:sld>
+</file>
+
+<file path=ppt/slides/slide15.xml><?xml version="1.0" encoding="utf-8"?>
+<p:sld xmlns:a="http://schemas.openxmlformats.org/drawingml/2006/main" xmlns:r="http://schemas.openxmlformats.org/officeDocument/2006/relationships" xmlns:p="http://schemas.openxmlformats.org/presentationml/2006/main">
+  <p:cSld>
+    <p:spTree>
+      <p:nvGrpSpPr>
+        <p:cNvPr id="1" name=""/>
+        <p:cNvGrpSpPr/>
+        <p:nvPr/>
+      </p:nvGrpSpPr>
+      <p:grpSpPr>
+        <a:xfrm>
+          <a:off x="0" y="0"/>
+          <a:ext cx="0" cy="0"/>
+          <a:chOff x="0" y="0"/>
+          <a:chExt cx="0" cy="0"/>
+        </a:xfrm>
+      </p:grpSpPr>
+      <p:sp>
+        <p:nvSpPr>
+          <p:cNvPr id="6" name="Rectangle 5"/>
+          <p:cNvSpPr/>
+          <p:nvPr/>
+        </p:nvSpPr>
+        <p:spPr>
+          <a:xfrm>
+            <a:off x="0" y="0"/>
+            <a:ext cx="9144000" cy="6858000"/>
+          </a:xfrm>
+          <a:prstGeom prst="rect">
+            <a:avLst/>
+          </a:prstGeom>
+          <a:solidFill>
+            <a:srgbClr val="FFC000">
+              <a:alpha val="0"/>
+            </a:srgbClr>
+          </a:solidFill>
+          <a:ln w="101600">
+            <a:solidFill>
+              <a:schemeClr val="tx1"/>
+            </a:solidFill>
+          </a:ln>
+        </p:spPr>
+        <p:style>
+          <a:lnRef idx="2">
+            <a:schemeClr val="accent1">
+              <a:shade val="50000"/>
+            </a:schemeClr>
+          </a:lnRef>
+          <a:fillRef idx="1">
+            <a:schemeClr val="accent1"/>
+          </a:fillRef>
+          <a:effectRef idx="0">
+            <a:schemeClr val="accent1"/>
+          </a:effectRef>
+          <a:fontRef idx="minor">
+            <a:schemeClr val="lt1"/>
+          </a:fontRef>
+        </p:style>
+        <p:txBody>
+          <a:bodyPr rtlCol="0" anchor="ctr"/>
+          <a:lstStyle/>
+          <a:p>
+            <a:pPr algn="ctr"/>
+            <a:endParaRPr lang="fr-FR">
+              <a:solidFill>
+                <a:srgbClr val="FFC000"/>
+              </a:solidFill>
+            </a:endParaRPr>
+          </a:p>
+        </p:txBody>
+      </p:sp>
+      <p:sp>
+        <p:nvSpPr>
+          <p:cNvPr id="2" name="Titre 1"/>
+          <p:cNvSpPr>
+            <a:spLocks noGrp="1"/>
+          </p:cNvSpPr>
+          <p:nvPr>
+            <p:ph type="ctrTitle"/>
+          </p:nvPr>
+        </p:nvSpPr>
+        <p:spPr>
+          <a:xfrm>
+            <a:off x="323528" y="332656"/>
+            <a:ext cx="2304256" cy="936104"/>
+          </a:xfrm>
+        </p:spPr>
+        <p:txBody>
+          <a:bodyPr>
+            <a:noAutofit/>
+          </a:bodyPr>
+          <a:lstStyle/>
+          <a:p>
+            <a:r>
+              <a:rPr lang="fr-FR" sz="7200" dirty="0" smtClean="0"/>
+              <a:t>-</a:t>
+            </a:r>
+            <a:endParaRPr lang="fr-FR" sz="7200" dirty="0"/>
+          </a:p>
+        </p:txBody>
+      </p:sp>
+      <p:sp>
+        <p:nvSpPr>
+          <p:cNvPr id="3" name="Sous-titre 2"/>
+          <p:cNvSpPr>
+            <a:spLocks noGrp="1"/>
+          </p:cNvSpPr>
+          <p:nvPr>
+            <p:ph type="subTitle" idx="1"/>
+          </p:nvPr>
+        </p:nvSpPr>
+        <p:spPr>
+          <a:xfrm>
+            <a:off x="1907704" y="2744924"/>
+            <a:ext cx="4856584" cy="1368152"/>
+          </a:xfrm>
+        </p:spPr>
+        <p:txBody>
+          <a:bodyPr>
+            <a:normAutofit fontScale="62500" lnSpcReduction="20000"/>
+          </a:bodyPr>
+          <a:lstStyle/>
+          <a:p>
+            <a:r>
+              <a:rPr lang="fr-FR" sz="8000" dirty="0">
+                <a:solidFill>
+                  <a:schemeClr val="tx1"/>
+                </a:solidFill>
+              </a:rPr>
+              <a:t>Lapin de garenne</a:t>
+            </a:r>
+          </a:p>
+        </p:txBody>
+      </p:sp>
+      <p:sp>
+        <p:nvSpPr>
+          <p:cNvPr id="4" name="Titre 1"/>
+          <p:cNvSpPr txBox="1">
+            <a:spLocks/>
+          </p:cNvSpPr>
+          <p:nvPr/>
+        </p:nvSpPr>
+        <p:spPr>
+          <a:xfrm>
+            <a:off x="7452320" y="260648"/>
+            <a:ext cx="1368152" cy="648072"/>
+          </a:xfrm>
+          <a:prstGeom prst="rect">
+            <a:avLst/>
+          </a:prstGeom>
+        </p:spPr>
+        <p:txBody>
+          <a:bodyPr vert="horz" lIns="91440" tIns="45720" rIns="91440" bIns="45720" rtlCol="0" anchor="ctr">
+            <a:noAutofit/>
+          </a:bodyPr>
+          <a:lstStyle>
+            <a:lvl1pPr algn="ctr">
+              <a:spcBef>
+                <a:spcPct val="0"/>
+              </a:spcBef>
+              <a:buNone/>
+              <a:defRPr sz="7200">
+                <a:latin typeface="+mj-lt"/>
+                <a:ea typeface="+mj-ea"/>
+                <a:cs typeface="+mj-cs"/>
+              </a:defRPr>
+            </a:lvl1pPr>
+          </a:lstStyle>
+          <a:p>
+            <a:endParaRPr lang="fr-FR" dirty="0"/>
+          </a:p>
+        </p:txBody>
+      </p:sp>
+      <p:sp>
+        <p:nvSpPr>
+          <p:cNvPr id="5" name="Titre 1"/>
+          <p:cNvSpPr txBox="1">
+            <a:spLocks/>
+          </p:cNvSpPr>
+          <p:nvPr/>
+        </p:nvSpPr>
+        <p:spPr>
+          <a:xfrm>
+            <a:off x="467544" y="5805264"/>
+            <a:ext cx="2103218" cy="648072"/>
+          </a:xfrm>
+          <a:prstGeom prst="rect">
+            <a:avLst/>
+          </a:prstGeom>
+        </p:spPr>
+        <p:txBody>
+          <a:bodyPr vert="horz" lIns="91440" tIns="45720" rIns="91440" bIns="45720" rtlCol="0" anchor="ctr">
+            <a:noAutofit/>
+          </a:bodyPr>
+          <a:lstStyle>
+            <a:defPPr>
+              <a:defRPr lang="fr-FR"/>
+            </a:defPPr>
+            <a:lvl1pPr algn="ctr">
+              <a:spcBef>
+                <a:spcPct val="0"/>
+              </a:spcBef>
+              <a:buNone/>
+              <a:defRPr sz="7200">
+                <a:latin typeface="+mj-lt"/>
+                <a:ea typeface="+mj-ea"/>
+                <a:cs typeface="+mj-cs"/>
+              </a:defRPr>
+            </a:lvl1pPr>
+          </a:lstStyle>
+          <a:p>
+            <a:r>
+              <a:rPr lang="fr-FR" dirty="0" err="1"/>
+              <a:t>Niv</a:t>
+            </a:r>
+            <a:r>
+              <a:rPr lang="fr-FR" dirty="0"/>
+              <a:t> 6</a:t>
+            </a:r>
+          </a:p>
+        </p:txBody>
+      </p:sp>
+      <p:sp>
+        <p:nvSpPr>
+          <p:cNvPr id="7" name="Titre 1"/>
+          <p:cNvSpPr txBox="1">
+            <a:spLocks/>
+          </p:cNvSpPr>
+          <p:nvPr/>
+        </p:nvSpPr>
+        <p:spPr>
+          <a:xfrm>
+            <a:off x="4572000" y="4725144"/>
+            <a:ext cx="4464496" cy="1800200"/>
+          </a:xfrm>
+          <a:prstGeom prst="rect">
+            <a:avLst/>
+          </a:prstGeom>
+        </p:spPr>
+        <p:txBody>
+          <a:bodyPr vert="horz" lIns="91440" tIns="45720" rIns="91440" bIns="45720" rtlCol="0" anchor="ctr">
+            <a:noAutofit/>
+          </a:bodyPr>
+          <a:lstStyle>
+            <a:defPPr>
+              <a:defRPr lang="fr-FR"/>
+            </a:defPPr>
+            <a:lvl1pPr algn="ctr">
+              <a:spcBef>
+                <a:spcPct val="0"/>
+              </a:spcBef>
+              <a:buNone/>
+              <a:defRPr sz="7200">
+                <a:latin typeface="+mj-lt"/>
+                <a:ea typeface="+mj-ea"/>
+                <a:cs typeface="+mj-cs"/>
+              </a:defRPr>
+            </a:lvl1pPr>
+          </a:lstStyle>
+          <a:p>
+            <a:r>
+              <a:rPr lang="fr-FR" sz="5400" dirty="0" smtClean="0"/>
+              <a:t>Stocke 2 actions</a:t>
+            </a:r>
+            <a:endParaRPr lang="fr-FR" sz="5400" dirty="0"/>
+          </a:p>
+        </p:txBody>
+      </p:sp>
+      <p:sp>
+        <p:nvSpPr>
+          <p:cNvPr id="8" name="Titre 1"/>
+          <p:cNvSpPr txBox="1">
+            <a:spLocks/>
+          </p:cNvSpPr>
+          <p:nvPr/>
+        </p:nvSpPr>
+        <p:spPr>
+          <a:xfrm>
+            <a:off x="7604720" y="413048"/>
+            <a:ext cx="1368152" cy="648072"/>
+          </a:xfrm>
+          <a:prstGeom prst="rect">
+            <a:avLst/>
+          </a:prstGeom>
+        </p:spPr>
+        <p:txBody>
+          <a:bodyPr vert="horz" lIns="91440" tIns="45720" rIns="91440" bIns="45720" rtlCol="0" anchor="ctr">
+            <a:noAutofit/>
+          </a:bodyPr>
+          <a:lstStyle>
+            <a:lvl1pPr algn="ctr">
+              <a:spcBef>
+                <a:spcPct val="0"/>
+              </a:spcBef>
+              <a:buNone/>
+              <a:defRPr sz="7200">
+                <a:latin typeface="+mj-lt"/>
+                <a:ea typeface="+mj-ea"/>
+                <a:cs typeface="+mj-cs"/>
+              </a:defRPr>
+            </a:lvl1pPr>
+          </a:lstStyle>
+          <a:p>
+            <a:r>
+              <a:rPr lang="fr-FR" dirty="0" smtClean="0"/>
+              <a:t>-</a:t>
+            </a:r>
+            <a:endParaRPr lang="fr-FR" dirty="0"/>
+          </a:p>
+        </p:txBody>
+      </p:sp>
+    </p:spTree>
+    <p:extLst>
+      <p:ext uri="{BB962C8B-B14F-4D97-AF65-F5344CB8AC3E}">
+        <p14:creationId xmlns:p14="http://schemas.microsoft.com/office/powerpoint/2010/main" val="1342429770"/>
+      </p:ext>
+    </p:extLst>
+  </p:cSld>
+  <p:clrMapOvr>
+    <a:masterClrMapping/>
+  </p:clrMapOvr>
+  <p:timing>
+    <p:tnLst>
+      <p:par>
+        <p:cTn id="1" dur="indefinite" restart="never" nodeType="tmRoot"/>
+      </p:par>
+    </p:tnLst>
+  </p:timing>
+</p:sld>
+</file>
+
+<file path=ppt/slides/slide16.xml><?xml version="1.0" encoding="utf-8"?>
+<p:sld xmlns:a="http://schemas.openxmlformats.org/drawingml/2006/main" xmlns:r="http://schemas.openxmlformats.org/officeDocument/2006/relationships" xmlns:p="http://schemas.openxmlformats.org/presentationml/2006/main">
+  <p:cSld>
+    <p:spTree>
+      <p:nvGrpSpPr>
+        <p:cNvPr id="1" name=""/>
+        <p:cNvGrpSpPr/>
+        <p:nvPr/>
+      </p:nvGrpSpPr>
+      <p:grpSpPr>
+        <a:xfrm>
+          <a:off x="0" y="0"/>
+          <a:ext cx="0" cy="0"/>
+          <a:chOff x="0" y="0"/>
+          <a:chExt cx="0" cy="0"/>
+        </a:xfrm>
+      </p:grpSpPr>
+      <p:sp>
+        <p:nvSpPr>
+          <p:cNvPr id="6" name="Rectangle 5"/>
+          <p:cNvSpPr/>
+          <p:nvPr/>
+        </p:nvSpPr>
+        <p:spPr>
+          <a:xfrm>
+            <a:off x="0" y="0"/>
+            <a:ext cx="9144000" cy="6858000"/>
+          </a:xfrm>
+          <a:prstGeom prst="rect">
+            <a:avLst/>
+          </a:prstGeom>
+          <a:solidFill>
+            <a:srgbClr val="FFC000">
+              <a:alpha val="0"/>
+            </a:srgbClr>
+          </a:solidFill>
+          <a:ln w="101600">
+            <a:solidFill>
+              <a:schemeClr val="tx1"/>
+            </a:solidFill>
+          </a:ln>
+        </p:spPr>
+        <p:style>
+          <a:lnRef idx="2">
+            <a:schemeClr val="accent1">
+              <a:shade val="50000"/>
+            </a:schemeClr>
+          </a:lnRef>
+          <a:fillRef idx="1">
+            <a:schemeClr val="accent1"/>
+          </a:fillRef>
+          <a:effectRef idx="0">
+            <a:schemeClr val="accent1"/>
+          </a:effectRef>
+          <a:fontRef idx="minor">
+            <a:schemeClr val="lt1"/>
+          </a:fontRef>
+        </p:style>
+        <p:txBody>
+          <a:bodyPr rtlCol="0" anchor="ctr"/>
+          <a:lstStyle/>
+          <a:p>
+            <a:pPr algn="ctr"/>
+            <a:endParaRPr lang="fr-FR">
+              <a:solidFill>
+                <a:srgbClr val="FFC000"/>
+              </a:solidFill>
+            </a:endParaRPr>
+          </a:p>
+        </p:txBody>
+      </p:sp>
+      <p:sp>
+        <p:nvSpPr>
+          <p:cNvPr id="2" name="Titre 1"/>
+          <p:cNvSpPr>
+            <a:spLocks noGrp="1"/>
+          </p:cNvSpPr>
+          <p:nvPr>
+            <p:ph type="ctrTitle"/>
+          </p:nvPr>
+        </p:nvSpPr>
+        <p:spPr>
+          <a:xfrm>
+            <a:off x="323528" y="332656"/>
+            <a:ext cx="2304256" cy="936104"/>
+          </a:xfrm>
+        </p:spPr>
+        <p:txBody>
+          <a:bodyPr>
+            <a:noAutofit/>
+          </a:bodyPr>
+          <a:lstStyle/>
+          <a:p>
+            <a:r>
+              <a:rPr lang="fr-FR" sz="7200" dirty="0" smtClean="0"/>
+              <a:t>-</a:t>
+            </a:r>
+            <a:endParaRPr lang="fr-FR" sz="7200" dirty="0"/>
+          </a:p>
+        </p:txBody>
+      </p:sp>
+      <p:sp>
+        <p:nvSpPr>
+          <p:cNvPr id="3" name="Sous-titre 2"/>
+          <p:cNvSpPr>
+            <a:spLocks noGrp="1"/>
+          </p:cNvSpPr>
+          <p:nvPr>
+            <p:ph type="subTitle" idx="1"/>
+          </p:nvPr>
+        </p:nvSpPr>
+        <p:spPr>
+          <a:xfrm>
+            <a:off x="1907704" y="2744924"/>
+            <a:ext cx="4856584" cy="1368152"/>
+          </a:xfrm>
+        </p:spPr>
+        <p:txBody>
+          <a:bodyPr>
+            <a:normAutofit fontScale="62500" lnSpcReduction="20000"/>
+          </a:bodyPr>
+          <a:lstStyle/>
+          <a:p>
+            <a:r>
+              <a:rPr lang="fr-FR" sz="8000" dirty="0" err="1">
+                <a:solidFill>
+                  <a:schemeClr val="tx1"/>
+                </a:solidFill>
+              </a:rPr>
+              <a:t>Phagnalon</a:t>
+            </a:r>
+            <a:r>
+              <a:rPr lang="fr-FR" sz="8000" dirty="0">
+                <a:solidFill>
+                  <a:schemeClr val="tx1"/>
+                </a:solidFill>
+              </a:rPr>
+              <a:t> des rochers</a:t>
+            </a:r>
+          </a:p>
+        </p:txBody>
+      </p:sp>
+      <p:sp>
+        <p:nvSpPr>
+          <p:cNvPr id="4" name="Titre 1"/>
+          <p:cNvSpPr txBox="1">
+            <a:spLocks/>
+          </p:cNvSpPr>
+          <p:nvPr/>
+        </p:nvSpPr>
+        <p:spPr>
+          <a:xfrm>
+            <a:off x="7452320" y="260648"/>
+            <a:ext cx="1368152" cy="648072"/>
+          </a:xfrm>
+          <a:prstGeom prst="rect">
+            <a:avLst/>
+          </a:prstGeom>
+        </p:spPr>
+        <p:txBody>
+          <a:bodyPr vert="horz" lIns="91440" tIns="45720" rIns="91440" bIns="45720" rtlCol="0" anchor="ctr">
+            <a:noAutofit/>
+          </a:bodyPr>
+          <a:lstStyle>
+            <a:lvl1pPr algn="ctr">
+              <a:spcBef>
+                <a:spcPct val="0"/>
+              </a:spcBef>
+              <a:buNone/>
+              <a:defRPr sz="7200">
+                <a:latin typeface="+mj-lt"/>
+                <a:ea typeface="+mj-ea"/>
+                <a:cs typeface="+mj-cs"/>
+              </a:defRPr>
+            </a:lvl1pPr>
+          </a:lstStyle>
+          <a:p>
+            <a:endParaRPr lang="fr-FR" dirty="0"/>
+          </a:p>
+        </p:txBody>
+      </p:sp>
+      <p:sp>
+        <p:nvSpPr>
+          <p:cNvPr id="5" name="Titre 1"/>
+          <p:cNvSpPr txBox="1">
+            <a:spLocks/>
+          </p:cNvSpPr>
+          <p:nvPr/>
+        </p:nvSpPr>
+        <p:spPr>
+          <a:xfrm>
+            <a:off x="467544" y="5472288"/>
+            <a:ext cx="3888432" cy="648072"/>
+          </a:xfrm>
+          <a:prstGeom prst="rect">
+            <a:avLst/>
+          </a:prstGeom>
+        </p:spPr>
+        <p:txBody>
+          <a:bodyPr vert="horz" lIns="91440" tIns="45720" rIns="91440" bIns="45720" rtlCol="0" anchor="ctr">
+            <a:noAutofit/>
+          </a:bodyPr>
+          <a:lstStyle>
+            <a:defPPr>
+              <a:defRPr lang="fr-FR"/>
+            </a:defPPr>
+            <a:lvl1pPr algn="ctr">
+              <a:spcBef>
+                <a:spcPct val="0"/>
+              </a:spcBef>
+              <a:buNone/>
+              <a:defRPr sz="7200">
+                <a:latin typeface="+mj-lt"/>
+                <a:ea typeface="+mj-ea"/>
+                <a:cs typeface="+mj-cs"/>
+              </a:defRPr>
+            </a:lvl1pPr>
+          </a:lstStyle>
+          <a:p>
+            <a:r>
+              <a:rPr lang="fr-FR" sz="4800" dirty="0" smtClean="0"/>
+              <a:t>Niveau de la carte protégé</a:t>
+            </a:r>
+            <a:endParaRPr lang="fr-FR" sz="4800" dirty="0"/>
+          </a:p>
+        </p:txBody>
+      </p:sp>
+      <p:sp>
+        <p:nvSpPr>
+          <p:cNvPr id="7" name="Titre 1"/>
+          <p:cNvSpPr txBox="1">
+            <a:spLocks/>
+          </p:cNvSpPr>
+          <p:nvPr/>
+        </p:nvSpPr>
+        <p:spPr>
+          <a:xfrm>
+            <a:off x="4572000" y="4725144"/>
+            <a:ext cx="4464496" cy="1800200"/>
+          </a:xfrm>
+          <a:prstGeom prst="rect">
+            <a:avLst/>
+          </a:prstGeom>
+        </p:spPr>
+        <p:txBody>
+          <a:bodyPr vert="horz" lIns="91440" tIns="45720" rIns="91440" bIns="45720" rtlCol="0" anchor="ctr">
+            <a:noAutofit/>
+          </a:bodyPr>
+          <a:lstStyle>
+            <a:defPPr>
+              <a:defRPr lang="fr-FR"/>
+            </a:defPPr>
+            <a:lvl1pPr algn="ctr">
+              <a:spcBef>
+                <a:spcPct val="0"/>
+              </a:spcBef>
+              <a:buNone/>
+              <a:defRPr sz="7200">
+                <a:latin typeface="+mj-lt"/>
+                <a:ea typeface="+mj-ea"/>
+                <a:cs typeface="+mj-cs"/>
+              </a:defRPr>
+            </a:lvl1pPr>
+          </a:lstStyle>
+          <a:p>
+            <a:r>
+              <a:rPr lang="fr-FR" sz="5400" dirty="0" smtClean="0"/>
+              <a:t>Protège du vol</a:t>
+            </a:r>
+            <a:endParaRPr lang="fr-FR" sz="5400" dirty="0"/>
+          </a:p>
+        </p:txBody>
+      </p:sp>
+      <p:sp>
+        <p:nvSpPr>
+          <p:cNvPr id="8" name="Titre 1"/>
+          <p:cNvSpPr txBox="1">
+            <a:spLocks/>
+          </p:cNvSpPr>
+          <p:nvPr/>
+        </p:nvSpPr>
+        <p:spPr>
+          <a:xfrm>
+            <a:off x="7604720" y="413048"/>
+            <a:ext cx="1368152" cy="648072"/>
+          </a:xfrm>
+          <a:prstGeom prst="rect">
+            <a:avLst/>
+          </a:prstGeom>
+        </p:spPr>
+        <p:txBody>
+          <a:bodyPr vert="horz" lIns="91440" tIns="45720" rIns="91440" bIns="45720" rtlCol="0" anchor="ctr">
+            <a:noAutofit/>
+          </a:bodyPr>
+          <a:lstStyle>
+            <a:lvl1pPr algn="ctr">
+              <a:spcBef>
+                <a:spcPct val="0"/>
+              </a:spcBef>
+              <a:buNone/>
+              <a:defRPr sz="7200">
+                <a:latin typeface="+mj-lt"/>
+                <a:ea typeface="+mj-ea"/>
+                <a:cs typeface="+mj-cs"/>
+              </a:defRPr>
+            </a:lvl1pPr>
+          </a:lstStyle>
+          <a:p>
+            <a:r>
+              <a:rPr lang="fr-FR" dirty="0" smtClean="0"/>
+              <a:t>-</a:t>
+            </a:r>
+            <a:endParaRPr lang="fr-FR" dirty="0"/>
+          </a:p>
+        </p:txBody>
+      </p:sp>
+    </p:spTree>
+    <p:extLst>
+      <p:ext uri="{BB962C8B-B14F-4D97-AF65-F5344CB8AC3E}">
+        <p14:creationId xmlns:p14="http://schemas.microsoft.com/office/powerpoint/2010/main" val="1068469828"/>
+      </p:ext>
+    </p:extLst>
+  </p:cSld>
+  <p:clrMapOvr>
+    <a:masterClrMapping/>
+  </p:clrMapOvr>
+  <p:timing>
+    <p:tnLst>
+      <p:par>
+        <p:cTn id="1" dur="indefinite" restart="never" nodeType="tmRoot"/>
+      </p:par>
+    </p:tnLst>
+  </p:timing>
+</p:sld>
+</file>
+
+<file path=ppt/slides/slide17.xml><?xml version="1.0" encoding="utf-8"?>
+<p:sld xmlns:a="http://schemas.openxmlformats.org/drawingml/2006/main" xmlns:r="http://schemas.openxmlformats.org/officeDocument/2006/relationships" xmlns:p="http://schemas.openxmlformats.org/presentationml/2006/main">
+  <p:cSld>
+    <p:spTree>
+      <p:nvGrpSpPr>
+        <p:cNvPr id="1" name=""/>
+        <p:cNvGrpSpPr/>
+        <p:nvPr/>
+      </p:nvGrpSpPr>
+      <p:grpSpPr>
+        <a:xfrm>
+          <a:off x="0" y="0"/>
+          <a:ext cx="0" cy="0"/>
+          <a:chOff x="0" y="0"/>
+          <a:chExt cx="0" cy="0"/>
+        </a:xfrm>
+      </p:grpSpPr>
+      <p:sp>
+        <p:nvSpPr>
+          <p:cNvPr id="6" name="Rectangle 5"/>
+          <p:cNvSpPr/>
+          <p:nvPr/>
+        </p:nvSpPr>
+        <p:spPr>
+          <a:xfrm>
+            <a:off x="0" y="0"/>
+            <a:ext cx="9144000" cy="6858000"/>
+          </a:xfrm>
+          <a:prstGeom prst="rect">
+            <a:avLst/>
+          </a:prstGeom>
+          <a:solidFill>
+            <a:srgbClr val="FFC000">
+              <a:alpha val="0"/>
+            </a:srgbClr>
+          </a:solidFill>
+          <a:ln w="101600">
+            <a:solidFill>
+              <a:schemeClr val="tx1"/>
+            </a:solidFill>
+          </a:ln>
+        </p:spPr>
+        <p:style>
+          <a:lnRef idx="2">
+            <a:schemeClr val="accent1">
+              <a:shade val="50000"/>
+            </a:schemeClr>
+          </a:lnRef>
+          <a:fillRef idx="1">
+            <a:schemeClr val="accent1"/>
+          </a:fillRef>
+          <a:effectRef idx="0">
+            <a:schemeClr val="accent1"/>
+          </a:effectRef>
+          <a:fontRef idx="minor">
+            <a:schemeClr val="lt1"/>
+          </a:fontRef>
+        </p:style>
+        <p:txBody>
+          <a:bodyPr rtlCol="0" anchor="ctr"/>
+          <a:lstStyle/>
+          <a:p>
+            <a:pPr algn="ctr"/>
+            <a:endParaRPr lang="fr-FR">
+              <a:solidFill>
+                <a:srgbClr val="FFC000"/>
+              </a:solidFill>
+            </a:endParaRPr>
+          </a:p>
+        </p:txBody>
+      </p:sp>
+      <p:sp>
+        <p:nvSpPr>
+          <p:cNvPr id="2" name="Titre 1"/>
+          <p:cNvSpPr>
+            <a:spLocks noGrp="1"/>
+          </p:cNvSpPr>
+          <p:nvPr>
+            <p:ph type="ctrTitle"/>
+          </p:nvPr>
+        </p:nvSpPr>
+        <p:spPr>
+          <a:xfrm>
+            <a:off x="323528" y="332656"/>
+            <a:ext cx="2304256" cy="936104"/>
+          </a:xfrm>
+        </p:spPr>
+        <p:txBody>
+          <a:bodyPr>
+            <a:noAutofit/>
+          </a:bodyPr>
+          <a:lstStyle/>
+          <a:p>
+            <a:r>
+              <a:rPr lang="fr-FR" sz="7200" dirty="0" smtClean="0"/>
+              <a:t>-</a:t>
+            </a:r>
+            <a:endParaRPr lang="fr-FR" sz="7200" dirty="0"/>
+          </a:p>
+        </p:txBody>
+      </p:sp>
+      <p:sp>
+        <p:nvSpPr>
+          <p:cNvPr id="3" name="Sous-titre 2"/>
+          <p:cNvSpPr>
+            <a:spLocks noGrp="1"/>
+          </p:cNvSpPr>
+          <p:nvPr>
+            <p:ph type="subTitle" idx="1"/>
+          </p:nvPr>
+        </p:nvSpPr>
+        <p:spPr>
+          <a:xfrm>
+            <a:off x="1907704" y="2744924"/>
+            <a:ext cx="4856584" cy="1368152"/>
+          </a:xfrm>
+        </p:spPr>
+        <p:txBody>
+          <a:bodyPr>
+            <a:normAutofit fontScale="62500" lnSpcReduction="20000"/>
+          </a:bodyPr>
+          <a:lstStyle/>
+          <a:p>
+            <a:r>
+              <a:rPr lang="fr-FR" sz="8000" dirty="0" err="1">
+                <a:solidFill>
+                  <a:schemeClr val="tx1"/>
+                </a:solidFill>
+              </a:rPr>
+              <a:t>Phagnalon</a:t>
+            </a:r>
+            <a:r>
+              <a:rPr lang="fr-FR" sz="8000" dirty="0">
+                <a:solidFill>
+                  <a:schemeClr val="tx1"/>
+                </a:solidFill>
+              </a:rPr>
+              <a:t> des rochers</a:t>
+            </a:r>
+          </a:p>
+        </p:txBody>
+      </p:sp>
+      <p:sp>
+        <p:nvSpPr>
+          <p:cNvPr id="4" name="Titre 1"/>
+          <p:cNvSpPr txBox="1">
+            <a:spLocks/>
+          </p:cNvSpPr>
+          <p:nvPr/>
+        </p:nvSpPr>
+        <p:spPr>
+          <a:xfrm>
+            <a:off x="7452320" y="260648"/>
+            <a:ext cx="1368152" cy="648072"/>
+          </a:xfrm>
+          <a:prstGeom prst="rect">
+            <a:avLst/>
+          </a:prstGeom>
+        </p:spPr>
+        <p:txBody>
+          <a:bodyPr vert="horz" lIns="91440" tIns="45720" rIns="91440" bIns="45720" rtlCol="0" anchor="ctr">
+            <a:noAutofit/>
+          </a:bodyPr>
+          <a:lstStyle>
+            <a:lvl1pPr algn="ctr">
+              <a:spcBef>
+                <a:spcPct val="0"/>
+              </a:spcBef>
+              <a:buNone/>
+              <a:defRPr sz="7200">
+                <a:latin typeface="+mj-lt"/>
+                <a:ea typeface="+mj-ea"/>
+                <a:cs typeface="+mj-cs"/>
+              </a:defRPr>
+            </a:lvl1pPr>
+          </a:lstStyle>
+          <a:p>
+            <a:endParaRPr lang="fr-FR" dirty="0"/>
+          </a:p>
+        </p:txBody>
+      </p:sp>
+      <p:sp>
+        <p:nvSpPr>
+          <p:cNvPr id="5" name="Titre 1"/>
+          <p:cNvSpPr txBox="1">
+            <a:spLocks/>
+          </p:cNvSpPr>
+          <p:nvPr/>
+        </p:nvSpPr>
+        <p:spPr>
+          <a:xfrm>
+            <a:off x="467544" y="5472288"/>
+            <a:ext cx="3888432" cy="648072"/>
+          </a:xfrm>
+          <a:prstGeom prst="rect">
+            <a:avLst/>
+          </a:prstGeom>
+        </p:spPr>
+        <p:txBody>
+          <a:bodyPr vert="horz" lIns="91440" tIns="45720" rIns="91440" bIns="45720" rtlCol="0" anchor="ctr">
+            <a:noAutofit/>
+          </a:bodyPr>
+          <a:lstStyle>
+            <a:defPPr>
+              <a:defRPr lang="fr-FR"/>
+            </a:defPPr>
+            <a:lvl1pPr algn="ctr">
+              <a:spcBef>
+                <a:spcPct val="0"/>
+              </a:spcBef>
+              <a:buNone/>
+              <a:defRPr sz="7200">
+                <a:latin typeface="+mj-lt"/>
+                <a:ea typeface="+mj-ea"/>
+                <a:cs typeface="+mj-cs"/>
+              </a:defRPr>
+            </a:lvl1pPr>
+          </a:lstStyle>
+          <a:p>
+            <a:r>
+              <a:rPr lang="fr-FR" sz="4800" dirty="0" smtClean="0"/>
+              <a:t>Niveau de la carte protégé</a:t>
+            </a:r>
+            <a:endParaRPr lang="fr-FR" sz="4800" dirty="0"/>
+          </a:p>
+        </p:txBody>
+      </p:sp>
+      <p:sp>
+        <p:nvSpPr>
+          <p:cNvPr id="7" name="Titre 1"/>
+          <p:cNvSpPr txBox="1">
+            <a:spLocks/>
+          </p:cNvSpPr>
+          <p:nvPr/>
+        </p:nvSpPr>
+        <p:spPr>
+          <a:xfrm>
+            <a:off x="4572000" y="4725144"/>
+            <a:ext cx="4464496" cy="1800200"/>
+          </a:xfrm>
+          <a:prstGeom prst="rect">
+            <a:avLst/>
+          </a:prstGeom>
+        </p:spPr>
+        <p:txBody>
+          <a:bodyPr vert="horz" lIns="91440" tIns="45720" rIns="91440" bIns="45720" rtlCol="0" anchor="ctr">
+            <a:noAutofit/>
+          </a:bodyPr>
+          <a:lstStyle>
+            <a:defPPr>
+              <a:defRPr lang="fr-FR"/>
+            </a:defPPr>
+            <a:lvl1pPr algn="ctr">
+              <a:spcBef>
+                <a:spcPct val="0"/>
+              </a:spcBef>
+              <a:buNone/>
+              <a:defRPr sz="7200">
+                <a:latin typeface="+mj-lt"/>
+                <a:ea typeface="+mj-ea"/>
+                <a:cs typeface="+mj-cs"/>
+              </a:defRPr>
+            </a:lvl1pPr>
+          </a:lstStyle>
+          <a:p>
+            <a:r>
+              <a:rPr lang="fr-FR" sz="5400" dirty="0" smtClean="0"/>
+              <a:t>Protège du vol</a:t>
+            </a:r>
+            <a:endParaRPr lang="fr-FR" sz="5400" dirty="0"/>
+          </a:p>
+        </p:txBody>
+      </p:sp>
+      <p:sp>
+        <p:nvSpPr>
+          <p:cNvPr id="8" name="Titre 1"/>
+          <p:cNvSpPr txBox="1">
+            <a:spLocks/>
+          </p:cNvSpPr>
+          <p:nvPr/>
+        </p:nvSpPr>
+        <p:spPr>
+          <a:xfrm>
+            <a:off x="7604720" y="413048"/>
+            <a:ext cx="1368152" cy="648072"/>
+          </a:xfrm>
+          <a:prstGeom prst="rect">
+            <a:avLst/>
+          </a:prstGeom>
+        </p:spPr>
+        <p:txBody>
+          <a:bodyPr vert="horz" lIns="91440" tIns="45720" rIns="91440" bIns="45720" rtlCol="0" anchor="ctr">
+            <a:noAutofit/>
+          </a:bodyPr>
+          <a:lstStyle>
+            <a:lvl1pPr algn="ctr">
+              <a:spcBef>
+                <a:spcPct val="0"/>
+              </a:spcBef>
+              <a:buNone/>
+              <a:defRPr sz="7200">
+                <a:latin typeface="+mj-lt"/>
+                <a:ea typeface="+mj-ea"/>
+                <a:cs typeface="+mj-cs"/>
+              </a:defRPr>
+            </a:lvl1pPr>
+          </a:lstStyle>
+          <a:p>
+            <a:r>
+              <a:rPr lang="fr-FR" dirty="0" smtClean="0"/>
+              <a:t>-</a:t>
+            </a:r>
+            <a:endParaRPr lang="fr-FR" dirty="0"/>
+          </a:p>
+        </p:txBody>
+      </p:sp>
+    </p:spTree>
+    <p:extLst>
+      <p:ext uri="{BB962C8B-B14F-4D97-AF65-F5344CB8AC3E}">
+        <p14:creationId xmlns:p14="http://schemas.microsoft.com/office/powerpoint/2010/main" val="3967332060"/>
+      </p:ext>
+    </p:extLst>
+  </p:cSld>
+  <p:clrMapOvr>
+    <a:masterClrMapping/>
+  </p:clrMapOvr>
+  <p:timing>
+    <p:tnLst>
+      <p:par>
+        <p:cTn id="1" dur="indefinite" restart="never" nodeType="tmRoot"/>
+      </p:par>
+    </p:tnLst>
+  </p:timing>
+</p:sld>
+</file>
+
+<file path=ppt/slides/slide18.xml><?xml version="1.0" encoding="utf-8"?>
+<p:sld xmlns:a="http://schemas.openxmlformats.org/drawingml/2006/main" xmlns:r="http://schemas.openxmlformats.org/officeDocument/2006/relationships" xmlns:p="http://schemas.openxmlformats.org/presentationml/2006/main">
+  <p:cSld>
+    <p:spTree>
+      <p:nvGrpSpPr>
+        <p:cNvPr id="1" name=""/>
+        <p:cNvGrpSpPr/>
+        <p:nvPr/>
+      </p:nvGrpSpPr>
+      <p:grpSpPr>
+        <a:xfrm>
+          <a:off x="0" y="0"/>
+          <a:ext cx="0" cy="0"/>
+          <a:chOff x="0" y="0"/>
+          <a:chExt cx="0" cy="0"/>
+        </a:xfrm>
+      </p:grpSpPr>
+      <p:sp>
+        <p:nvSpPr>
+          <p:cNvPr id="6" name="Rectangle 5"/>
+          <p:cNvSpPr/>
+          <p:nvPr/>
+        </p:nvSpPr>
+        <p:spPr>
+          <a:xfrm>
+            <a:off x="0" y="0"/>
+            <a:ext cx="9144000" cy="6858000"/>
+          </a:xfrm>
+          <a:prstGeom prst="rect">
+            <a:avLst/>
+          </a:prstGeom>
+          <a:solidFill>
+            <a:srgbClr val="FFC000">
+              <a:alpha val="0"/>
+            </a:srgbClr>
+          </a:solidFill>
+          <a:ln w="101600">
+            <a:solidFill>
+              <a:schemeClr val="tx1"/>
+            </a:solidFill>
+          </a:ln>
+        </p:spPr>
+        <p:style>
+          <a:lnRef idx="2">
+            <a:schemeClr val="accent1">
+              <a:shade val="50000"/>
+            </a:schemeClr>
+          </a:lnRef>
+          <a:fillRef idx="1">
+            <a:schemeClr val="accent1"/>
+          </a:fillRef>
+          <a:effectRef idx="0">
+            <a:schemeClr val="accent1"/>
+          </a:effectRef>
+          <a:fontRef idx="minor">
+            <a:schemeClr val="lt1"/>
+          </a:fontRef>
+        </p:style>
+        <p:txBody>
+          <a:bodyPr rtlCol="0" anchor="ctr"/>
+          <a:lstStyle/>
+          <a:p>
+            <a:pPr algn="ctr"/>
+            <a:endParaRPr lang="fr-FR">
+              <a:solidFill>
+                <a:srgbClr val="FFC000"/>
+              </a:solidFill>
+            </a:endParaRPr>
+          </a:p>
+        </p:txBody>
+      </p:sp>
+      <p:sp>
+        <p:nvSpPr>
+          <p:cNvPr id="2" name="Titre 1"/>
+          <p:cNvSpPr>
+            <a:spLocks noGrp="1"/>
+          </p:cNvSpPr>
+          <p:nvPr>
+            <p:ph type="ctrTitle"/>
+          </p:nvPr>
+        </p:nvSpPr>
+        <p:spPr>
+          <a:xfrm>
+            <a:off x="323528" y="332656"/>
+            <a:ext cx="2304256" cy="936104"/>
+          </a:xfrm>
+        </p:spPr>
+        <p:txBody>
+          <a:bodyPr>
+            <a:noAutofit/>
+          </a:bodyPr>
+          <a:lstStyle/>
+          <a:p>
+            <a:r>
+              <a:rPr lang="fr-FR" sz="7200" dirty="0" smtClean="0"/>
+              <a:t>-</a:t>
+            </a:r>
+            <a:endParaRPr lang="fr-FR" sz="7200" dirty="0"/>
+          </a:p>
+        </p:txBody>
+      </p:sp>
+      <p:sp>
+        <p:nvSpPr>
+          <p:cNvPr id="3" name="Sous-titre 2"/>
+          <p:cNvSpPr>
+            <a:spLocks noGrp="1"/>
+          </p:cNvSpPr>
+          <p:nvPr>
+            <p:ph type="subTitle" idx="1"/>
+          </p:nvPr>
+        </p:nvSpPr>
+        <p:spPr>
+          <a:xfrm>
+            <a:off x="1907704" y="2744924"/>
+            <a:ext cx="4856584" cy="1368152"/>
+          </a:xfrm>
+        </p:spPr>
+        <p:txBody>
+          <a:bodyPr>
+            <a:normAutofit/>
+          </a:bodyPr>
+          <a:lstStyle/>
+          <a:p>
+            <a:r>
+              <a:rPr lang="fr-FR" sz="8000" dirty="0">
+                <a:solidFill>
+                  <a:schemeClr val="tx1"/>
+                </a:solidFill>
+              </a:rPr>
+              <a:t>Nerprun</a:t>
+            </a:r>
+          </a:p>
+        </p:txBody>
+      </p:sp>
+      <p:sp>
+        <p:nvSpPr>
+          <p:cNvPr id="4" name="Titre 1"/>
+          <p:cNvSpPr txBox="1">
+            <a:spLocks/>
+          </p:cNvSpPr>
+          <p:nvPr/>
+        </p:nvSpPr>
+        <p:spPr>
+          <a:xfrm>
+            <a:off x="7452320" y="260648"/>
+            <a:ext cx="1368152" cy="648072"/>
+          </a:xfrm>
+          <a:prstGeom prst="rect">
+            <a:avLst/>
+          </a:prstGeom>
+        </p:spPr>
+        <p:txBody>
+          <a:bodyPr vert="horz" lIns="91440" tIns="45720" rIns="91440" bIns="45720" rtlCol="0" anchor="ctr">
+            <a:noAutofit/>
+          </a:bodyPr>
+          <a:lstStyle>
+            <a:lvl1pPr algn="ctr">
+              <a:spcBef>
+                <a:spcPct val="0"/>
+              </a:spcBef>
+              <a:buNone/>
+              <a:defRPr sz="7200">
+                <a:latin typeface="+mj-lt"/>
+                <a:ea typeface="+mj-ea"/>
+                <a:cs typeface="+mj-cs"/>
+              </a:defRPr>
+            </a:lvl1pPr>
+          </a:lstStyle>
+          <a:p>
+            <a:endParaRPr lang="fr-FR" dirty="0"/>
+          </a:p>
+        </p:txBody>
+      </p:sp>
+      <p:sp>
+        <p:nvSpPr>
+          <p:cNvPr id="5" name="Titre 1"/>
+          <p:cNvSpPr txBox="1">
+            <a:spLocks/>
+          </p:cNvSpPr>
+          <p:nvPr/>
+        </p:nvSpPr>
+        <p:spPr>
+          <a:xfrm>
+            <a:off x="467544" y="5472288"/>
+            <a:ext cx="1800200" cy="648072"/>
+          </a:xfrm>
+          <a:prstGeom prst="rect">
+            <a:avLst/>
+          </a:prstGeom>
+        </p:spPr>
+        <p:txBody>
+          <a:bodyPr vert="horz" lIns="91440" tIns="45720" rIns="91440" bIns="45720" rtlCol="0" anchor="ctr">
+            <a:noAutofit/>
+          </a:bodyPr>
+          <a:lstStyle>
+            <a:defPPr>
+              <a:defRPr lang="fr-FR"/>
+            </a:defPPr>
+            <a:lvl1pPr algn="ctr">
+              <a:spcBef>
+                <a:spcPct val="0"/>
+              </a:spcBef>
+              <a:buNone/>
+              <a:defRPr sz="7200">
+                <a:latin typeface="+mj-lt"/>
+                <a:ea typeface="+mj-ea"/>
+                <a:cs typeface="+mj-cs"/>
+              </a:defRPr>
+            </a:lvl1pPr>
+          </a:lstStyle>
+          <a:p>
+            <a:r>
+              <a:rPr lang="fr-FR" sz="4800" dirty="0" err="1" smtClean="0"/>
+              <a:t>Niv</a:t>
+            </a:r>
+            <a:r>
+              <a:rPr lang="fr-FR" sz="4800" dirty="0" smtClean="0"/>
+              <a:t> 9</a:t>
+            </a:r>
+            <a:endParaRPr lang="fr-FR" sz="4800" dirty="0"/>
+          </a:p>
+        </p:txBody>
+      </p:sp>
+      <p:sp>
+        <p:nvSpPr>
+          <p:cNvPr id="7" name="Titre 1"/>
+          <p:cNvSpPr txBox="1">
+            <a:spLocks/>
+          </p:cNvSpPr>
+          <p:nvPr/>
+        </p:nvSpPr>
+        <p:spPr>
+          <a:xfrm>
+            <a:off x="4572000" y="4725144"/>
+            <a:ext cx="4464496" cy="1800200"/>
+          </a:xfrm>
+          <a:prstGeom prst="rect">
+            <a:avLst/>
+          </a:prstGeom>
+        </p:spPr>
+        <p:txBody>
+          <a:bodyPr vert="horz" lIns="91440" tIns="45720" rIns="91440" bIns="45720" rtlCol="0" anchor="ctr">
+            <a:noAutofit/>
+          </a:bodyPr>
+          <a:lstStyle>
+            <a:defPPr>
+              <a:defRPr lang="fr-FR"/>
+            </a:defPPr>
+            <a:lvl1pPr algn="ctr">
+              <a:spcBef>
+                <a:spcPct val="0"/>
+              </a:spcBef>
+              <a:buNone/>
+              <a:defRPr sz="7200">
+                <a:latin typeface="+mj-lt"/>
+                <a:ea typeface="+mj-ea"/>
+                <a:cs typeface="+mj-cs"/>
+              </a:defRPr>
+            </a:lvl1pPr>
+          </a:lstStyle>
+          <a:p>
+            <a:r>
+              <a:rPr lang="fr-FR" sz="4400" dirty="0" smtClean="0"/>
+              <a:t>Piocher une carte par At subie</a:t>
+            </a:r>
+            <a:endParaRPr lang="fr-FR" sz="4400" dirty="0"/>
+          </a:p>
+        </p:txBody>
+      </p:sp>
+      <p:sp>
+        <p:nvSpPr>
+          <p:cNvPr id="8" name="Titre 1"/>
+          <p:cNvSpPr txBox="1">
+            <a:spLocks/>
+          </p:cNvSpPr>
+          <p:nvPr/>
+        </p:nvSpPr>
+        <p:spPr>
+          <a:xfrm>
+            <a:off x="7604720" y="413048"/>
+            <a:ext cx="1368152" cy="648072"/>
+          </a:xfrm>
+          <a:prstGeom prst="rect">
+            <a:avLst/>
+          </a:prstGeom>
+        </p:spPr>
+        <p:txBody>
+          <a:bodyPr vert="horz" lIns="91440" tIns="45720" rIns="91440" bIns="45720" rtlCol="0" anchor="ctr">
+            <a:noAutofit/>
+          </a:bodyPr>
+          <a:lstStyle>
+            <a:lvl1pPr algn="ctr">
+              <a:spcBef>
+                <a:spcPct val="0"/>
+              </a:spcBef>
+              <a:buNone/>
+              <a:defRPr sz="7200">
+                <a:latin typeface="+mj-lt"/>
+                <a:ea typeface="+mj-ea"/>
+                <a:cs typeface="+mj-cs"/>
+              </a:defRPr>
+            </a:lvl1pPr>
+          </a:lstStyle>
+          <a:p>
+            <a:r>
+              <a:rPr lang="fr-FR" dirty="0" smtClean="0"/>
+              <a:t>-</a:t>
+            </a:r>
+            <a:endParaRPr lang="fr-FR" dirty="0"/>
+          </a:p>
+        </p:txBody>
+      </p:sp>
+    </p:spTree>
+    <p:extLst>
+      <p:ext uri="{BB962C8B-B14F-4D97-AF65-F5344CB8AC3E}">
+        <p14:creationId xmlns:p14="http://schemas.microsoft.com/office/powerpoint/2010/main" val="2002626027"/>
       </p:ext>
     </p:extLst>
   </p:cSld>
@@ -3859,7 +6969,7 @@
     </p:spTree>
     <p:extLst>
       <p:ext uri="{BB962C8B-B14F-4D97-AF65-F5344CB8AC3E}">
-        <p14:creationId xmlns:p14="http://schemas.microsoft.com/office/powerpoint/2010/main" val="3108208375"/>
+        <p14:creationId xmlns:p14="http://schemas.microsoft.com/office/powerpoint/2010/main" val="1655415922"/>
       </p:ext>
     </p:extLst>
   </p:cSld>
@@ -4005,7 +7115,7 @@
                   <a:schemeClr val="tx1"/>
                 </a:solidFill>
               </a:rPr>
-              <a:t>Immortel des dunes</a:t>
+              <a:t>Immortelle des dunes</a:t>
             </a:r>
             <a:endParaRPr lang="fr-FR" sz="8000" dirty="0">
               <a:solidFill>
@@ -4200,7 +7310,7 @@
     </p:spTree>
     <p:extLst>
       <p:ext uri="{BB962C8B-B14F-4D97-AF65-F5344CB8AC3E}">
-        <p14:creationId xmlns:p14="http://schemas.microsoft.com/office/powerpoint/2010/main" val="3656041607"/>
+        <p14:creationId xmlns:p14="http://schemas.microsoft.com/office/powerpoint/2010/main" val="38543887"/>
       </p:ext>
     </p:extLst>
   </p:cSld>
@@ -4341,12 +7451,20 @@
           <a:lstStyle/>
           <a:p>
             <a:r>
+              <a:rPr lang="fr-FR" sz="8000" dirty="0">
+                <a:solidFill>
+                  <a:schemeClr val="tx1"/>
+                </a:solidFill>
+              </a:rPr>
+              <a:t>Immortelle des </a:t>
+            </a:r>
+            <a:r>
               <a:rPr lang="fr-FR" sz="8000" dirty="0" smtClean="0">
                 <a:solidFill>
                   <a:schemeClr val="tx1"/>
                 </a:solidFill>
               </a:rPr>
-              <a:t>Immortel des dunes</a:t>
+              <a:t>dunes</a:t>
             </a:r>
             <a:endParaRPr lang="fr-FR" sz="8000" dirty="0">
               <a:solidFill>
@@ -4832,7 +7950,6 @@
               <a:rPr lang="fr-FR" dirty="0"/>
               <a:t>+2 PV</a:t>
             </a:r>
-            <a:endParaRPr lang="fr-FR" dirty="0"/>
           </a:p>
         </p:txBody>
       </p:sp>
@@ -4924,7 +8041,7 @@
         </p:nvSpPr>
         <p:spPr>
           <a:xfrm>
-            <a:off x="20751" y="0"/>
+            <a:off x="0" y="0"/>
             <a:ext cx="9144000" cy="6858000"/>
           </a:xfrm>
           <a:prstGeom prst="rect">
@@ -4994,7 +8111,7 @@
           <a:p>
             <a:r>
               <a:rPr lang="fr-FR" sz="7200" dirty="0" smtClean="0"/>
-              <a:t>A 0</a:t>
+              <a:t>-</a:t>
             </a:r>
             <a:endParaRPr lang="fr-FR" sz="7200" dirty="0"/>
           </a:p>
@@ -5018,7 +8135,7 @@
         </p:spPr>
         <p:txBody>
           <a:bodyPr>
-            <a:normAutofit/>
+            <a:normAutofit fontScale="62500" lnSpcReduction="20000"/>
           </a:bodyPr>
           <a:lstStyle/>
           <a:p>
@@ -5028,7 +8145,7 @@
                   <a:schemeClr val="tx1"/>
                 </a:solidFill>
               </a:rPr>
-              <a:t>Euphorbe</a:t>
+              <a:t>Lézard des muraille</a:t>
             </a:r>
             <a:endParaRPr lang="fr-FR" sz="8000" dirty="0">
               <a:solidFill>
@@ -5073,14 +8190,6 @@
             </a:lvl1pPr>
           </a:lstStyle>
           <a:p>
-            <a:r>
-              <a:rPr lang="fr-FR" dirty="0"/>
-              <a:t>S </a:t>
-            </a:r>
-            <a:r>
-              <a:rPr lang="fr-FR" dirty="0" smtClean="0"/>
-              <a:t>0</a:t>
-            </a:r>
             <a:endParaRPr lang="fr-FR" dirty="0"/>
           </a:p>
         </p:txBody>
@@ -5133,7 +8242,7 @@
             </a:r>
             <a:r>
               <a:rPr lang="fr-FR" dirty="0" smtClean="0"/>
-              <a:t>4</a:t>
+              <a:t>6</a:t>
             </a:r>
             <a:endParaRPr lang="fr-FR" dirty="0"/>
           </a:p>
@@ -5149,8 +8258,8 @@
         </p:nvSpPr>
         <p:spPr>
           <a:xfrm>
-            <a:off x="6228184" y="5877272"/>
-            <a:ext cx="2808312" cy="648072"/>
+            <a:off x="5076056" y="4905164"/>
+            <a:ext cx="4464496" cy="1800200"/>
           </a:xfrm>
           <a:prstGeom prst="rect">
             <a:avLst/>
@@ -5178,8 +8287,50 @@
           </a:lstStyle>
           <a:p>
             <a:r>
+              <a:rPr lang="fr-FR" dirty="0"/>
+              <a:t>+2 PV</a:t>
+            </a:r>
+          </a:p>
+        </p:txBody>
+      </p:sp>
+      <p:sp>
+        <p:nvSpPr>
+          <p:cNvPr id="8" name="Titre 1"/>
+          <p:cNvSpPr txBox="1">
+            <a:spLocks/>
+          </p:cNvSpPr>
+          <p:nvPr/>
+        </p:nvSpPr>
+        <p:spPr>
+          <a:xfrm>
+            <a:off x="7604720" y="413048"/>
+            <a:ext cx="1368152" cy="648072"/>
+          </a:xfrm>
+          <a:prstGeom prst="rect">
+            <a:avLst/>
+          </a:prstGeom>
+        </p:spPr>
+        <p:txBody>
+          <a:bodyPr vert="horz" lIns="91440" tIns="45720" rIns="91440" bIns="45720" rtlCol="0" anchor="ctr">
+            <a:noAutofit/>
+          </a:bodyPr>
+          <a:lstStyle>
+            <a:lvl1pPr algn="ctr">
+              <a:spcBef>
+                <a:spcPct val="0"/>
+              </a:spcBef>
+              <a:buNone/>
+              <a:defRPr sz="7200">
+                <a:latin typeface="+mj-lt"/>
+                <a:ea typeface="+mj-ea"/>
+                <a:cs typeface="+mj-cs"/>
+              </a:defRPr>
+            </a:lvl1pPr>
+          </a:lstStyle>
+          <a:p>
+            <a:r>
               <a:rPr lang="fr-FR" dirty="0" smtClean="0"/>
-              <a:t>- 1 PV </a:t>
+              <a:t>-</a:t>
             </a:r>
             <a:endParaRPr lang="fr-FR" dirty="0"/>
           </a:p>
@@ -5188,7 +8339,7 @@
     </p:spTree>
     <p:extLst>
       <p:ext uri="{BB962C8B-B14F-4D97-AF65-F5344CB8AC3E}">
-        <p14:creationId xmlns:p14="http://schemas.microsoft.com/office/powerpoint/2010/main" val="2419852552"/>
+        <p14:creationId xmlns:p14="http://schemas.microsoft.com/office/powerpoint/2010/main" val="1123019848"/>
       </p:ext>
     </p:extLst>
   </p:cSld>
@@ -5230,7 +8381,7 @@
         </p:nvSpPr>
         <p:spPr>
           <a:xfrm>
-            <a:off x="0" y="0"/>
+            <a:off x="20751" y="0"/>
             <a:ext cx="9144000" cy="6858000"/>
           </a:xfrm>
           <a:prstGeom prst="rect">
@@ -5300,7 +8451,7 @@
           <a:p>
             <a:r>
               <a:rPr lang="fr-FR" sz="7200" dirty="0" smtClean="0"/>
-              <a:t>-</a:t>
+              <a:t>A 0</a:t>
             </a:r>
             <a:endParaRPr lang="fr-FR" sz="7200" dirty="0"/>
           </a:p>
@@ -5323,37 +8474,18 @@
           </a:xfrm>
         </p:spPr>
         <p:txBody>
-          <a:bodyPr vert="horz" lIns="91440" tIns="45720" rIns="91440" bIns="45720" rtlCol="0" anchor="ctr">
-            <a:noAutofit/>
+          <a:bodyPr>
+            <a:normAutofit fontScale="62500" lnSpcReduction="20000"/>
           </a:bodyPr>
           <a:lstStyle/>
           <a:p>
-            <a:pPr>
-              <a:spcBef>
-                <a:spcPct val="0"/>
-              </a:spcBef>
-            </a:pPr>
-            <a:r>
-              <a:rPr lang="fr-FR" sz="7200" dirty="0" err="1">
+            <a:r>
+              <a:rPr lang="fr-FR" sz="8000" dirty="0">
                 <a:solidFill>
                   <a:schemeClr val="tx1"/>
                 </a:solidFill>
-                <a:latin typeface="+mj-lt"/>
-                <a:ea typeface="+mj-ea"/>
-                <a:cs typeface="+mj-cs"/>
               </a:rPr>
-              <a:t>Évax</a:t>
-            </a:r>
-            <a:r>
-              <a:rPr lang="fr-FR" sz="7200" dirty="0">
-                <a:solidFill>
-                  <a:schemeClr val="tx1"/>
-                </a:solidFill>
-                <a:latin typeface="+mj-lt"/>
-                <a:ea typeface="+mj-ea"/>
-                <a:cs typeface="+mj-cs"/>
-              </a:rPr>
-              <a:t> pygmée</a:t>
+              <a:t>Euphorbe des garrigues</a:t>
             </a:r>
           </a:p>
         </p:txBody>
@@ -5393,6 +8525,14 @@
             </a:lvl1pPr>
           </a:lstStyle>
           <a:p>
+            <a:r>
+              <a:rPr lang="fr-FR" dirty="0"/>
+              <a:t>S </a:t>
+            </a:r>
+            <a:r>
+              <a:rPr lang="fr-FR" dirty="0" smtClean="0"/>
+              <a:t>0</a:t>
+            </a:r>
             <a:endParaRPr lang="fr-FR" dirty="0"/>
           </a:p>
         </p:txBody>
@@ -5445,7 +8585,7 @@
             </a:r>
             <a:r>
               <a:rPr lang="fr-FR" dirty="0" smtClean="0"/>
-              <a:t>3</a:t>
+              <a:t>4</a:t>
             </a:r>
             <a:endParaRPr lang="fr-FR" dirty="0"/>
           </a:p>
@@ -5461,8 +8601,8 @@
         </p:nvSpPr>
         <p:spPr>
           <a:xfrm>
-            <a:off x="5076056" y="4905164"/>
-            <a:ext cx="3528392" cy="1800200"/>
+            <a:off x="6228184" y="5877272"/>
+            <a:ext cx="2808312" cy="648072"/>
           </a:xfrm>
           <a:prstGeom prst="rect">
             <a:avLst/>
@@ -5490,51 +8630,8 @@
           </a:lstStyle>
           <a:p>
             <a:r>
-              <a:rPr lang="fr-FR" dirty="0"/>
-              <a:t> -1 At </a:t>
-            </a:r>
-            <a:endParaRPr lang="fr-FR" dirty="0"/>
-          </a:p>
-        </p:txBody>
-      </p:sp>
-      <p:sp>
-        <p:nvSpPr>
-          <p:cNvPr id="8" name="Titre 1"/>
-          <p:cNvSpPr txBox="1">
-            <a:spLocks/>
-          </p:cNvSpPr>
-          <p:nvPr/>
-        </p:nvSpPr>
-        <p:spPr>
-          <a:xfrm>
-            <a:off x="7604720" y="413048"/>
-            <a:ext cx="1368152" cy="648072"/>
-          </a:xfrm>
-          <a:prstGeom prst="rect">
-            <a:avLst/>
-          </a:prstGeom>
-        </p:spPr>
-        <p:txBody>
-          <a:bodyPr vert="horz" lIns="91440" tIns="45720" rIns="91440" bIns="45720" rtlCol="0" anchor="ctr">
-            <a:noAutofit/>
-          </a:bodyPr>
-          <a:lstStyle>
-            <a:lvl1pPr algn="ctr">
-              <a:spcBef>
-                <a:spcPct val="0"/>
-              </a:spcBef>
-              <a:buNone/>
-              <a:defRPr sz="7200">
-                <a:latin typeface="+mj-lt"/>
-                <a:ea typeface="+mj-ea"/>
-                <a:cs typeface="+mj-cs"/>
-              </a:defRPr>
-            </a:lvl1pPr>
-          </a:lstStyle>
-          <a:p>
-            <a:r>
               <a:rPr lang="fr-FR" dirty="0" smtClean="0"/>
-              <a:t>-</a:t>
+              <a:t>- 1 PV </a:t>
             </a:r>
             <a:endParaRPr lang="fr-FR" dirty="0"/>
           </a:p>
@@ -5543,7 +8640,7 @@
     </p:spTree>
     <p:extLst>
       <p:ext uri="{BB962C8B-B14F-4D97-AF65-F5344CB8AC3E}">
-        <p14:creationId xmlns:p14="http://schemas.microsoft.com/office/powerpoint/2010/main" val="671990365"/>
+        <p14:creationId xmlns:p14="http://schemas.microsoft.com/office/powerpoint/2010/main" val="2419852552"/>
       </p:ext>
     </p:extLst>
   </p:cSld>
@@ -5585,7 +8682,7 @@
         </p:nvSpPr>
         <p:spPr>
           <a:xfrm>
-            <a:off x="0" y="0"/>
+            <a:off x="20751" y="0"/>
             <a:ext cx="9144000" cy="6858000"/>
           </a:xfrm>
           <a:prstGeom prst="rect">
@@ -5655,7 +8752,7 @@
           <a:p>
             <a:r>
               <a:rPr lang="fr-FR" sz="7200" dirty="0" smtClean="0"/>
-              <a:t>-</a:t>
+              <a:t>A 0</a:t>
             </a:r>
             <a:endParaRPr lang="fr-FR" sz="7200" dirty="0"/>
           </a:p>
@@ -5678,37 +8775,18 @@
           </a:xfrm>
         </p:spPr>
         <p:txBody>
-          <a:bodyPr vert="horz" lIns="91440" tIns="45720" rIns="91440" bIns="45720" rtlCol="0" anchor="ctr">
-            <a:noAutofit/>
+          <a:bodyPr>
+            <a:normAutofit fontScale="62500" lnSpcReduction="20000"/>
           </a:bodyPr>
           <a:lstStyle/>
           <a:p>
-            <a:pPr>
-              <a:spcBef>
-                <a:spcPct val="0"/>
-              </a:spcBef>
-            </a:pPr>
-            <a:r>
-              <a:rPr lang="fr-FR" sz="7200" dirty="0" err="1">
+            <a:r>
+              <a:rPr lang="fr-FR" sz="8000" dirty="0">
                 <a:solidFill>
                   <a:schemeClr val="tx1"/>
                 </a:solidFill>
-                <a:latin typeface="+mj-lt"/>
-                <a:ea typeface="+mj-ea"/>
-                <a:cs typeface="+mj-cs"/>
               </a:rPr>
-              <a:t>Évax</a:t>
-            </a:r>
-            <a:r>
-              <a:rPr lang="fr-FR" sz="7200" dirty="0">
-                <a:solidFill>
-                  <a:schemeClr val="tx1"/>
-                </a:solidFill>
-                <a:latin typeface="+mj-lt"/>
-                <a:ea typeface="+mj-ea"/>
-                <a:cs typeface="+mj-cs"/>
-              </a:rPr>
-              <a:t> pygmée</a:t>
+              <a:t>Euphorbe des garrigues</a:t>
             </a:r>
           </a:p>
         </p:txBody>
@@ -5748,6 +8826,14 @@
             </a:lvl1pPr>
           </a:lstStyle>
           <a:p>
+            <a:r>
+              <a:rPr lang="fr-FR" dirty="0"/>
+              <a:t>S </a:t>
+            </a:r>
+            <a:r>
+              <a:rPr lang="fr-FR" dirty="0" smtClean="0"/>
+              <a:t>0</a:t>
+            </a:r>
             <a:endParaRPr lang="fr-FR" dirty="0"/>
           </a:p>
         </p:txBody>
@@ -5800,7 +8886,7 @@
             </a:r>
             <a:r>
               <a:rPr lang="fr-FR" dirty="0" smtClean="0"/>
-              <a:t>3</a:t>
+              <a:t>4</a:t>
             </a:r>
             <a:endParaRPr lang="fr-FR" dirty="0"/>
           </a:p>
@@ -5816,8 +8902,8 @@
         </p:nvSpPr>
         <p:spPr>
           <a:xfrm>
-            <a:off x="5076056" y="4905164"/>
-            <a:ext cx="3528392" cy="1800200"/>
+            <a:off x="6228184" y="5877272"/>
+            <a:ext cx="2808312" cy="648072"/>
           </a:xfrm>
           <a:prstGeom prst="rect">
             <a:avLst/>
@@ -5845,51 +8931,8 @@
           </a:lstStyle>
           <a:p>
             <a:r>
-              <a:rPr lang="fr-FR" sz="6000" dirty="0" smtClean="0"/>
-              <a:t> -1 At </a:t>
-            </a:r>
-            <a:endParaRPr lang="fr-FR" sz="6000" dirty="0"/>
-          </a:p>
-        </p:txBody>
-      </p:sp>
-      <p:sp>
-        <p:nvSpPr>
-          <p:cNvPr id="8" name="Titre 1"/>
-          <p:cNvSpPr txBox="1">
-            <a:spLocks/>
-          </p:cNvSpPr>
-          <p:nvPr/>
-        </p:nvSpPr>
-        <p:spPr>
-          <a:xfrm>
-            <a:off x="7604720" y="413048"/>
-            <a:ext cx="1368152" cy="648072"/>
-          </a:xfrm>
-          <a:prstGeom prst="rect">
-            <a:avLst/>
-          </a:prstGeom>
-        </p:spPr>
-        <p:txBody>
-          <a:bodyPr vert="horz" lIns="91440" tIns="45720" rIns="91440" bIns="45720" rtlCol="0" anchor="ctr">
-            <a:noAutofit/>
-          </a:bodyPr>
-          <a:lstStyle>
-            <a:lvl1pPr algn="ctr">
-              <a:spcBef>
-                <a:spcPct val="0"/>
-              </a:spcBef>
-              <a:buNone/>
-              <a:defRPr sz="7200">
-                <a:latin typeface="+mj-lt"/>
-                <a:ea typeface="+mj-ea"/>
-                <a:cs typeface="+mj-cs"/>
-              </a:defRPr>
-            </a:lvl1pPr>
-          </a:lstStyle>
-          <a:p>
-            <a:r>
               <a:rPr lang="fr-FR" dirty="0" smtClean="0"/>
-              <a:t>-</a:t>
+              <a:t>- 1 PV </a:t>
             </a:r>
             <a:endParaRPr lang="fr-FR" dirty="0"/>
           </a:p>
@@ -5898,7 +8941,7 @@
     </p:spTree>
     <p:extLst>
       <p:ext uri="{BB962C8B-B14F-4D97-AF65-F5344CB8AC3E}">
-        <p14:creationId xmlns:p14="http://schemas.microsoft.com/office/powerpoint/2010/main" val="302146750"/>
+        <p14:creationId xmlns:p14="http://schemas.microsoft.com/office/powerpoint/2010/main" val="3930640153"/>
       </p:ext>
     </p:extLst>
   </p:cSld>
@@ -5940,7 +8983,7 @@
         </p:nvSpPr>
         <p:spPr>
           <a:xfrm>
-            <a:off x="0" y="0"/>
+            <a:off x="20751" y="0"/>
             <a:ext cx="9144000" cy="6858000"/>
           </a:xfrm>
           <a:prstGeom prst="rect">
@@ -6010,7 +9053,7 @@
           <a:p>
             <a:r>
               <a:rPr lang="fr-FR" sz="7200" dirty="0" smtClean="0"/>
-              <a:t>-</a:t>
+              <a:t>A 0</a:t>
             </a:r>
             <a:endParaRPr lang="fr-FR" sz="7200" dirty="0"/>
           </a:p>
@@ -6033,35 +9076,19 @@
           </a:xfrm>
         </p:spPr>
         <p:txBody>
-          <a:bodyPr vert="horz" lIns="91440" tIns="45720" rIns="91440" bIns="45720" rtlCol="0" anchor="ctr">
-            <a:noAutofit/>
+          <a:bodyPr>
+            <a:normAutofit fontScale="62500" lnSpcReduction="20000"/>
           </a:bodyPr>
           <a:lstStyle/>
           <a:p>
-            <a:pPr>
-              <a:spcBef>
-                <a:spcPct val="0"/>
-              </a:spcBef>
-            </a:pPr>
-            <a:r>
-              <a:rPr lang="fr-FR" sz="7200" dirty="0" smtClean="0">
+            <a:r>
+              <a:rPr lang="fr-FR" sz="8000" dirty="0">
                 <a:solidFill>
                   <a:schemeClr val="tx1"/>
                 </a:solidFill>
-                <a:latin typeface="+mj-lt"/>
-                <a:ea typeface="+mj-ea"/>
-                <a:cs typeface="+mj-cs"/>
               </a:rPr>
-              <a:t>Escargot</a:t>
-            </a:r>
-            <a:endParaRPr lang="fr-FR" sz="7200" dirty="0">
-              <a:solidFill>
-                <a:schemeClr val="tx1"/>
-              </a:solidFill>
-              <a:latin typeface="+mj-lt"/>
-              <a:ea typeface="+mj-ea"/>
-              <a:cs typeface="+mj-cs"/>
-            </a:endParaRPr>
+              <a:t>Euphorbe des garrigues</a:t>
+            </a:r>
           </a:p>
         </p:txBody>
       </p:sp>
@@ -6100,6 +9127,14 @@
             </a:lvl1pPr>
           </a:lstStyle>
           <a:p>
+            <a:r>
+              <a:rPr lang="fr-FR" dirty="0"/>
+              <a:t>S </a:t>
+            </a:r>
+            <a:r>
+              <a:rPr lang="fr-FR" dirty="0" smtClean="0"/>
+              <a:t>0</a:t>
+            </a:r>
             <a:endParaRPr lang="fr-FR" dirty="0"/>
           </a:p>
         </p:txBody>
@@ -6152,7 +9187,7 @@
             </a:r>
             <a:r>
               <a:rPr lang="fr-FR" dirty="0" smtClean="0"/>
-              <a:t>8</a:t>
+              <a:t>4</a:t>
             </a:r>
             <a:endParaRPr lang="fr-FR" dirty="0"/>
           </a:p>
@@ -6168,8 +9203,8 @@
         </p:nvSpPr>
         <p:spPr>
           <a:xfrm>
-            <a:off x="4572000" y="4905164"/>
-            <a:ext cx="4032448" cy="1800200"/>
+            <a:off x="6228184" y="5877272"/>
+            <a:ext cx="2808312" cy="648072"/>
           </a:xfrm>
           <a:prstGeom prst="rect">
             <a:avLst/>
@@ -6197,51 +9232,8 @@
           </a:lstStyle>
           <a:p>
             <a:r>
-              <a:rPr lang="fr-FR" sz="4800" dirty="0" smtClean="0"/>
-              <a:t> chaque action coût +1 </a:t>
-            </a:r>
-            <a:endParaRPr lang="fr-FR" sz="4800" dirty="0"/>
-          </a:p>
-        </p:txBody>
-      </p:sp>
-      <p:sp>
-        <p:nvSpPr>
-          <p:cNvPr id="8" name="Titre 1"/>
-          <p:cNvSpPr txBox="1">
-            <a:spLocks/>
-          </p:cNvSpPr>
-          <p:nvPr/>
-        </p:nvSpPr>
-        <p:spPr>
-          <a:xfrm>
-            <a:off x="7604720" y="413048"/>
-            <a:ext cx="1368152" cy="648072"/>
-          </a:xfrm>
-          <a:prstGeom prst="rect">
-            <a:avLst/>
-          </a:prstGeom>
-        </p:spPr>
-        <p:txBody>
-          <a:bodyPr vert="horz" lIns="91440" tIns="45720" rIns="91440" bIns="45720" rtlCol="0" anchor="ctr">
-            <a:noAutofit/>
-          </a:bodyPr>
-          <a:lstStyle>
-            <a:lvl1pPr algn="ctr">
-              <a:spcBef>
-                <a:spcPct val="0"/>
-              </a:spcBef>
-              <a:buNone/>
-              <a:defRPr sz="7200">
-                <a:latin typeface="+mj-lt"/>
-                <a:ea typeface="+mj-ea"/>
-                <a:cs typeface="+mj-cs"/>
-              </a:defRPr>
-            </a:lvl1pPr>
-          </a:lstStyle>
-          <a:p>
-            <a:r>
               <a:rPr lang="fr-FR" dirty="0" smtClean="0"/>
-              <a:t>-</a:t>
+              <a:t>- 1 PV </a:t>
             </a:r>
             <a:endParaRPr lang="fr-FR" dirty="0"/>
           </a:p>
@@ -6250,7 +9242,7 @@
     </p:spTree>
     <p:extLst>
       <p:ext uri="{BB962C8B-B14F-4D97-AF65-F5344CB8AC3E}">
-        <p14:creationId xmlns:p14="http://schemas.microsoft.com/office/powerpoint/2010/main" val="3234651271"/>
+        <p14:creationId xmlns:p14="http://schemas.microsoft.com/office/powerpoint/2010/main" val="570601236"/>
       </p:ext>
     </p:extLst>
   </p:cSld>

--- a/Docs/CartesPerm.pptx
+++ b/Docs/CartesPerm.pptx
@@ -5,27 +5,36 @@
     <p:sldMasterId id="2147483648" r:id="rId1"/>
   </p:sldMasterIdLst>
   <p:handoutMasterIdLst>
-    <p:handoutMasterId r:id="rId20"/>
+    <p:handoutMasterId r:id="rId29"/>
   </p:handoutMasterIdLst>
   <p:sldIdLst>
     <p:sldId id="296" r:id="rId2"/>
-    <p:sldId id="308" r:id="rId3"/>
-    <p:sldId id="298" r:id="rId4"/>
-    <p:sldId id="297" r:id="rId5"/>
-    <p:sldId id="264" r:id="rId6"/>
-    <p:sldId id="303" r:id="rId7"/>
-    <p:sldId id="265" r:id="rId8"/>
-    <p:sldId id="304" r:id="rId9"/>
-    <p:sldId id="300" r:id="rId10"/>
-    <p:sldId id="273" r:id="rId11"/>
-    <p:sldId id="295" r:id="rId12"/>
-    <p:sldId id="274" r:id="rId13"/>
-    <p:sldId id="305" r:id="rId14"/>
-    <p:sldId id="299" r:id="rId15"/>
-    <p:sldId id="306" r:id="rId16"/>
-    <p:sldId id="301" r:id="rId17"/>
-    <p:sldId id="307" r:id="rId18"/>
-    <p:sldId id="302" r:id="rId19"/>
+    <p:sldId id="323" r:id="rId3"/>
+    <p:sldId id="311" r:id="rId4"/>
+    <p:sldId id="298" r:id="rId5"/>
+    <p:sldId id="312" r:id="rId6"/>
+    <p:sldId id="326" r:id="rId7"/>
+    <p:sldId id="313" r:id="rId8"/>
+    <p:sldId id="314" r:id="rId9"/>
+    <p:sldId id="315" r:id="rId10"/>
+    <p:sldId id="316" r:id="rId11"/>
+    <p:sldId id="264" r:id="rId12"/>
+    <p:sldId id="265" r:id="rId13"/>
+    <p:sldId id="317" r:id="rId14"/>
+    <p:sldId id="273" r:id="rId15"/>
+    <p:sldId id="310" r:id="rId16"/>
+    <p:sldId id="274" r:id="rId17"/>
+    <p:sldId id="318" r:id="rId18"/>
+    <p:sldId id="299" r:id="rId19"/>
+    <p:sldId id="319" r:id="rId20"/>
+    <p:sldId id="301" r:id="rId21"/>
+    <p:sldId id="320" r:id="rId22"/>
+    <p:sldId id="324" r:id="rId23"/>
+    <p:sldId id="302" r:id="rId24"/>
+    <p:sldId id="321" r:id="rId25"/>
+    <p:sldId id="309" r:id="rId26"/>
+    <p:sldId id="325" r:id="rId27"/>
+    <p:sldId id="322" r:id="rId28"/>
   </p:sldIdLst>
   <p:sldSz cx="9144000" cy="6858000" type="screen4x3"/>
   <p:notesSz cx="9144000" cy="6858000"/>
@@ -209,7 +218,7 @@
           <a:p>
             <a:fld id="{8F6BF74C-C825-46E6-A94A-4DDCA47B6E5E}" type="datetimeFigureOut">
               <a:rPr lang="fr-FR" smtClean="0"/>
-              <a:t>12/08/2015</a:t>
+              <a:t>14/08/2015</a:t>
             </a:fld>
             <a:endParaRPr lang="fr-FR"/>
           </a:p>
@@ -473,7 +482,7 @@
           <a:p>
             <a:fld id="{AA309A6D-C09C-4548-B29A-6CF363A7E532}" type="datetimeFigureOut">
               <a:rPr lang="fr-FR" smtClean="0"/>
-              <a:t>12/08/2015</a:t>
+              <a:t>14/08/2015</a:t>
             </a:fld>
             <a:endParaRPr lang="fr-BE"/>
           </a:p>
@@ -638,7 +647,7 @@
           <a:p>
             <a:fld id="{AA309A6D-C09C-4548-B29A-6CF363A7E532}" type="datetimeFigureOut">
               <a:rPr lang="fr-FR" smtClean="0"/>
-              <a:t>12/08/2015</a:t>
+              <a:t>14/08/2015</a:t>
             </a:fld>
             <a:endParaRPr lang="fr-BE"/>
           </a:p>
@@ -813,7 +822,7 @@
           <a:p>
             <a:fld id="{AA309A6D-C09C-4548-B29A-6CF363A7E532}" type="datetimeFigureOut">
               <a:rPr lang="fr-FR" smtClean="0"/>
-              <a:t>12/08/2015</a:t>
+              <a:t>14/08/2015</a:t>
             </a:fld>
             <a:endParaRPr lang="fr-BE"/>
           </a:p>
@@ -978,7 +987,7 @@
           <a:p>
             <a:fld id="{AA309A6D-C09C-4548-B29A-6CF363A7E532}" type="datetimeFigureOut">
               <a:rPr lang="fr-FR" smtClean="0"/>
-              <a:t>12/08/2015</a:t>
+              <a:t>14/08/2015</a:t>
             </a:fld>
             <a:endParaRPr lang="fr-BE"/>
           </a:p>
@@ -1219,7 +1228,7 @@
           <a:p>
             <a:fld id="{AA309A6D-C09C-4548-B29A-6CF363A7E532}" type="datetimeFigureOut">
               <a:rPr lang="fr-FR" smtClean="0"/>
-              <a:t>12/08/2015</a:t>
+              <a:t>14/08/2015</a:t>
             </a:fld>
             <a:endParaRPr lang="fr-BE"/>
           </a:p>
@@ -1502,7 +1511,7 @@
           <a:p>
             <a:fld id="{AA309A6D-C09C-4548-B29A-6CF363A7E532}" type="datetimeFigureOut">
               <a:rPr lang="fr-FR" smtClean="0"/>
-              <a:t>12/08/2015</a:t>
+              <a:t>14/08/2015</a:t>
             </a:fld>
             <a:endParaRPr lang="fr-BE"/>
           </a:p>
@@ -1919,7 +1928,7 @@
           <a:p>
             <a:fld id="{AA309A6D-C09C-4548-B29A-6CF363A7E532}" type="datetimeFigureOut">
               <a:rPr lang="fr-FR" smtClean="0"/>
-              <a:t>12/08/2015</a:t>
+              <a:t>14/08/2015</a:t>
             </a:fld>
             <a:endParaRPr lang="fr-BE"/>
           </a:p>
@@ -2032,7 +2041,7 @@
           <a:p>
             <a:fld id="{AA309A6D-C09C-4548-B29A-6CF363A7E532}" type="datetimeFigureOut">
               <a:rPr lang="fr-FR" smtClean="0"/>
-              <a:t>12/08/2015</a:t>
+              <a:t>14/08/2015</a:t>
             </a:fld>
             <a:endParaRPr lang="fr-BE"/>
           </a:p>
@@ -2122,7 +2131,7 @@
           <a:p>
             <a:fld id="{AA309A6D-C09C-4548-B29A-6CF363A7E532}" type="datetimeFigureOut">
               <a:rPr lang="fr-FR" smtClean="0"/>
-              <a:t>12/08/2015</a:t>
+              <a:t>14/08/2015</a:t>
             </a:fld>
             <a:endParaRPr lang="fr-BE"/>
           </a:p>
@@ -2394,7 +2403,7 @@
           <a:p>
             <a:fld id="{AA309A6D-C09C-4548-B29A-6CF363A7E532}" type="datetimeFigureOut">
               <a:rPr lang="fr-FR" smtClean="0"/>
-              <a:t>12/08/2015</a:t>
+              <a:t>14/08/2015</a:t>
             </a:fld>
             <a:endParaRPr lang="fr-BE"/>
           </a:p>
@@ -2642,7 +2651,7 @@
           <a:p>
             <a:fld id="{AA309A6D-C09C-4548-B29A-6CF363A7E532}" type="datetimeFigureOut">
               <a:rPr lang="fr-FR" smtClean="0"/>
-              <a:t>12/08/2015</a:t>
+              <a:t>14/08/2015</a:t>
             </a:fld>
             <a:endParaRPr lang="fr-BE"/>
           </a:p>
@@ -2850,7 +2859,7 @@
           <a:p>
             <a:fld id="{AA309A6D-C09C-4548-B29A-6CF363A7E532}" type="datetimeFigureOut">
               <a:rPr lang="fr-FR" smtClean="0"/>
-              <a:t>12/08/2015</a:t>
+              <a:t>14/08/2015</a:t>
             </a:fld>
             <a:endParaRPr lang="fr-BE"/>
           </a:p>
@@ -3392,7 +3401,7 @@
         <p:spPr>
           <a:xfrm>
             <a:off x="467544" y="5805264"/>
-            <a:ext cx="2103218" cy="648072"/>
+            <a:ext cx="3384376" cy="648072"/>
           </a:xfrm>
           <a:prstGeom prst="rect">
             <a:avLst/>
@@ -3420,18 +3429,14 @@
           </a:lstStyle>
           <a:p>
             <a:r>
-              <a:rPr lang="fr-FR" dirty="0" err="1"/>
-              <a:t>Niv</a:t>
-            </a:r>
-            <a:r>
-              <a:rPr lang="fr-FR" dirty="0"/>
-              <a:t> </a:t>
-            </a:r>
-            <a:r>
-              <a:rPr lang="fr-FR" dirty="0" smtClean="0"/>
-              <a:t>4</a:t>
-            </a:r>
-            <a:endParaRPr lang="fr-FR" dirty="0"/>
+              <a:rPr lang="fr-FR" sz="6600" dirty="0"/>
+              <a:t>3</a:t>
+            </a:r>
+            <a:r>
+              <a:rPr lang="fr-FR" sz="6600" dirty="0" smtClean="0"/>
+              <a:t> Actions</a:t>
+            </a:r>
+            <a:endParaRPr lang="fr-FR" sz="6600" dirty="0"/>
           </a:p>
         </p:txBody>
       </p:sp>
@@ -3662,38 +3667,24 @@
           </a:xfrm>
         </p:spPr>
         <p:txBody>
-          <a:bodyPr vert="horz" lIns="91440" tIns="45720" rIns="91440" bIns="45720" rtlCol="0" anchor="ctr">
-            <a:noAutofit/>
+          <a:bodyPr>
+            <a:normAutofit fontScale="62500" lnSpcReduction="20000"/>
           </a:bodyPr>
           <a:lstStyle/>
           <a:p>
-            <a:pPr>
-              <a:spcBef>
-                <a:spcPct val="0"/>
-              </a:spcBef>
-            </a:pPr>
-            <a:r>
-              <a:rPr lang="fr-FR" sz="7200" dirty="0" err="1">
+            <a:r>
+              <a:rPr lang="fr-FR" sz="8000" dirty="0" smtClean="0">
                 <a:solidFill>
                   <a:schemeClr val="tx1"/>
                 </a:solidFill>
-                <a:latin typeface="+mj-lt"/>
-                <a:ea typeface="+mj-ea"/>
-                <a:cs typeface="+mj-cs"/>
               </a:rPr>
-              <a:t>Évax</a:t>
-            </a:r>
-            <a:r>
-              <a:rPr lang="fr-FR" sz="7200" dirty="0">
-                <a:solidFill>
-                  <a:schemeClr val="tx1"/>
-                </a:solidFill>
-                <a:latin typeface="+mj-lt"/>
-                <a:ea typeface="+mj-ea"/>
-                <a:cs typeface="+mj-cs"/>
-              </a:rPr>
-              <a:t> pygmée</a:t>
-            </a:r>
+              <a:t>Immortelle des dunes</a:t>
+            </a:r>
+            <a:endParaRPr lang="fr-FR" sz="8000" dirty="0">
+              <a:solidFill>
+                <a:schemeClr val="tx1"/>
+              </a:solidFill>
+            </a:endParaRPr>
           </a:p>
         </p:txBody>
       </p:sp>
@@ -3747,7 +3738,7 @@
         <p:spPr>
           <a:xfrm>
             <a:off x="467544" y="5805264"/>
-            <a:ext cx="2103218" cy="648072"/>
+            <a:ext cx="3240360" cy="648072"/>
           </a:xfrm>
           <a:prstGeom prst="rect">
             <a:avLst/>
@@ -3775,16 +3766,12 @@
           </a:lstStyle>
           <a:p>
             <a:r>
-              <a:rPr lang="fr-FR" dirty="0" err="1"/>
-              <a:t>Niv</a:t>
-            </a:r>
-            <a:r>
-              <a:rPr lang="fr-FR" dirty="0"/>
-              <a:t> </a:t>
-            </a:r>
-            <a:r>
               <a:rPr lang="fr-FR" dirty="0" smtClean="0"/>
-              <a:t>3</a:t>
+              <a:t>4 </a:t>
+            </a:r>
+            <a:r>
+              <a:rPr lang="fr-FR" sz="6000" dirty="0" smtClean="0"/>
+              <a:t>Actions</a:t>
             </a:r>
             <a:endParaRPr lang="fr-FR" dirty="0"/>
           </a:p>
@@ -3800,8 +3787,8 @@
         </p:nvSpPr>
         <p:spPr>
           <a:xfrm>
-            <a:off x="5076056" y="4905164"/>
-            <a:ext cx="3528392" cy="1800200"/>
+            <a:off x="4572000" y="4725144"/>
+            <a:ext cx="4464496" cy="1800200"/>
           </a:xfrm>
           <a:prstGeom prst="rect">
             <a:avLst/>
@@ -3829,9 +3816,10 @@
           </a:lstStyle>
           <a:p>
             <a:r>
-              <a:rPr lang="fr-FR" dirty="0"/>
-              <a:t> -1 At </a:t>
-            </a:r>
+              <a:rPr lang="fr-FR" sz="5400" dirty="0" smtClean="0"/>
+              <a:t>+1 PV, au début de son tour</a:t>
+            </a:r>
+            <a:endParaRPr lang="fr-FR" sz="5400" dirty="0"/>
           </a:p>
         </p:txBody>
       </p:sp>
@@ -3881,7 +3869,7 @@
     </p:spTree>
     <p:extLst>
       <p:ext uri="{BB962C8B-B14F-4D97-AF65-F5344CB8AC3E}">
-        <p14:creationId xmlns:p14="http://schemas.microsoft.com/office/powerpoint/2010/main" val="671990365"/>
+        <p14:creationId xmlns:p14="http://schemas.microsoft.com/office/powerpoint/2010/main" val="3555652026"/>
       </p:ext>
     </p:extLst>
   </p:cSld>
@@ -4016,38 +4004,24 @@
           </a:xfrm>
         </p:spPr>
         <p:txBody>
-          <a:bodyPr vert="horz" lIns="91440" tIns="45720" rIns="91440" bIns="45720" rtlCol="0" anchor="ctr">
-            <a:noAutofit/>
+          <a:bodyPr>
+            <a:normAutofit fontScale="62500" lnSpcReduction="20000"/>
           </a:bodyPr>
           <a:lstStyle/>
           <a:p>
-            <a:pPr>
-              <a:spcBef>
-                <a:spcPct val="0"/>
-              </a:spcBef>
-            </a:pPr>
-            <a:r>
-              <a:rPr lang="fr-FR" sz="7200" dirty="0" err="1">
+            <a:r>
+              <a:rPr lang="fr-FR" sz="8000" dirty="0" smtClean="0">
                 <a:solidFill>
                   <a:schemeClr val="tx1"/>
                 </a:solidFill>
-                <a:latin typeface="+mj-lt"/>
-                <a:ea typeface="+mj-ea"/>
-                <a:cs typeface="+mj-cs"/>
               </a:rPr>
-              <a:t>Évax</a:t>
-            </a:r>
-            <a:r>
-              <a:rPr lang="fr-FR" sz="7200" dirty="0">
-                <a:solidFill>
-                  <a:schemeClr val="tx1"/>
-                </a:solidFill>
-                <a:latin typeface="+mj-lt"/>
-                <a:ea typeface="+mj-ea"/>
-                <a:cs typeface="+mj-cs"/>
-              </a:rPr>
-              <a:t> pygmée</a:t>
-            </a:r>
+              <a:t>Lézard des muraille</a:t>
+            </a:r>
+            <a:endParaRPr lang="fr-FR" sz="8000" dirty="0">
+              <a:solidFill>
+                <a:schemeClr val="tx1"/>
+              </a:solidFill>
+            </a:endParaRPr>
           </a:p>
         </p:txBody>
       </p:sp>
@@ -4100,8 +4074,8 @@
         </p:nvSpPr>
         <p:spPr>
           <a:xfrm>
-            <a:off x="467544" y="5805264"/>
-            <a:ext cx="2103218" cy="648072"/>
+            <a:off x="-36512" y="5805264"/>
+            <a:ext cx="4464496" cy="648072"/>
           </a:xfrm>
           <a:prstGeom prst="rect">
             <a:avLst/>
@@ -4129,24 +4103,16 @@
           </a:lstStyle>
           <a:p>
             <a:r>
-              <a:rPr lang="fr-FR" dirty="0" err="1"/>
-              <a:t>Niv</a:t>
-            </a:r>
-            <a:r>
-              <a:rPr lang="fr-FR" dirty="0"/>
-              <a:t> </a:t>
-            </a:r>
-            <a:r>
-              <a:rPr lang="fr-FR" dirty="0" smtClean="0"/>
-              <a:t>3</a:t>
-            </a:r>
-            <a:endParaRPr lang="fr-FR" dirty="0"/>
-          </a:p>
-        </p:txBody>
-      </p:sp>
-      <p:sp>
-        <p:nvSpPr>
-          <p:cNvPr id="7" name="Titre 1"/>
+              <a:rPr lang="fr-FR" sz="5400" dirty="0" smtClean="0"/>
+              <a:t>6 Actions</a:t>
+            </a:r>
+            <a:endParaRPr lang="fr-FR" sz="5400" dirty="0"/>
+          </a:p>
+        </p:txBody>
+      </p:sp>
+      <p:sp>
+        <p:nvSpPr>
+          <p:cNvPr id="8" name="Titre 1"/>
           <p:cNvSpPr txBox="1">
             <a:spLocks/>
           </p:cNvSpPr>
@@ -4154,8 +4120,51 @@
         </p:nvSpPr>
         <p:spPr>
           <a:xfrm>
-            <a:off x="5076056" y="4905164"/>
-            <a:ext cx="3528392" cy="1800200"/>
+            <a:off x="7604720" y="413048"/>
+            <a:ext cx="1368152" cy="648072"/>
+          </a:xfrm>
+          <a:prstGeom prst="rect">
+            <a:avLst/>
+          </a:prstGeom>
+        </p:spPr>
+        <p:txBody>
+          <a:bodyPr vert="horz" lIns="91440" tIns="45720" rIns="91440" bIns="45720" rtlCol="0" anchor="ctr">
+            <a:noAutofit/>
+          </a:bodyPr>
+          <a:lstStyle>
+            <a:lvl1pPr algn="ctr">
+              <a:spcBef>
+                <a:spcPct val="0"/>
+              </a:spcBef>
+              <a:buNone/>
+              <a:defRPr sz="7200">
+                <a:latin typeface="+mj-lt"/>
+                <a:ea typeface="+mj-ea"/>
+                <a:cs typeface="+mj-cs"/>
+              </a:defRPr>
+            </a:lvl1pPr>
+          </a:lstStyle>
+          <a:p>
+            <a:r>
+              <a:rPr lang="fr-FR" dirty="0" smtClean="0"/>
+              <a:t>-</a:t>
+            </a:r>
+            <a:endParaRPr lang="fr-FR" dirty="0"/>
+          </a:p>
+        </p:txBody>
+      </p:sp>
+      <p:sp>
+        <p:nvSpPr>
+          <p:cNvPr id="9" name="Titre 1"/>
+          <p:cNvSpPr txBox="1">
+            <a:spLocks/>
+          </p:cNvSpPr>
+          <p:nvPr/>
+        </p:nvSpPr>
+        <p:spPr>
+          <a:xfrm>
+            <a:off x="4572000" y="4725144"/>
+            <a:ext cx="4464496" cy="1800200"/>
           </a:xfrm>
           <a:prstGeom prst="rect">
             <a:avLst/>
@@ -4183,60 +4192,17 @@
           </a:lstStyle>
           <a:p>
             <a:r>
-              <a:rPr lang="fr-FR" sz="6000" dirty="0" smtClean="0"/>
-              <a:t> -1 At </a:t>
-            </a:r>
-            <a:endParaRPr lang="fr-FR" sz="6000" dirty="0"/>
-          </a:p>
-        </p:txBody>
-      </p:sp>
-      <p:sp>
-        <p:nvSpPr>
-          <p:cNvPr id="8" name="Titre 1"/>
-          <p:cNvSpPr txBox="1">
-            <a:spLocks/>
-          </p:cNvSpPr>
-          <p:nvPr/>
-        </p:nvSpPr>
-        <p:spPr>
-          <a:xfrm>
-            <a:off x="7604720" y="413048"/>
-            <a:ext cx="1368152" cy="648072"/>
-          </a:xfrm>
-          <a:prstGeom prst="rect">
-            <a:avLst/>
-          </a:prstGeom>
-        </p:spPr>
-        <p:txBody>
-          <a:bodyPr vert="horz" lIns="91440" tIns="45720" rIns="91440" bIns="45720" rtlCol="0" anchor="ctr">
-            <a:noAutofit/>
-          </a:bodyPr>
-          <a:lstStyle>
-            <a:lvl1pPr algn="ctr">
-              <a:spcBef>
-                <a:spcPct val="0"/>
-              </a:spcBef>
-              <a:buNone/>
-              <a:defRPr sz="7200">
-                <a:latin typeface="+mj-lt"/>
-                <a:ea typeface="+mj-ea"/>
-                <a:cs typeface="+mj-cs"/>
-              </a:defRPr>
-            </a:lvl1pPr>
-          </a:lstStyle>
-          <a:p>
-            <a:r>
-              <a:rPr lang="fr-FR" dirty="0" smtClean="0"/>
-              <a:t>-</a:t>
-            </a:r>
-            <a:endParaRPr lang="fr-FR" dirty="0"/>
+              <a:rPr lang="fr-FR" sz="5400" dirty="0" smtClean="0"/>
+              <a:t>+1 PV, au début de son tour</a:t>
+            </a:r>
+            <a:endParaRPr lang="fr-FR" sz="5400" dirty="0"/>
           </a:p>
         </p:txBody>
       </p:sp>
     </p:spTree>
     <p:extLst>
       <p:ext uri="{BB962C8B-B14F-4D97-AF65-F5344CB8AC3E}">
-        <p14:creationId xmlns:p14="http://schemas.microsoft.com/office/powerpoint/2010/main" val="302146750"/>
+        <p14:creationId xmlns:p14="http://schemas.microsoft.com/office/powerpoint/2010/main" val="4211050952"/>
       </p:ext>
     </p:extLst>
   </p:cSld>
@@ -4278,7 +4244,7 @@
         </p:nvSpPr>
         <p:spPr>
           <a:xfrm>
-            <a:off x="0" y="0"/>
+            <a:off x="20751" y="0"/>
             <a:ext cx="9144000" cy="6858000"/>
           </a:xfrm>
           <a:prstGeom prst="rect">
@@ -4348,7 +4314,7 @@
           <a:p>
             <a:r>
               <a:rPr lang="fr-FR" sz="7200" dirty="0" smtClean="0"/>
-              <a:t>-</a:t>
+              <a:t>A 0</a:t>
             </a:r>
             <a:endParaRPr lang="fr-FR" sz="7200" dirty="0"/>
           </a:p>
@@ -4371,46 +4337,19 @@
           </a:xfrm>
         </p:spPr>
         <p:txBody>
-          <a:bodyPr vert="horz" lIns="91440" tIns="45720" rIns="91440" bIns="45720" rtlCol="0" anchor="ctr">
-            <a:noAutofit/>
+          <a:bodyPr>
+            <a:normAutofit fontScale="62500" lnSpcReduction="20000"/>
           </a:bodyPr>
           <a:lstStyle/>
           <a:p>
-            <a:pPr>
-              <a:spcBef>
-                <a:spcPct val="0"/>
-              </a:spcBef>
-            </a:pPr>
-            <a:r>
-              <a:rPr lang="fr-FR" sz="7200" dirty="0" smtClean="0">
+            <a:r>
+              <a:rPr lang="fr-FR" sz="8000" dirty="0">
                 <a:solidFill>
                   <a:schemeClr val="tx1"/>
                 </a:solidFill>
-                <a:latin typeface="+mj-lt"/>
-                <a:ea typeface="+mj-ea"/>
-                <a:cs typeface="+mj-cs"/>
               </a:rPr>
-              <a:t>Escargot </a:t>
-            </a:r>
-            <a:r>
-              <a:rPr lang="fr-FR" sz="7200" dirty="0" err="1">
-                <a:solidFill>
-                  <a:schemeClr val="tx1"/>
-                </a:solidFill>
-                <a:latin typeface="+mj-lt"/>
-                <a:ea typeface="+mj-ea"/>
-                <a:cs typeface="+mj-cs"/>
-              </a:rPr>
-              <a:t>mourguéta</a:t>
-            </a:r>
-            <a:endParaRPr lang="fr-FR" sz="7200" dirty="0">
-              <a:solidFill>
-                <a:schemeClr val="tx1"/>
-              </a:solidFill>
-              <a:latin typeface="+mj-lt"/>
-              <a:ea typeface="+mj-ea"/>
-              <a:cs typeface="+mj-cs"/>
-            </a:endParaRPr>
+              <a:t>Euphorbe des garrigues</a:t>
+            </a:r>
           </a:p>
         </p:txBody>
       </p:sp>
@@ -4449,6 +4388,14 @@
             </a:lvl1pPr>
           </a:lstStyle>
           <a:p>
+            <a:r>
+              <a:rPr lang="fr-FR" dirty="0"/>
+              <a:t>S </a:t>
+            </a:r>
+            <a:r>
+              <a:rPr lang="fr-FR" dirty="0" smtClean="0"/>
+              <a:t>0</a:t>
+            </a:r>
             <a:endParaRPr lang="fr-FR" dirty="0"/>
           </a:p>
         </p:txBody>
@@ -4464,7 +4411,7 @@
         <p:spPr>
           <a:xfrm>
             <a:off x="467544" y="5805264"/>
-            <a:ext cx="2103218" cy="648072"/>
+            <a:ext cx="4248472" cy="648072"/>
           </a:xfrm>
           <a:prstGeom prst="rect">
             <a:avLst/>
@@ -4492,16 +4439,8 @@
           </a:lstStyle>
           <a:p>
             <a:r>
-              <a:rPr lang="fr-FR" dirty="0" err="1"/>
-              <a:t>Niv</a:t>
-            </a:r>
-            <a:r>
-              <a:rPr lang="fr-FR" dirty="0"/>
-              <a:t> </a:t>
-            </a:r>
-            <a:r>
               <a:rPr lang="fr-FR" dirty="0" smtClean="0"/>
-              <a:t>8</a:t>
+              <a:t>5 Actions</a:t>
             </a:r>
             <a:endParaRPr lang="fr-FR" dirty="0"/>
           </a:p>
@@ -4517,8 +4456,8 @@
         </p:nvSpPr>
         <p:spPr>
           <a:xfrm>
-            <a:off x="4572000" y="4905164"/>
-            <a:ext cx="4032448" cy="1800200"/>
+            <a:off x="6228184" y="5877272"/>
+            <a:ext cx="2808312" cy="648072"/>
           </a:xfrm>
           <a:prstGeom prst="rect">
             <a:avLst/>
@@ -4546,51 +4485,8 @@
           </a:lstStyle>
           <a:p>
             <a:r>
-              <a:rPr lang="fr-FR" sz="4800" dirty="0" smtClean="0"/>
-              <a:t> chaque action coût +1 </a:t>
-            </a:r>
-            <a:endParaRPr lang="fr-FR" sz="4800" dirty="0"/>
-          </a:p>
-        </p:txBody>
-      </p:sp>
-      <p:sp>
-        <p:nvSpPr>
-          <p:cNvPr id="8" name="Titre 1"/>
-          <p:cNvSpPr txBox="1">
-            <a:spLocks/>
-          </p:cNvSpPr>
-          <p:nvPr/>
-        </p:nvSpPr>
-        <p:spPr>
-          <a:xfrm>
-            <a:off x="7604720" y="413048"/>
-            <a:ext cx="1368152" cy="648072"/>
-          </a:xfrm>
-          <a:prstGeom prst="rect">
-            <a:avLst/>
-          </a:prstGeom>
-        </p:spPr>
-        <p:txBody>
-          <a:bodyPr vert="horz" lIns="91440" tIns="45720" rIns="91440" bIns="45720" rtlCol="0" anchor="ctr">
-            <a:noAutofit/>
-          </a:bodyPr>
-          <a:lstStyle>
-            <a:lvl1pPr algn="ctr">
-              <a:spcBef>
-                <a:spcPct val="0"/>
-              </a:spcBef>
-              <a:buNone/>
-              <a:defRPr sz="7200">
-                <a:latin typeface="+mj-lt"/>
-                <a:ea typeface="+mj-ea"/>
-                <a:cs typeface="+mj-cs"/>
-              </a:defRPr>
-            </a:lvl1pPr>
-          </a:lstStyle>
-          <a:p>
-            <a:r>
               <a:rPr lang="fr-FR" dirty="0" smtClean="0"/>
-              <a:t>-</a:t>
+              <a:t>- 1 PV </a:t>
             </a:r>
             <a:endParaRPr lang="fr-FR" dirty="0"/>
           </a:p>
@@ -4599,7 +4495,7 @@
     </p:spTree>
     <p:extLst>
       <p:ext uri="{BB962C8B-B14F-4D97-AF65-F5344CB8AC3E}">
-        <p14:creationId xmlns:p14="http://schemas.microsoft.com/office/powerpoint/2010/main" val="3234651271"/>
+        <p14:creationId xmlns:p14="http://schemas.microsoft.com/office/powerpoint/2010/main" val="2419852552"/>
       </p:ext>
     </p:extLst>
   </p:cSld>
@@ -4641,7 +4537,7 @@
         </p:nvSpPr>
         <p:spPr>
           <a:xfrm>
-            <a:off x="0" y="0"/>
+            <a:off x="20751" y="0"/>
             <a:ext cx="9144000" cy="6858000"/>
           </a:xfrm>
           <a:prstGeom prst="rect">
@@ -4711,7 +4607,7 @@
           <a:p>
             <a:r>
               <a:rPr lang="fr-FR" sz="7200" dirty="0" smtClean="0"/>
-              <a:t>-</a:t>
+              <a:t>A 0</a:t>
             </a:r>
             <a:endParaRPr lang="fr-FR" sz="7200" dirty="0"/>
           </a:p>
@@ -4734,46 +4630,19 @@
           </a:xfrm>
         </p:spPr>
         <p:txBody>
-          <a:bodyPr vert="horz" lIns="91440" tIns="45720" rIns="91440" bIns="45720" rtlCol="0" anchor="ctr">
-            <a:noAutofit/>
+          <a:bodyPr>
+            <a:normAutofit fontScale="62500" lnSpcReduction="20000"/>
           </a:bodyPr>
           <a:lstStyle/>
           <a:p>
-            <a:pPr>
-              <a:spcBef>
-                <a:spcPct val="0"/>
-              </a:spcBef>
-            </a:pPr>
-            <a:r>
-              <a:rPr lang="fr-FR" sz="7200" dirty="0" smtClean="0">
+            <a:r>
+              <a:rPr lang="fr-FR" sz="8000" dirty="0">
                 <a:solidFill>
                   <a:schemeClr val="tx1"/>
                 </a:solidFill>
-                <a:latin typeface="+mj-lt"/>
-                <a:ea typeface="+mj-ea"/>
-                <a:cs typeface="+mj-cs"/>
               </a:rPr>
-              <a:t>Escargot </a:t>
-            </a:r>
-            <a:r>
-              <a:rPr lang="fr-FR" sz="7200" dirty="0" err="1">
-                <a:solidFill>
-                  <a:schemeClr val="tx1"/>
-                </a:solidFill>
-                <a:latin typeface="+mj-lt"/>
-                <a:ea typeface="+mj-ea"/>
-                <a:cs typeface="+mj-cs"/>
-              </a:rPr>
-              <a:t>mourguéta</a:t>
-            </a:r>
-            <a:endParaRPr lang="fr-FR" sz="7200" dirty="0">
-              <a:solidFill>
-                <a:schemeClr val="tx1"/>
-              </a:solidFill>
-              <a:latin typeface="+mj-lt"/>
-              <a:ea typeface="+mj-ea"/>
-              <a:cs typeface="+mj-cs"/>
-            </a:endParaRPr>
+              <a:t>Euphorbe des garrigues</a:t>
+            </a:r>
           </a:p>
         </p:txBody>
       </p:sp>
@@ -4812,6 +4681,14 @@
             </a:lvl1pPr>
           </a:lstStyle>
           <a:p>
+            <a:r>
+              <a:rPr lang="fr-FR" dirty="0"/>
+              <a:t>S </a:t>
+            </a:r>
+            <a:r>
+              <a:rPr lang="fr-FR" dirty="0" smtClean="0"/>
+              <a:t>0</a:t>
+            </a:r>
             <a:endParaRPr lang="fr-FR" dirty="0"/>
           </a:p>
         </p:txBody>
@@ -4827,7 +4704,7 @@
         <p:spPr>
           <a:xfrm>
             <a:off x="467544" y="5805264"/>
-            <a:ext cx="2103218" cy="648072"/>
+            <a:ext cx="4248472" cy="648072"/>
           </a:xfrm>
           <a:prstGeom prst="rect">
             <a:avLst/>
@@ -4855,16 +4732,8 @@
           </a:lstStyle>
           <a:p>
             <a:r>
-              <a:rPr lang="fr-FR" dirty="0" err="1"/>
-              <a:t>Niv</a:t>
-            </a:r>
-            <a:r>
-              <a:rPr lang="fr-FR" dirty="0"/>
-              <a:t> </a:t>
-            </a:r>
-            <a:r>
               <a:rPr lang="fr-FR" dirty="0" smtClean="0"/>
-              <a:t>8</a:t>
+              <a:t>5 Actions</a:t>
             </a:r>
             <a:endParaRPr lang="fr-FR" dirty="0"/>
           </a:p>
@@ -4880,8 +4749,8 @@
         </p:nvSpPr>
         <p:spPr>
           <a:xfrm>
-            <a:off x="4572000" y="4905164"/>
-            <a:ext cx="4032448" cy="1800200"/>
+            <a:off x="6228184" y="5877272"/>
+            <a:ext cx="2808312" cy="648072"/>
           </a:xfrm>
           <a:prstGeom prst="rect">
             <a:avLst/>
@@ -4909,51 +4778,8 @@
           </a:lstStyle>
           <a:p>
             <a:r>
-              <a:rPr lang="fr-FR" sz="4800" dirty="0" smtClean="0"/>
-              <a:t> chaque action coût +1 </a:t>
-            </a:r>
-            <a:endParaRPr lang="fr-FR" sz="4800" dirty="0"/>
-          </a:p>
-        </p:txBody>
-      </p:sp>
-      <p:sp>
-        <p:nvSpPr>
-          <p:cNvPr id="8" name="Titre 1"/>
-          <p:cNvSpPr txBox="1">
-            <a:spLocks/>
-          </p:cNvSpPr>
-          <p:nvPr/>
-        </p:nvSpPr>
-        <p:spPr>
-          <a:xfrm>
-            <a:off x="7604720" y="413048"/>
-            <a:ext cx="1368152" cy="648072"/>
-          </a:xfrm>
-          <a:prstGeom prst="rect">
-            <a:avLst/>
-          </a:prstGeom>
-        </p:spPr>
-        <p:txBody>
-          <a:bodyPr vert="horz" lIns="91440" tIns="45720" rIns="91440" bIns="45720" rtlCol="0" anchor="ctr">
-            <a:noAutofit/>
-          </a:bodyPr>
-          <a:lstStyle>
-            <a:lvl1pPr algn="ctr">
-              <a:spcBef>
-                <a:spcPct val="0"/>
-              </a:spcBef>
-              <a:buNone/>
-              <a:defRPr sz="7200">
-                <a:latin typeface="+mj-lt"/>
-                <a:ea typeface="+mj-ea"/>
-                <a:cs typeface="+mj-cs"/>
-              </a:defRPr>
-            </a:lvl1pPr>
-          </a:lstStyle>
-          <a:p>
-            <a:r>
               <a:rPr lang="fr-FR" dirty="0" smtClean="0"/>
-              <a:t>-</a:t>
+              <a:t>- 1 PV </a:t>
             </a:r>
             <a:endParaRPr lang="fr-FR" dirty="0"/>
           </a:p>
@@ -4962,7 +4788,7 @@
     </p:spTree>
     <p:extLst>
       <p:ext uri="{BB962C8B-B14F-4D97-AF65-F5344CB8AC3E}">
-        <p14:creationId xmlns:p14="http://schemas.microsoft.com/office/powerpoint/2010/main" val="3071950033"/>
+        <p14:creationId xmlns:p14="http://schemas.microsoft.com/office/powerpoint/2010/main" val="203700419"/>
       </p:ext>
     </p:extLst>
   </p:cSld>
@@ -5097,18 +4923,37 @@
           </a:xfrm>
         </p:spPr>
         <p:txBody>
-          <a:bodyPr>
-            <a:normAutofit fontScale="62500" lnSpcReduction="20000"/>
+          <a:bodyPr vert="horz" lIns="91440" tIns="45720" rIns="91440" bIns="45720" rtlCol="0" anchor="ctr">
+            <a:noAutofit/>
           </a:bodyPr>
           <a:lstStyle/>
           <a:p>
-            <a:r>
-              <a:rPr lang="fr-FR" sz="8000" dirty="0">
+            <a:pPr>
+              <a:spcBef>
+                <a:spcPct val="0"/>
+              </a:spcBef>
+            </a:pPr>
+            <a:r>
+              <a:rPr lang="fr-FR" sz="7200" dirty="0" err="1">
                 <a:solidFill>
                   <a:schemeClr val="tx1"/>
                 </a:solidFill>
+                <a:latin typeface="+mj-lt"/>
+                <a:ea typeface="+mj-ea"/>
+                <a:cs typeface="+mj-cs"/>
               </a:rPr>
-              <a:t>Lapin de garenne</a:t>
+              <a:t>Évax</a:t>
+            </a:r>
+            <a:r>
+              <a:rPr lang="fr-FR" sz="7200" dirty="0">
+                <a:solidFill>
+                  <a:schemeClr val="tx1"/>
+                </a:solidFill>
+                <a:latin typeface="+mj-lt"/>
+                <a:ea typeface="+mj-ea"/>
+                <a:cs typeface="+mj-cs"/>
+              </a:rPr>
+              <a:t> pygmée</a:t>
             </a:r>
           </a:p>
         </p:txBody>
@@ -5163,7 +5008,7 @@
         <p:spPr>
           <a:xfrm>
             <a:off x="467544" y="5805264"/>
-            <a:ext cx="2103218" cy="648072"/>
+            <a:ext cx="3672408" cy="648072"/>
           </a:xfrm>
           <a:prstGeom prst="rect">
             <a:avLst/>
@@ -5191,13 +5036,10 @@
           </a:lstStyle>
           <a:p>
             <a:r>
-              <a:rPr lang="fr-FR" dirty="0" err="1"/>
-              <a:t>Niv</a:t>
-            </a:r>
-            <a:r>
-              <a:rPr lang="fr-FR" dirty="0"/>
-              <a:t> 6</a:t>
-            </a:r>
+              <a:rPr lang="fr-FR" dirty="0" smtClean="0"/>
+              <a:t>4 Actions</a:t>
+            </a:r>
+            <a:endParaRPr lang="fr-FR" dirty="0"/>
           </a:p>
         </p:txBody>
       </p:sp>
@@ -5211,8 +5053,8 @@
         </p:nvSpPr>
         <p:spPr>
           <a:xfrm>
-            <a:off x="4572000" y="4725144"/>
-            <a:ext cx="4464496" cy="1800200"/>
+            <a:off x="5076056" y="4905164"/>
+            <a:ext cx="3528392" cy="1800200"/>
           </a:xfrm>
           <a:prstGeom prst="rect">
             <a:avLst/>
@@ -5240,10 +5082,9 @@
           </a:lstStyle>
           <a:p>
             <a:r>
-              <a:rPr lang="fr-FR" sz="5400" dirty="0" smtClean="0"/>
-              <a:t>Stocke 2 actions</a:t>
-            </a:r>
-            <a:endParaRPr lang="fr-FR" sz="5400" dirty="0"/>
+              <a:rPr lang="fr-FR" dirty="0"/>
+              <a:t> -1 At </a:t>
+            </a:r>
           </a:p>
         </p:txBody>
       </p:sp>
@@ -5293,7 +5134,7 @@
     </p:spTree>
     <p:extLst>
       <p:ext uri="{BB962C8B-B14F-4D97-AF65-F5344CB8AC3E}">
-        <p14:creationId xmlns:p14="http://schemas.microsoft.com/office/powerpoint/2010/main" val="38543887"/>
+        <p14:creationId xmlns:p14="http://schemas.microsoft.com/office/powerpoint/2010/main" val="671990365"/>
       </p:ext>
     </p:extLst>
   </p:cSld>
@@ -5428,18 +5269,37 @@
           </a:xfrm>
         </p:spPr>
         <p:txBody>
-          <a:bodyPr>
-            <a:normAutofit fontScale="62500" lnSpcReduction="20000"/>
+          <a:bodyPr vert="horz" lIns="91440" tIns="45720" rIns="91440" bIns="45720" rtlCol="0" anchor="ctr">
+            <a:noAutofit/>
           </a:bodyPr>
           <a:lstStyle/>
           <a:p>
-            <a:r>
-              <a:rPr lang="fr-FR" sz="8000" dirty="0">
+            <a:pPr>
+              <a:spcBef>
+                <a:spcPct val="0"/>
+              </a:spcBef>
+            </a:pPr>
+            <a:r>
+              <a:rPr lang="fr-FR" sz="7200" dirty="0" err="1">
                 <a:solidFill>
                   <a:schemeClr val="tx1"/>
                 </a:solidFill>
+                <a:latin typeface="+mj-lt"/>
+                <a:ea typeface="+mj-ea"/>
+                <a:cs typeface="+mj-cs"/>
               </a:rPr>
-              <a:t>Lapin de garenne</a:t>
+              <a:t>Évax</a:t>
+            </a:r>
+            <a:r>
+              <a:rPr lang="fr-FR" sz="7200" dirty="0">
+                <a:solidFill>
+                  <a:schemeClr val="tx1"/>
+                </a:solidFill>
+                <a:latin typeface="+mj-lt"/>
+                <a:ea typeface="+mj-ea"/>
+                <a:cs typeface="+mj-cs"/>
+              </a:rPr>
+              <a:t> pygmée</a:t>
             </a:r>
           </a:p>
         </p:txBody>
@@ -5494,7 +5354,7 @@
         <p:spPr>
           <a:xfrm>
             <a:off x="467544" y="5805264"/>
-            <a:ext cx="2103218" cy="648072"/>
+            <a:ext cx="3672408" cy="648072"/>
           </a:xfrm>
           <a:prstGeom prst="rect">
             <a:avLst/>
@@ -5522,13 +5382,10 @@
           </a:lstStyle>
           <a:p>
             <a:r>
-              <a:rPr lang="fr-FR" dirty="0" err="1"/>
-              <a:t>Niv</a:t>
-            </a:r>
-            <a:r>
-              <a:rPr lang="fr-FR" dirty="0"/>
-              <a:t> 6</a:t>
-            </a:r>
+              <a:rPr lang="fr-FR" dirty="0" smtClean="0"/>
+              <a:t>4 Actions</a:t>
+            </a:r>
+            <a:endParaRPr lang="fr-FR" dirty="0"/>
           </a:p>
         </p:txBody>
       </p:sp>
@@ -5542,8 +5399,8 @@
         </p:nvSpPr>
         <p:spPr>
           <a:xfrm>
-            <a:off x="4572000" y="4725144"/>
-            <a:ext cx="4464496" cy="1800200"/>
+            <a:off x="5076056" y="4905164"/>
+            <a:ext cx="3528392" cy="1800200"/>
           </a:xfrm>
           <a:prstGeom prst="rect">
             <a:avLst/>
@@ -5571,10 +5428,9 @@
           </a:lstStyle>
           <a:p>
             <a:r>
-              <a:rPr lang="fr-FR" sz="5400" dirty="0" smtClean="0"/>
-              <a:t>Stocke 2 actions</a:t>
-            </a:r>
-            <a:endParaRPr lang="fr-FR" sz="5400" dirty="0"/>
+              <a:rPr lang="fr-FR" dirty="0"/>
+              <a:t> -1 At </a:t>
+            </a:r>
           </a:p>
         </p:txBody>
       </p:sp>
@@ -5624,7 +5480,7 @@
     </p:spTree>
     <p:extLst>
       <p:ext uri="{BB962C8B-B14F-4D97-AF65-F5344CB8AC3E}">
-        <p14:creationId xmlns:p14="http://schemas.microsoft.com/office/powerpoint/2010/main" val="1342429770"/>
+        <p14:creationId xmlns:p14="http://schemas.microsoft.com/office/powerpoint/2010/main" val="2439641791"/>
       </p:ext>
     </p:extLst>
   </p:cSld>
@@ -5759,27 +5615,46 @@
           </a:xfrm>
         </p:spPr>
         <p:txBody>
-          <a:bodyPr>
-            <a:normAutofit fontScale="62500" lnSpcReduction="20000"/>
+          <a:bodyPr vert="horz" lIns="91440" tIns="45720" rIns="91440" bIns="45720" rtlCol="0" anchor="ctr">
+            <a:noAutofit/>
           </a:bodyPr>
           <a:lstStyle/>
           <a:p>
-            <a:r>
-              <a:rPr lang="fr-FR" sz="8000" dirty="0" err="1">
+            <a:pPr>
+              <a:spcBef>
+                <a:spcPct val="0"/>
+              </a:spcBef>
+            </a:pPr>
+            <a:r>
+              <a:rPr lang="fr-FR" sz="7200" dirty="0" smtClean="0">
                 <a:solidFill>
                   <a:schemeClr val="tx1"/>
                 </a:solidFill>
+                <a:latin typeface="+mj-lt"/>
+                <a:ea typeface="+mj-ea"/>
+                <a:cs typeface="+mj-cs"/>
               </a:rPr>
-              <a:t>Phagnalon</a:t>
-            </a:r>
-            <a:r>
-              <a:rPr lang="fr-FR" sz="8000" dirty="0">
+              <a:t>Escargot </a:t>
+            </a:r>
+            <a:r>
+              <a:rPr lang="fr-FR" sz="7200" dirty="0" err="1">
                 <a:solidFill>
                   <a:schemeClr val="tx1"/>
                 </a:solidFill>
+                <a:latin typeface="+mj-lt"/>
+                <a:ea typeface="+mj-ea"/>
+                <a:cs typeface="+mj-cs"/>
               </a:rPr>
-              <a:t> des rochers</a:t>
-            </a:r>
+              <a:t>mourguéta</a:t>
+            </a:r>
+            <a:endParaRPr lang="fr-FR" sz="7200" dirty="0">
+              <a:solidFill>
+                <a:schemeClr val="tx1"/>
+              </a:solidFill>
+              <a:latin typeface="+mj-lt"/>
+              <a:ea typeface="+mj-ea"/>
+              <a:cs typeface="+mj-cs"/>
+            </a:endParaRPr>
           </a:p>
         </p:txBody>
       </p:sp>
@@ -5832,8 +5707,8 @@
         </p:nvSpPr>
         <p:spPr>
           <a:xfrm>
-            <a:off x="467544" y="5472288"/>
-            <a:ext cx="3888432" cy="648072"/>
+            <a:off x="467544" y="5805264"/>
+            <a:ext cx="3456384" cy="648072"/>
           </a:xfrm>
           <a:prstGeom prst="rect">
             <a:avLst/>
@@ -5861,10 +5736,10 @@
           </a:lstStyle>
           <a:p>
             <a:r>
-              <a:rPr lang="fr-FR" sz="4800" dirty="0" smtClean="0"/>
-              <a:t>Niveau de la carte protégé</a:t>
-            </a:r>
-            <a:endParaRPr lang="fr-FR" sz="4800" dirty="0"/>
+              <a:rPr lang="fr-FR" sz="6000" dirty="0" smtClean="0"/>
+              <a:t>8 Actions</a:t>
+            </a:r>
+            <a:endParaRPr lang="fr-FR" sz="6000" dirty="0"/>
           </a:p>
         </p:txBody>
       </p:sp>
@@ -5878,8 +5753,8 @@
         </p:nvSpPr>
         <p:spPr>
           <a:xfrm>
-            <a:off x="4572000" y="4725144"/>
-            <a:ext cx="4464496" cy="1800200"/>
+            <a:off x="4572000" y="4905164"/>
+            <a:ext cx="4032448" cy="1800200"/>
           </a:xfrm>
           <a:prstGeom prst="rect">
             <a:avLst/>
@@ -5907,10 +5782,10 @@
           </a:lstStyle>
           <a:p>
             <a:r>
-              <a:rPr lang="fr-FR" sz="5400" dirty="0" smtClean="0"/>
-              <a:t>Protège du vol</a:t>
-            </a:r>
-            <a:endParaRPr lang="fr-FR" sz="5400" dirty="0"/>
+              <a:rPr lang="fr-FR" sz="4800" dirty="0" smtClean="0"/>
+              <a:t> chaque action coût +1 </a:t>
+            </a:r>
+            <a:endParaRPr lang="fr-FR" sz="4800" dirty="0"/>
           </a:p>
         </p:txBody>
       </p:sp>
@@ -5960,7 +5835,7 @@
     </p:spTree>
     <p:extLst>
       <p:ext uri="{BB962C8B-B14F-4D97-AF65-F5344CB8AC3E}">
-        <p14:creationId xmlns:p14="http://schemas.microsoft.com/office/powerpoint/2010/main" val="1068469828"/>
+        <p14:creationId xmlns:p14="http://schemas.microsoft.com/office/powerpoint/2010/main" val="3234651271"/>
       </p:ext>
     </p:extLst>
   </p:cSld>
@@ -6095,27 +5970,46 @@
           </a:xfrm>
         </p:spPr>
         <p:txBody>
-          <a:bodyPr>
-            <a:normAutofit fontScale="62500" lnSpcReduction="20000"/>
+          <a:bodyPr vert="horz" lIns="91440" tIns="45720" rIns="91440" bIns="45720" rtlCol="0" anchor="ctr">
+            <a:noAutofit/>
           </a:bodyPr>
           <a:lstStyle/>
           <a:p>
-            <a:r>
-              <a:rPr lang="fr-FR" sz="8000" dirty="0" err="1">
+            <a:pPr>
+              <a:spcBef>
+                <a:spcPct val="0"/>
+              </a:spcBef>
+            </a:pPr>
+            <a:r>
+              <a:rPr lang="fr-FR" sz="7200" dirty="0" smtClean="0">
                 <a:solidFill>
                   <a:schemeClr val="tx1"/>
                 </a:solidFill>
+                <a:latin typeface="+mj-lt"/>
+                <a:ea typeface="+mj-ea"/>
+                <a:cs typeface="+mj-cs"/>
               </a:rPr>
-              <a:t>Phagnalon</a:t>
-            </a:r>
-            <a:r>
-              <a:rPr lang="fr-FR" sz="8000" dirty="0">
+              <a:t>Escargot </a:t>
+            </a:r>
+            <a:r>
+              <a:rPr lang="fr-FR" sz="7200" dirty="0" err="1">
                 <a:solidFill>
                   <a:schemeClr val="tx1"/>
                 </a:solidFill>
+                <a:latin typeface="+mj-lt"/>
+                <a:ea typeface="+mj-ea"/>
+                <a:cs typeface="+mj-cs"/>
               </a:rPr>
-              <a:t> des rochers</a:t>
-            </a:r>
+              <a:t>mourguéta</a:t>
+            </a:r>
+            <a:endParaRPr lang="fr-FR" sz="7200" dirty="0">
+              <a:solidFill>
+                <a:schemeClr val="tx1"/>
+              </a:solidFill>
+              <a:latin typeface="+mj-lt"/>
+              <a:ea typeface="+mj-ea"/>
+              <a:cs typeface="+mj-cs"/>
+            </a:endParaRPr>
           </a:p>
         </p:txBody>
       </p:sp>
@@ -6168,8 +6062,8 @@
         </p:nvSpPr>
         <p:spPr>
           <a:xfrm>
-            <a:off x="467544" y="5472288"/>
-            <a:ext cx="3888432" cy="648072"/>
+            <a:off x="467544" y="5805264"/>
+            <a:ext cx="3456384" cy="648072"/>
           </a:xfrm>
           <a:prstGeom prst="rect">
             <a:avLst/>
@@ -6197,10 +6091,10 @@
           </a:lstStyle>
           <a:p>
             <a:r>
-              <a:rPr lang="fr-FR" sz="4800" dirty="0" smtClean="0"/>
-              <a:t>Niveau de la carte protégé</a:t>
-            </a:r>
-            <a:endParaRPr lang="fr-FR" sz="4800" dirty="0"/>
+              <a:rPr lang="fr-FR" sz="6000" dirty="0" smtClean="0"/>
+              <a:t>8 Actions</a:t>
+            </a:r>
+            <a:endParaRPr lang="fr-FR" sz="6000" dirty="0"/>
           </a:p>
         </p:txBody>
       </p:sp>
@@ -6214,8 +6108,8 @@
         </p:nvSpPr>
         <p:spPr>
           <a:xfrm>
-            <a:off x="4572000" y="4725144"/>
-            <a:ext cx="4464496" cy="1800200"/>
+            <a:off x="4572000" y="4905164"/>
+            <a:ext cx="4032448" cy="1800200"/>
           </a:xfrm>
           <a:prstGeom prst="rect">
             <a:avLst/>
@@ -6243,10 +6137,10 @@
           </a:lstStyle>
           <a:p>
             <a:r>
-              <a:rPr lang="fr-FR" sz="5400" dirty="0" smtClean="0"/>
-              <a:t>Protège du vol</a:t>
-            </a:r>
-            <a:endParaRPr lang="fr-FR" sz="5400" dirty="0"/>
+              <a:rPr lang="fr-FR" sz="4800" dirty="0" smtClean="0"/>
+              <a:t> chaque action coût +1 </a:t>
+            </a:r>
+            <a:endParaRPr lang="fr-FR" sz="4800" dirty="0"/>
           </a:p>
         </p:txBody>
       </p:sp>
@@ -6296,7 +6190,7 @@
     </p:spTree>
     <p:extLst>
       <p:ext uri="{BB962C8B-B14F-4D97-AF65-F5344CB8AC3E}">
-        <p14:creationId xmlns:p14="http://schemas.microsoft.com/office/powerpoint/2010/main" val="3967332060"/>
+        <p14:creationId xmlns:p14="http://schemas.microsoft.com/office/powerpoint/2010/main" val="1755920102"/>
       </p:ext>
     </p:extLst>
   </p:cSld>
@@ -6432,7 +6326,7 @@
         </p:spPr>
         <p:txBody>
           <a:bodyPr>
-            <a:normAutofit/>
+            <a:normAutofit fontScale="62500" lnSpcReduction="20000"/>
           </a:bodyPr>
           <a:lstStyle/>
           <a:p>
@@ -6442,7 +6336,7 @@
                   <a:schemeClr val="tx1"/>
                 </a:solidFill>
               </a:rPr>
-              <a:t>Nerprun</a:t>
+              <a:t>Lapin de garenne</a:t>
             </a:r>
           </a:p>
         </p:txBody>
@@ -6488,7 +6382,7 @@
       </p:sp>
       <p:sp>
         <p:nvSpPr>
-          <p:cNvPr id="5" name="Titre 1"/>
+          <p:cNvPr id="7" name="Titre 1"/>
           <p:cNvSpPr txBox="1">
             <a:spLocks/>
           </p:cNvSpPr>
@@ -6496,8 +6390,8 @@
         </p:nvSpPr>
         <p:spPr>
           <a:xfrm>
-            <a:off x="467544" y="5472288"/>
-            <a:ext cx="1800200" cy="648072"/>
+            <a:off x="4572000" y="4725144"/>
+            <a:ext cx="4464496" cy="1800200"/>
           </a:xfrm>
           <a:prstGeom prst="rect">
             <a:avLst/>
@@ -6525,20 +6419,16 @@
           </a:lstStyle>
           <a:p>
             <a:r>
-              <a:rPr lang="fr-FR" sz="4800" dirty="0" err="1" smtClean="0"/>
-              <a:t>Niv</a:t>
-            </a:r>
-            <a:r>
-              <a:rPr lang="fr-FR" sz="4800" dirty="0" smtClean="0"/>
-              <a:t> 9</a:t>
-            </a:r>
-            <a:endParaRPr lang="fr-FR" sz="4800" dirty="0"/>
-          </a:p>
-        </p:txBody>
-      </p:sp>
-      <p:sp>
-        <p:nvSpPr>
-          <p:cNvPr id="7" name="Titre 1"/>
+              <a:rPr lang="fr-FR" sz="5400" dirty="0" smtClean="0"/>
+              <a:t>Stocke 2 actions</a:t>
+            </a:r>
+            <a:endParaRPr lang="fr-FR" sz="5400" dirty="0"/>
+          </a:p>
+        </p:txBody>
+      </p:sp>
+      <p:sp>
+        <p:nvSpPr>
+          <p:cNvPr id="8" name="Titre 1"/>
           <p:cNvSpPr txBox="1">
             <a:spLocks/>
           </p:cNvSpPr>
@@ -6546,8 +6436,51 @@
         </p:nvSpPr>
         <p:spPr>
           <a:xfrm>
-            <a:off x="4572000" y="4725144"/>
-            <a:ext cx="4464496" cy="1800200"/>
+            <a:off x="7604720" y="413048"/>
+            <a:ext cx="1368152" cy="648072"/>
+          </a:xfrm>
+          <a:prstGeom prst="rect">
+            <a:avLst/>
+          </a:prstGeom>
+        </p:spPr>
+        <p:txBody>
+          <a:bodyPr vert="horz" lIns="91440" tIns="45720" rIns="91440" bIns="45720" rtlCol="0" anchor="ctr">
+            <a:noAutofit/>
+          </a:bodyPr>
+          <a:lstStyle>
+            <a:lvl1pPr algn="ctr">
+              <a:spcBef>
+                <a:spcPct val="0"/>
+              </a:spcBef>
+              <a:buNone/>
+              <a:defRPr sz="7200">
+                <a:latin typeface="+mj-lt"/>
+                <a:ea typeface="+mj-ea"/>
+                <a:cs typeface="+mj-cs"/>
+              </a:defRPr>
+            </a:lvl1pPr>
+          </a:lstStyle>
+          <a:p>
+            <a:r>
+              <a:rPr lang="fr-FR" dirty="0" smtClean="0"/>
+              <a:t>-</a:t>
+            </a:r>
+            <a:endParaRPr lang="fr-FR" dirty="0"/>
+          </a:p>
+        </p:txBody>
+      </p:sp>
+      <p:sp>
+        <p:nvSpPr>
+          <p:cNvPr id="9" name="Titre 1"/>
+          <p:cNvSpPr txBox="1">
+            <a:spLocks/>
+          </p:cNvSpPr>
+          <p:nvPr/>
+        </p:nvSpPr>
+        <p:spPr>
+          <a:xfrm>
+            <a:off x="467544" y="5805264"/>
+            <a:ext cx="3456384" cy="648072"/>
           </a:xfrm>
           <a:prstGeom prst="rect">
             <a:avLst/>
@@ -6575,16 +6508,174 @@
           </a:lstStyle>
           <a:p>
             <a:r>
-              <a:rPr lang="fr-FR" sz="4400" dirty="0" smtClean="0"/>
-              <a:t>Piocher une carte par At subie</a:t>
-            </a:r>
-            <a:endParaRPr lang="fr-FR" sz="4400" dirty="0"/>
-          </a:p>
-        </p:txBody>
-      </p:sp>
-      <p:sp>
-        <p:nvSpPr>
-          <p:cNvPr id="8" name="Titre 1"/>
+              <a:rPr lang="fr-FR" sz="6000" dirty="0"/>
+              <a:t>6</a:t>
+            </a:r>
+            <a:r>
+              <a:rPr lang="fr-FR" sz="6000" dirty="0" smtClean="0"/>
+              <a:t> Actions</a:t>
+            </a:r>
+            <a:endParaRPr lang="fr-FR" sz="6000" dirty="0"/>
+          </a:p>
+        </p:txBody>
+      </p:sp>
+    </p:spTree>
+    <p:extLst>
+      <p:ext uri="{BB962C8B-B14F-4D97-AF65-F5344CB8AC3E}">
+        <p14:creationId xmlns:p14="http://schemas.microsoft.com/office/powerpoint/2010/main" val="38543887"/>
+      </p:ext>
+    </p:extLst>
+  </p:cSld>
+  <p:clrMapOvr>
+    <a:masterClrMapping/>
+  </p:clrMapOvr>
+  <p:timing>
+    <p:tnLst>
+      <p:par>
+        <p:cTn id="1" dur="indefinite" restart="never" nodeType="tmRoot"/>
+      </p:par>
+    </p:tnLst>
+  </p:timing>
+</p:sld>
+</file>
+
+<file path=ppt/slides/slide19.xml><?xml version="1.0" encoding="utf-8"?>
+<p:sld xmlns:a="http://schemas.openxmlformats.org/drawingml/2006/main" xmlns:r="http://schemas.openxmlformats.org/officeDocument/2006/relationships" xmlns:p="http://schemas.openxmlformats.org/presentationml/2006/main">
+  <p:cSld>
+    <p:spTree>
+      <p:nvGrpSpPr>
+        <p:cNvPr id="1" name=""/>
+        <p:cNvGrpSpPr/>
+        <p:nvPr/>
+      </p:nvGrpSpPr>
+      <p:grpSpPr>
+        <a:xfrm>
+          <a:off x="0" y="0"/>
+          <a:ext cx="0" cy="0"/>
+          <a:chOff x="0" y="0"/>
+          <a:chExt cx="0" cy="0"/>
+        </a:xfrm>
+      </p:grpSpPr>
+      <p:sp>
+        <p:nvSpPr>
+          <p:cNvPr id="6" name="Rectangle 5"/>
+          <p:cNvSpPr/>
+          <p:nvPr/>
+        </p:nvSpPr>
+        <p:spPr>
+          <a:xfrm>
+            <a:off x="0" y="0"/>
+            <a:ext cx="9144000" cy="6858000"/>
+          </a:xfrm>
+          <a:prstGeom prst="rect">
+            <a:avLst/>
+          </a:prstGeom>
+          <a:solidFill>
+            <a:srgbClr val="FFC000">
+              <a:alpha val="0"/>
+            </a:srgbClr>
+          </a:solidFill>
+          <a:ln w="101600">
+            <a:solidFill>
+              <a:schemeClr val="tx1"/>
+            </a:solidFill>
+          </a:ln>
+        </p:spPr>
+        <p:style>
+          <a:lnRef idx="2">
+            <a:schemeClr val="accent1">
+              <a:shade val="50000"/>
+            </a:schemeClr>
+          </a:lnRef>
+          <a:fillRef idx="1">
+            <a:schemeClr val="accent1"/>
+          </a:fillRef>
+          <a:effectRef idx="0">
+            <a:schemeClr val="accent1"/>
+          </a:effectRef>
+          <a:fontRef idx="minor">
+            <a:schemeClr val="lt1"/>
+          </a:fontRef>
+        </p:style>
+        <p:txBody>
+          <a:bodyPr rtlCol="0" anchor="ctr"/>
+          <a:lstStyle/>
+          <a:p>
+            <a:pPr algn="ctr"/>
+            <a:endParaRPr lang="fr-FR">
+              <a:solidFill>
+                <a:srgbClr val="FFC000"/>
+              </a:solidFill>
+            </a:endParaRPr>
+          </a:p>
+        </p:txBody>
+      </p:sp>
+      <p:sp>
+        <p:nvSpPr>
+          <p:cNvPr id="2" name="Titre 1"/>
+          <p:cNvSpPr>
+            <a:spLocks noGrp="1"/>
+          </p:cNvSpPr>
+          <p:nvPr>
+            <p:ph type="ctrTitle"/>
+          </p:nvPr>
+        </p:nvSpPr>
+        <p:spPr>
+          <a:xfrm>
+            <a:off x="323528" y="332656"/>
+            <a:ext cx="2304256" cy="936104"/>
+          </a:xfrm>
+        </p:spPr>
+        <p:txBody>
+          <a:bodyPr>
+            <a:noAutofit/>
+          </a:bodyPr>
+          <a:lstStyle/>
+          <a:p>
+            <a:r>
+              <a:rPr lang="fr-FR" sz="7200" dirty="0" smtClean="0"/>
+              <a:t>-</a:t>
+            </a:r>
+            <a:endParaRPr lang="fr-FR" sz="7200" dirty="0"/>
+          </a:p>
+        </p:txBody>
+      </p:sp>
+      <p:sp>
+        <p:nvSpPr>
+          <p:cNvPr id="3" name="Sous-titre 2"/>
+          <p:cNvSpPr>
+            <a:spLocks noGrp="1"/>
+          </p:cNvSpPr>
+          <p:nvPr>
+            <p:ph type="subTitle" idx="1"/>
+          </p:nvPr>
+        </p:nvSpPr>
+        <p:spPr>
+          <a:xfrm>
+            <a:off x="1907704" y="2744924"/>
+            <a:ext cx="4856584" cy="1368152"/>
+          </a:xfrm>
+        </p:spPr>
+        <p:txBody>
+          <a:bodyPr>
+            <a:normAutofit fontScale="62500" lnSpcReduction="20000"/>
+          </a:bodyPr>
+          <a:lstStyle/>
+          <a:p>
+            <a:r>
+              <a:rPr lang="fr-FR" sz="8000" dirty="0">
+                <a:solidFill>
+                  <a:schemeClr val="tx1"/>
+                </a:solidFill>
+              </a:rPr>
+              <a:t>Lapin de garenne</a:t>
+            </a:r>
+          </a:p>
+        </p:txBody>
+      </p:sp>
+      <p:sp>
+        <p:nvSpPr>
+          <p:cNvPr id="4" name="Titre 1"/>
           <p:cNvSpPr txBox="1">
             <a:spLocks/>
           </p:cNvSpPr>
@@ -6592,7 +6683,7 @@
         </p:nvSpPr>
         <p:spPr>
           <a:xfrm>
-            <a:off x="7604720" y="413048"/>
+            <a:off x="7452320" y="260648"/>
             <a:ext cx="1368152" cy="648072"/>
           </a:xfrm>
           <a:prstGeom prst="rect">
@@ -6617,18 +6708,153 @@
             </a:lvl1pPr>
           </a:lstStyle>
           <a:p>
+            <a:endParaRPr lang="fr-FR" dirty="0"/>
+          </a:p>
+        </p:txBody>
+      </p:sp>
+      <p:sp>
+        <p:nvSpPr>
+          <p:cNvPr id="7" name="Titre 1"/>
+          <p:cNvSpPr txBox="1">
+            <a:spLocks/>
+          </p:cNvSpPr>
+          <p:nvPr/>
+        </p:nvSpPr>
+        <p:spPr>
+          <a:xfrm>
+            <a:off x="4572000" y="4725144"/>
+            <a:ext cx="4464496" cy="1800200"/>
+          </a:xfrm>
+          <a:prstGeom prst="rect">
+            <a:avLst/>
+          </a:prstGeom>
+        </p:spPr>
+        <p:txBody>
+          <a:bodyPr vert="horz" lIns="91440" tIns="45720" rIns="91440" bIns="45720" rtlCol="0" anchor="ctr">
+            <a:noAutofit/>
+          </a:bodyPr>
+          <a:lstStyle>
+            <a:defPPr>
+              <a:defRPr lang="fr-FR"/>
+            </a:defPPr>
+            <a:lvl1pPr algn="ctr">
+              <a:spcBef>
+                <a:spcPct val="0"/>
+              </a:spcBef>
+              <a:buNone/>
+              <a:defRPr sz="7200">
+                <a:latin typeface="+mj-lt"/>
+                <a:ea typeface="+mj-ea"/>
+                <a:cs typeface="+mj-cs"/>
+              </a:defRPr>
+            </a:lvl1pPr>
+          </a:lstStyle>
+          <a:p>
+            <a:r>
+              <a:rPr lang="fr-FR" sz="5400" dirty="0" smtClean="0"/>
+              <a:t>Stocke 2 actions</a:t>
+            </a:r>
+            <a:endParaRPr lang="fr-FR" sz="5400" dirty="0"/>
+          </a:p>
+        </p:txBody>
+      </p:sp>
+      <p:sp>
+        <p:nvSpPr>
+          <p:cNvPr id="8" name="Titre 1"/>
+          <p:cNvSpPr txBox="1">
+            <a:spLocks/>
+          </p:cNvSpPr>
+          <p:nvPr/>
+        </p:nvSpPr>
+        <p:spPr>
+          <a:xfrm>
+            <a:off x="7604720" y="413048"/>
+            <a:ext cx="1368152" cy="648072"/>
+          </a:xfrm>
+          <a:prstGeom prst="rect">
+            <a:avLst/>
+          </a:prstGeom>
+        </p:spPr>
+        <p:txBody>
+          <a:bodyPr vert="horz" lIns="91440" tIns="45720" rIns="91440" bIns="45720" rtlCol="0" anchor="ctr">
+            <a:noAutofit/>
+          </a:bodyPr>
+          <a:lstStyle>
+            <a:lvl1pPr algn="ctr">
+              <a:spcBef>
+                <a:spcPct val="0"/>
+              </a:spcBef>
+              <a:buNone/>
+              <a:defRPr sz="7200">
+                <a:latin typeface="+mj-lt"/>
+                <a:ea typeface="+mj-ea"/>
+                <a:cs typeface="+mj-cs"/>
+              </a:defRPr>
+            </a:lvl1pPr>
+          </a:lstStyle>
+          <a:p>
             <a:r>
               <a:rPr lang="fr-FR" dirty="0" smtClean="0"/>
               <a:t>-</a:t>
             </a:r>
             <a:endParaRPr lang="fr-FR" dirty="0"/>
+          </a:p>
+        </p:txBody>
+      </p:sp>
+      <p:sp>
+        <p:nvSpPr>
+          <p:cNvPr id="9" name="Titre 1"/>
+          <p:cNvSpPr txBox="1">
+            <a:spLocks/>
+          </p:cNvSpPr>
+          <p:nvPr/>
+        </p:nvSpPr>
+        <p:spPr>
+          <a:xfrm>
+            <a:off x="467544" y="5805264"/>
+            <a:ext cx="3456384" cy="648072"/>
+          </a:xfrm>
+          <a:prstGeom prst="rect">
+            <a:avLst/>
+          </a:prstGeom>
+        </p:spPr>
+        <p:txBody>
+          <a:bodyPr vert="horz" lIns="91440" tIns="45720" rIns="91440" bIns="45720" rtlCol="0" anchor="ctr">
+            <a:noAutofit/>
+          </a:bodyPr>
+          <a:lstStyle>
+            <a:defPPr>
+              <a:defRPr lang="fr-FR"/>
+            </a:defPPr>
+            <a:lvl1pPr algn="ctr">
+              <a:spcBef>
+                <a:spcPct val="0"/>
+              </a:spcBef>
+              <a:buNone/>
+              <a:defRPr sz="7200">
+                <a:latin typeface="+mj-lt"/>
+                <a:ea typeface="+mj-ea"/>
+                <a:cs typeface="+mj-cs"/>
+              </a:defRPr>
+            </a:lvl1pPr>
+          </a:lstStyle>
+          <a:p>
+            <a:r>
+              <a:rPr lang="fr-FR" sz="6000" dirty="0"/>
+              <a:t>6</a:t>
+            </a:r>
+            <a:r>
+              <a:rPr lang="fr-FR" sz="6000" dirty="0" smtClean="0"/>
+              <a:t> Actions</a:t>
+            </a:r>
+            <a:endParaRPr lang="fr-FR" sz="6000" dirty="0"/>
           </a:p>
         </p:txBody>
       </p:sp>
     </p:spTree>
     <p:extLst>
       <p:ext uri="{BB962C8B-B14F-4D97-AF65-F5344CB8AC3E}">
-        <p14:creationId xmlns:p14="http://schemas.microsoft.com/office/powerpoint/2010/main" val="2002626027"/>
+        <p14:creationId xmlns:p14="http://schemas.microsoft.com/office/powerpoint/2010/main" val="1549737284"/>
       </p:ext>
     </p:extLst>
   </p:cSld>
@@ -6834,7 +7060,7 @@
         <p:spPr>
           <a:xfrm>
             <a:off x="467544" y="5805264"/>
-            <a:ext cx="2103218" cy="648072"/>
+            <a:ext cx="3384376" cy="648072"/>
           </a:xfrm>
           <a:prstGeom prst="rect">
             <a:avLst/>
@@ -6862,18 +7088,14 @@
           </a:lstStyle>
           <a:p>
             <a:r>
-              <a:rPr lang="fr-FR" dirty="0" err="1"/>
-              <a:t>Niv</a:t>
-            </a:r>
-            <a:r>
-              <a:rPr lang="fr-FR" dirty="0"/>
-              <a:t> </a:t>
-            </a:r>
-            <a:r>
-              <a:rPr lang="fr-FR" dirty="0" smtClean="0"/>
-              <a:t>4</a:t>
-            </a:r>
-            <a:endParaRPr lang="fr-FR" dirty="0"/>
+              <a:rPr lang="fr-FR" sz="6600" dirty="0"/>
+              <a:t>3</a:t>
+            </a:r>
+            <a:r>
+              <a:rPr lang="fr-FR" sz="6600" dirty="0" smtClean="0"/>
+              <a:t> Actions</a:t>
+            </a:r>
+            <a:endParaRPr lang="fr-FR" sz="6600" dirty="0"/>
           </a:p>
         </p:txBody>
       </p:sp>
@@ -6969,7 +7191,2679 @@
     </p:spTree>
     <p:extLst>
       <p:ext uri="{BB962C8B-B14F-4D97-AF65-F5344CB8AC3E}">
-        <p14:creationId xmlns:p14="http://schemas.microsoft.com/office/powerpoint/2010/main" val="1655415922"/>
+        <p14:creationId xmlns:p14="http://schemas.microsoft.com/office/powerpoint/2010/main" val="2636002124"/>
+      </p:ext>
+    </p:extLst>
+  </p:cSld>
+  <p:clrMapOvr>
+    <a:masterClrMapping/>
+  </p:clrMapOvr>
+  <p:timing>
+    <p:tnLst>
+      <p:par>
+        <p:cTn id="1" dur="indefinite" restart="never" nodeType="tmRoot"/>
+      </p:par>
+    </p:tnLst>
+  </p:timing>
+</p:sld>
+</file>
+
+<file path=ppt/slides/slide20.xml><?xml version="1.0" encoding="utf-8"?>
+<p:sld xmlns:a="http://schemas.openxmlformats.org/drawingml/2006/main" xmlns:r="http://schemas.openxmlformats.org/officeDocument/2006/relationships" xmlns:p="http://schemas.openxmlformats.org/presentationml/2006/main">
+  <p:cSld>
+    <p:spTree>
+      <p:nvGrpSpPr>
+        <p:cNvPr id="1" name=""/>
+        <p:cNvGrpSpPr/>
+        <p:nvPr/>
+      </p:nvGrpSpPr>
+      <p:grpSpPr>
+        <a:xfrm>
+          <a:off x="0" y="0"/>
+          <a:ext cx="0" cy="0"/>
+          <a:chOff x="0" y="0"/>
+          <a:chExt cx="0" cy="0"/>
+        </a:xfrm>
+      </p:grpSpPr>
+      <p:sp>
+        <p:nvSpPr>
+          <p:cNvPr id="6" name="Rectangle 5"/>
+          <p:cNvSpPr/>
+          <p:nvPr/>
+        </p:nvSpPr>
+        <p:spPr>
+          <a:xfrm>
+            <a:off x="0" y="0"/>
+            <a:ext cx="9144000" cy="6858000"/>
+          </a:xfrm>
+          <a:prstGeom prst="rect">
+            <a:avLst/>
+          </a:prstGeom>
+          <a:solidFill>
+            <a:srgbClr val="FFC000">
+              <a:alpha val="0"/>
+            </a:srgbClr>
+          </a:solidFill>
+          <a:ln w="101600">
+            <a:solidFill>
+              <a:schemeClr val="tx1"/>
+            </a:solidFill>
+          </a:ln>
+        </p:spPr>
+        <p:style>
+          <a:lnRef idx="2">
+            <a:schemeClr val="accent1">
+              <a:shade val="50000"/>
+            </a:schemeClr>
+          </a:lnRef>
+          <a:fillRef idx="1">
+            <a:schemeClr val="accent1"/>
+          </a:fillRef>
+          <a:effectRef idx="0">
+            <a:schemeClr val="accent1"/>
+          </a:effectRef>
+          <a:fontRef idx="minor">
+            <a:schemeClr val="lt1"/>
+          </a:fontRef>
+        </p:style>
+        <p:txBody>
+          <a:bodyPr rtlCol="0" anchor="ctr"/>
+          <a:lstStyle/>
+          <a:p>
+            <a:pPr algn="ctr"/>
+            <a:endParaRPr lang="fr-FR">
+              <a:solidFill>
+                <a:srgbClr val="FFC000"/>
+              </a:solidFill>
+            </a:endParaRPr>
+          </a:p>
+        </p:txBody>
+      </p:sp>
+      <p:sp>
+        <p:nvSpPr>
+          <p:cNvPr id="2" name="Titre 1"/>
+          <p:cNvSpPr>
+            <a:spLocks noGrp="1"/>
+          </p:cNvSpPr>
+          <p:nvPr>
+            <p:ph type="ctrTitle"/>
+          </p:nvPr>
+        </p:nvSpPr>
+        <p:spPr>
+          <a:xfrm>
+            <a:off x="323528" y="332656"/>
+            <a:ext cx="2304256" cy="936104"/>
+          </a:xfrm>
+        </p:spPr>
+        <p:txBody>
+          <a:bodyPr>
+            <a:noAutofit/>
+          </a:bodyPr>
+          <a:lstStyle/>
+          <a:p>
+            <a:r>
+              <a:rPr lang="fr-FR" sz="7200" dirty="0" smtClean="0"/>
+              <a:t>-</a:t>
+            </a:r>
+            <a:endParaRPr lang="fr-FR" sz="7200" dirty="0"/>
+          </a:p>
+        </p:txBody>
+      </p:sp>
+      <p:sp>
+        <p:nvSpPr>
+          <p:cNvPr id="3" name="Sous-titre 2"/>
+          <p:cNvSpPr>
+            <a:spLocks noGrp="1"/>
+          </p:cNvSpPr>
+          <p:nvPr>
+            <p:ph type="subTitle" idx="1"/>
+          </p:nvPr>
+        </p:nvSpPr>
+        <p:spPr>
+          <a:xfrm>
+            <a:off x="1907704" y="2744924"/>
+            <a:ext cx="4856584" cy="1368152"/>
+          </a:xfrm>
+        </p:spPr>
+        <p:txBody>
+          <a:bodyPr>
+            <a:normAutofit fontScale="62500" lnSpcReduction="20000"/>
+          </a:bodyPr>
+          <a:lstStyle/>
+          <a:p>
+            <a:r>
+              <a:rPr lang="fr-FR" sz="8000" dirty="0" err="1">
+                <a:solidFill>
+                  <a:schemeClr val="tx1"/>
+                </a:solidFill>
+              </a:rPr>
+              <a:t>Phagnalon</a:t>
+            </a:r>
+            <a:r>
+              <a:rPr lang="fr-FR" sz="8000" dirty="0">
+                <a:solidFill>
+                  <a:schemeClr val="tx1"/>
+                </a:solidFill>
+              </a:rPr>
+              <a:t> des rochers</a:t>
+            </a:r>
+          </a:p>
+        </p:txBody>
+      </p:sp>
+      <p:sp>
+        <p:nvSpPr>
+          <p:cNvPr id="4" name="Titre 1"/>
+          <p:cNvSpPr txBox="1">
+            <a:spLocks/>
+          </p:cNvSpPr>
+          <p:nvPr/>
+        </p:nvSpPr>
+        <p:spPr>
+          <a:xfrm>
+            <a:off x="7452320" y="260648"/>
+            <a:ext cx="1368152" cy="648072"/>
+          </a:xfrm>
+          <a:prstGeom prst="rect">
+            <a:avLst/>
+          </a:prstGeom>
+        </p:spPr>
+        <p:txBody>
+          <a:bodyPr vert="horz" lIns="91440" tIns="45720" rIns="91440" bIns="45720" rtlCol="0" anchor="ctr">
+            <a:noAutofit/>
+          </a:bodyPr>
+          <a:lstStyle>
+            <a:lvl1pPr algn="ctr">
+              <a:spcBef>
+                <a:spcPct val="0"/>
+              </a:spcBef>
+              <a:buNone/>
+              <a:defRPr sz="7200">
+                <a:latin typeface="+mj-lt"/>
+                <a:ea typeface="+mj-ea"/>
+                <a:cs typeface="+mj-cs"/>
+              </a:defRPr>
+            </a:lvl1pPr>
+          </a:lstStyle>
+          <a:p>
+            <a:endParaRPr lang="fr-FR" dirty="0"/>
+          </a:p>
+        </p:txBody>
+      </p:sp>
+      <p:sp>
+        <p:nvSpPr>
+          <p:cNvPr id="5" name="Titre 1"/>
+          <p:cNvSpPr txBox="1">
+            <a:spLocks/>
+          </p:cNvSpPr>
+          <p:nvPr/>
+        </p:nvSpPr>
+        <p:spPr>
+          <a:xfrm>
+            <a:off x="467544" y="5472288"/>
+            <a:ext cx="3888432" cy="648072"/>
+          </a:xfrm>
+          <a:prstGeom prst="rect">
+            <a:avLst/>
+          </a:prstGeom>
+        </p:spPr>
+        <p:txBody>
+          <a:bodyPr vert="horz" lIns="91440" tIns="45720" rIns="91440" bIns="45720" rtlCol="0" anchor="ctr">
+            <a:noAutofit/>
+          </a:bodyPr>
+          <a:lstStyle>
+            <a:defPPr>
+              <a:defRPr lang="fr-FR"/>
+            </a:defPPr>
+            <a:lvl1pPr algn="ctr">
+              <a:spcBef>
+                <a:spcPct val="0"/>
+              </a:spcBef>
+              <a:buNone/>
+              <a:defRPr sz="7200">
+                <a:latin typeface="+mj-lt"/>
+                <a:ea typeface="+mj-ea"/>
+                <a:cs typeface="+mj-cs"/>
+              </a:defRPr>
+            </a:lvl1pPr>
+          </a:lstStyle>
+          <a:p>
+            <a:r>
+              <a:rPr lang="fr-FR" sz="4800" dirty="0" smtClean="0"/>
+              <a:t>Action de la carte protégée -2</a:t>
+            </a:r>
+            <a:endParaRPr lang="fr-FR" sz="4800" dirty="0"/>
+          </a:p>
+        </p:txBody>
+      </p:sp>
+      <p:sp>
+        <p:nvSpPr>
+          <p:cNvPr id="7" name="Titre 1"/>
+          <p:cNvSpPr txBox="1">
+            <a:spLocks/>
+          </p:cNvSpPr>
+          <p:nvPr/>
+        </p:nvSpPr>
+        <p:spPr>
+          <a:xfrm>
+            <a:off x="4572000" y="4725144"/>
+            <a:ext cx="4464496" cy="1800200"/>
+          </a:xfrm>
+          <a:prstGeom prst="rect">
+            <a:avLst/>
+          </a:prstGeom>
+        </p:spPr>
+        <p:txBody>
+          <a:bodyPr vert="horz" lIns="91440" tIns="45720" rIns="91440" bIns="45720" rtlCol="0" anchor="ctr">
+            <a:noAutofit/>
+          </a:bodyPr>
+          <a:lstStyle>
+            <a:defPPr>
+              <a:defRPr lang="fr-FR"/>
+            </a:defPPr>
+            <a:lvl1pPr algn="ctr">
+              <a:spcBef>
+                <a:spcPct val="0"/>
+              </a:spcBef>
+              <a:buNone/>
+              <a:defRPr sz="7200">
+                <a:latin typeface="+mj-lt"/>
+                <a:ea typeface="+mj-ea"/>
+                <a:cs typeface="+mj-cs"/>
+              </a:defRPr>
+            </a:lvl1pPr>
+          </a:lstStyle>
+          <a:p>
+            <a:r>
+              <a:rPr lang="fr-FR" sz="5400" dirty="0" smtClean="0"/>
+              <a:t>Protège du vol</a:t>
+            </a:r>
+            <a:endParaRPr lang="fr-FR" sz="5400" dirty="0"/>
+          </a:p>
+        </p:txBody>
+      </p:sp>
+      <p:sp>
+        <p:nvSpPr>
+          <p:cNvPr id="8" name="Titre 1"/>
+          <p:cNvSpPr txBox="1">
+            <a:spLocks/>
+          </p:cNvSpPr>
+          <p:nvPr/>
+        </p:nvSpPr>
+        <p:spPr>
+          <a:xfrm>
+            <a:off x="7604720" y="413048"/>
+            <a:ext cx="1368152" cy="648072"/>
+          </a:xfrm>
+          <a:prstGeom prst="rect">
+            <a:avLst/>
+          </a:prstGeom>
+        </p:spPr>
+        <p:txBody>
+          <a:bodyPr vert="horz" lIns="91440" tIns="45720" rIns="91440" bIns="45720" rtlCol="0" anchor="ctr">
+            <a:noAutofit/>
+          </a:bodyPr>
+          <a:lstStyle>
+            <a:lvl1pPr algn="ctr">
+              <a:spcBef>
+                <a:spcPct val="0"/>
+              </a:spcBef>
+              <a:buNone/>
+              <a:defRPr sz="7200">
+                <a:latin typeface="+mj-lt"/>
+                <a:ea typeface="+mj-ea"/>
+                <a:cs typeface="+mj-cs"/>
+              </a:defRPr>
+            </a:lvl1pPr>
+          </a:lstStyle>
+          <a:p>
+            <a:r>
+              <a:rPr lang="fr-FR" dirty="0" smtClean="0"/>
+              <a:t>-</a:t>
+            </a:r>
+            <a:endParaRPr lang="fr-FR" dirty="0"/>
+          </a:p>
+        </p:txBody>
+      </p:sp>
+    </p:spTree>
+    <p:extLst>
+      <p:ext uri="{BB962C8B-B14F-4D97-AF65-F5344CB8AC3E}">
+        <p14:creationId xmlns:p14="http://schemas.microsoft.com/office/powerpoint/2010/main" val="1068469828"/>
+      </p:ext>
+    </p:extLst>
+  </p:cSld>
+  <p:clrMapOvr>
+    <a:masterClrMapping/>
+  </p:clrMapOvr>
+  <p:timing>
+    <p:tnLst>
+      <p:par>
+        <p:cTn id="1" dur="indefinite" restart="never" nodeType="tmRoot"/>
+      </p:par>
+    </p:tnLst>
+  </p:timing>
+</p:sld>
+</file>
+
+<file path=ppt/slides/slide21.xml><?xml version="1.0" encoding="utf-8"?>
+<p:sld xmlns:a="http://schemas.openxmlformats.org/drawingml/2006/main" xmlns:r="http://schemas.openxmlformats.org/officeDocument/2006/relationships" xmlns:p="http://schemas.openxmlformats.org/presentationml/2006/main">
+  <p:cSld>
+    <p:spTree>
+      <p:nvGrpSpPr>
+        <p:cNvPr id="1" name=""/>
+        <p:cNvGrpSpPr/>
+        <p:nvPr/>
+      </p:nvGrpSpPr>
+      <p:grpSpPr>
+        <a:xfrm>
+          <a:off x="0" y="0"/>
+          <a:ext cx="0" cy="0"/>
+          <a:chOff x="0" y="0"/>
+          <a:chExt cx="0" cy="0"/>
+        </a:xfrm>
+      </p:grpSpPr>
+      <p:sp>
+        <p:nvSpPr>
+          <p:cNvPr id="6" name="Rectangle 5"/>
+          <p:cNvSpPr/>
+          <p:nvPr/>
+        </p:nvSpPr>
+        <p:spPr>
+          <a:xfrm>
+            <a:off x="0" y="0"/>
+            <a:ext cx="9144000" cy="6858000"/>
+          </a:xfrm>
+          <a:prstGeom prst="rect">
+            <a:avLst/>
+          </a:prstGeom>
+          <a:solidFill>
+            <a:srgbClr val="FFC000">
+              <a:alpha val="0"/>
+            </a:srgbClr>
+          </a:solidFill>
+          <a:ln w="101600">
+            <a:solidFill>
+              <a:schemeClr val="tx1"/>
+            </a:solidFill>
+          </a:ln>
+        </p:spPr>
+        <p:style>
+          <a:lnRef idx="2">
+            <a:schemeClr val="accent1">
+              <a:shade val="50000"/>
+            </a:schemeClr>
+          </a:lnRef>
+          <a:fillRef idx="1">
+            <a:schemeClr val="accent1"/>
+          </a:fillRef>
+          <a:effectRef idx="0">
+            <a:schemeClr val="accent1"/>
+          </a:effectRef>
+          <a:fontRef idx="minor">
+            <a:schemeClr val="lt1"/>
+          </a:fontRef>
+        </p:style>
+        <p:txBody>
+          <a:bodyPr rtlCol="0" anchor="ctr"/>
+          <a:lstStyle/>
+          <a:p>
+            <a:pPr algn="ctr"/>
+            <a:endParaRPr lang="fr-FR">
+              <a:solidFill>
+                <a:srgbClr val="FFC000"/>
+              </a:solidFill>
+            </a:endParaRPr>
+          </a:p>
+        </p:txBody>
+      </p:sp>
+      <p:sp>
+        <p:nvSpPr>
+          <p:cNvPr id="2" name="Titre 1"/>
+          <p:cNvSpPr>
+            <a:spLocks noGrp="1"/>
+          </p:cNvSpPr>
+          <p:nvPr>
+            <p:ph type="ctrTitle"/>
+          </p:nvPr>
+        </p:nvSpPr>
+        <p:spPr>
+          <a:xfrm>
+            <a:off x="323528" y="332656"/>
+            <a:ext cx="2304256" cy="936104"/>
+          </a:xfrm>
+        </p:spPr>
+        <p:txBody>
+          <a:bodyPr>
+            <a:noAutofit/>
+          </a:bodyPr>
+          <a:lstStyle/>
+          <a:p>
+            <a:r>
+              <a:rPr lang="fr-FR" sz="7200" dirty="0" smtClean="0"/>
+              <a:t>-</a:t>
+            </a:r>
+            <a:endParaRPr lang="fr-FR" sz="7200" dirty="0"/>
+          </a:p>
+        </p:txBody>
+      </p:sp>
+      <p:sp>
+        <p:nvSpPr>
+          <p:cNvPr id="3" name="Sous-titre 2"/>
+          <p:cNvSpPr>
+            <a:spLocks noGrp="1"/>
+          </p:cNvSpPr>
+          <p:nvPr>
+            <p:ph type="subTitle" idx="1"/>
+          </p:nvPr>
+        </p:nvSpPr>
+        <p:spPr>
+          <a:xfrm>
+            <a:off x="1907704" y="2744924"/>
+            <a:ext cx="4856584" cy="1368152"/>
+          </a:xfrm>
+        </p:spPr>
+        <p:txBody>
+          <a:bodyPr>
+            <a:normAutofit fontScale="62500" lnSpcReduction="20000"/>
+          </a:bodyPr>
+          <a:lstStyle/>
+          <a:p>
+            <a:r>
+              <a:rPr lang="fr-FR" sz="8000" dirty="0" err="1">
+                <a:solidFill>
+                  <a:schemeClr val="tx1"/>
+                </a:solidFill>
+              </a:rPr>
+              <a:t>Phagnalon</a:t>
+            </a:r>
+            <a:r>
+              <a:rPr lang="fr-FR" sz="8000" dirty="0">
+                <a:solidFill>
+                  <a:schemeClr val="tx1"/>
+                </a:solidFill>
+              </a:rPr>
+              <a:t> des rochers</a:t>
+            </a:r>
+          </a:p>
+        </p:txBody>
+      </p:sp>
+      <p:sp>
+        <p:nvSpPr>
+          <p:cNvPr id="4" name="Titre 1"/>
+          <p:cNvSpPr txBox="1">
+            <a:spLocks/>
+          </p:cNvSpPr>
+          <p:nvPr/>
+        </p:nvSpPr>
+        <p:spPr>
+          <a:xfrm>
+            <a:off x="7452320" y="260648"/>
+            <a:ext cx="1368152" cy="648072"/>
+          </a:xfrm>
+          <a:prstGeom prst="rect">
+            <a:avLst/>
+          </a:prstGeom>
+        </p:spPr>
+        <p:txBody>
+          <a:bodyPr vert="horz" lIns="91440" tIns="45720" rIns="91440" bIns="45720" rtlCol="0" anchor="ctr">
+            <a:noAutofit/>
+          </a:bodyPr>
+          <a:lstStyle>
+            <a:lvl1pPr algn="ctr">
+              <a:spcBef>
+                <a:spcPct val="0"/>
+              </a:spcBef>
+              <a:buNone/>
+              <a:defRPr sz="7200">
+                <a:latin typeface="+mj-lt"/>
+                <a:ea typeface="+mj-ea"/>
+                <a:cs typeface="+mj-cs"/>
+              </a:defRPr>
+            </a:lvl1pPr>
+          </a:lstStyle>
+          <a:p>
+            <a:endParaRPr lang="fr-FR" dirty="0"/>
+          </a:p>
+        </p:txBody>
+      </p:sp>
+      <p:sp>
+        <p:nvSpPr>
+          <p:cNvPr id="5" name="Titre 1"/>
+          <p:cNvSpPr txBox="1">
+            <a:spLocks/>
+          </p:cNvSpPr>
+          <p:nvPr/>
+        </p:nvSpPr>
+        <p:spPr>
+          <a:xfrm>
+            <a:off x="467544" y="5472288"/>
+            <a:ext cx="3888432" cy="648072"/>
+          </a:xfrm>
+          <a:prstGeom prst="rect">
+            <a:avLst/>
+          </a:prstGeom>
+        </p:spPr>
+        <p:txBody>
+          <a:bodyPr vert="horz" lIns="91440" tIns="45720" rIns="91440" bIns="45720" rtlCol="0" anchor="ctr">
+            <a:noAutofit/>
+          </a:bodyPr>
+          <a:lstStyle>
+            <a:defPPr>
+              <a:defRPr lang="fr-FR"/>
+            </a:defPPr>
+            <a:lvl1pPr algn="ctr">
+              <a:spcBef>
+                <a:spcPct val="0"/>
+              </a:spcBef>
+              <a:buNone/>
+              <a:defRPr sz="7200">
+                <a:latin typeface="+mj-lt"/>
+                <a:ea typeface="+mj-ea"/>
+                <a:cs typeface="+mj-cs"/>
+              </a:defRPr>
+            </a:lvl1pPr>
+          </a:lstStyle>
+          <a:p>
+            <a:r>
+              <a:rPr lang="fr-FR" sz="4800" dirty="0" smtClean="0"/>
+              <a:t>Action de la carte protégée -2</a:t>
+            </a:r>
+            <a:endParaRPr lang="fr-FR" sz="4800" dirty="0"/>
+          </a:p>
+        </p:txBody>
+      </p:sp>
+      <p:sp>
+        <p:nvSpPr>
+          <p:cNvPr id="7" name="Titre 1"/>
+          <p:cNvSpPr txBox="1">
+            <a:spLocks/>
+          </p:cNvSpPr>
+          <p:nvPr/>
+        </p:nvSpPr>
+        <p:spPr>
+          <a:xfrm>
+            <a:off x="4572000" y="4725144"/>
+            <a:ext cx="4464496" cy="1800200"/>
+          </a:xfrm>
+          <a:prstGeom prst="rect">
+            <a:avLst/>
+          </a:prstGeom>
+        </p:spPr>
+        <p:txBody>
+          <a:bodyPr vert="horz" lIns="91440" tIns="45720" rIns="91440" bIns="45720" rtlCol="0" anchor="ctr">
+            <a:noAutofit/>
+          </a:bodyPr>
+          <a:lstStyle>
+            <a:defPPr>
+              <a:defRPr lang="fr-FR"/>
+            </a:defPPr>
+            <a:lvl1pPr algn="ctr">
+              <a:spcBef>
+                <a:spcPct val="0"/>
+              </a:spcBef>
+              <a:buNone/>
+              <a:defRPr sz="7200">
+                <a:latin typeface="+mj-lt"/>
+                <a:ea typeface="+mj-ea"/>
+                <a:cs typeface="+mj-cs"/>
+              </a:defRPr>
+            </a:lvl1pPr>
+          </a:lstStyle>
+          <a:p>
+            <a:r>
+              <a:rPr lang="fr-FR" sz="5400" dirty="0" smtClean="0"/>
+              <a:t>Protège du vol</a:t>
+            </a:r>
+            <a:endParaRPr lang="fr-FR" sz="5400" dirty="0"/>
+          </a:p>
+        </p:txBody>
+      </p:sp>
+      <p:sp>
+        <p:nvSpPr>
+          <p:cNvPr id="8" name="Titre 1"/>
+          <p:cNvSpPr txBox="1">
+            <a:spLocks/>
+          </p:cNvSpPr>
+          <p:nvPr/>
+        </p:nvSpPr>
+        <p:spPr>
+          <a:xfrm>
+            <a:off x="7604720" y="413048"/>
+            <a:ext cx="1368152" cy="648072"/>
+          </a:xfrm>
+          <a:prstGeom prst="rect">
+            <a:avLst/>
+          </a:prstGeom>
+        </p:spPr>
+        <p:txBody>
+          <a:bodyPr vert="horz" lIns="91440" tIns="45720" rIns="91440" bIns="45720" rtlCol="0" anchor="ctr">
+            <a:noAutofit/>
+          </a:bodyPr>
+          <a:lstStyle>
+            <a:lvl1pPr algn="ctr">
+              <a:spcBef>
+                <a:spcPct val="0"/>
+              </a:spcBef>
+              <a:buNone/>
+              <a:defRPr sz="7200">
+                <a:latin typeface="+mj-lt"/>
+                <a:ea typeface="+mj-ea"/>
+                <a:cs typeface="+mj-cs"/>
+              </a:defRPr>
+            </a:lvl1pPr>
+          </a:lstStyle>
+          <a:p>
+            <a:r>
+              <a:rPr lang="fr-FR" dirty="0" smtClean="0"/>
+              <a:t>-</a:t>
+            </a:r>
+            <a:endParaRPr lang="fr-FR" dirty="0"/>
+          </a:p>
+        </p:txBody>
+      </p:sp>
+    </p:spTree>
+    <p:extLst>
+      <p:ext uri="{BB962C8B-B14F-4D97-AF65-F5344CB8AC3E}">
+        <p14:creationId xmlns:p14="http://schemas.microsoft.com/office/powerpoint/2010/main" val="2874644530"/>
+      </p:ext>
+    </p:extLst>
+  </p:cSld>
+  <p:clrMapOvr>
+    <a:masterClrMapping/>
+  </p:clrMapOvr>
+  <p:timing>
+    <p:tnLst>
+      <p:par>
+        <p:cTn id="1" dur="indefinite" restart="never" nodeType="tmRoot"/>
+      </p:par>
+    </p:tnLst>
+  </p:timing>
+</p:sld>
+</file>
+
+<file path=ppt/slides/slide22.xml><?xml version="1.0" encoding="utf-8"?>
+<p:sld xmlns:a="http://schemas.openxmlformats.org/drawingml/2006/main" xmlns:r="http://schemas.openxmlformats.org/officeDocument/2006/relationships" xmlns:p="http://schemas.openxmlformats.org/presentationml/2006/main">
+  <p:cSld>
+    <p:spTree>
+      <p:nvGrpSpPr>
+        <p:cNvPr id="1" name=""/>
+        <p:cNvGrpSpPr/>
+        <p:nvPr/>
+      </p:nvGrpSpPr>
+      <p:grpSpPr>
+        <a:xfrm>
+          <a:off x="0" y="0"/>
+          <a:ext cx="0" cy="0"/>
+          <a:chOff x="0" y="0"/>
+          <a:chExt cx="0" cy="0"/>
+        </a:xfrm>
+      </p:grpSpPr>
+      <p:sp>
+        <p:nvSpPr>
+          <p:cNvPr id="6" name="Rectangle 5"/>
+          <p:cNvSpPr/>
+          <p:nvPr/>
+        </p:nvSpPr>
+        <p:spPr>
+          <a:xfrm>
+            <a:off x="0" y="0"/>
+            <a:ext cx="9144000" cy="6858000"/>
+          </a:xfrm>
+          <a:prstGeom prst="rect">
+            <a:avLst/>
+          </a:prstGeom>
+          <a:solidFill>
+            <a:srgbClr val="FFC000">
+              <a:alpha val="0"/>
+            </a:srgbClr>
+          </a:solidFill>
+          <a:ln w="101600">
+            <a:solidFill>
+              <a:schemeClr val="tx1"/>
+            </a:solidFill>
+          </a:ln>
+        </p:spPr>
+        <p:style>
+          <a:lnRef idx="2">
+            <a:schemeClr val="accent1">
+              <a:shade val="50000"/>
+            </a:schemeClr>
+          </a:lnRef>
+          <a:fillRef idx="1">
+            <a:schemeClr val="accent1"/>
+          </a:fillRef>
+          <a:effectRef idx="0">
+            <a:schemeClr val="accent1"/>
+          </a:effectRef>
+          <a:fontRef idx="minor">
+            <a:schemeClr val="lt1"/>
+          </a:fontRef>
+        </p:style>
+        <p:txBody>
+          <a:bodyPr rtlCol="0" anchor="ctr"/>
+          <a:lstStyle/>
+          <a:p>
+            <a:pPr algn="ctr"/>
+            <a:endParaRPr lang="fr-FR">
+              <a:solidFill>
+                <a:srgbClr val="FFC000"/>
+              </a:solidFill>
+            </a:endParaRPr>
+          </a:p>
+        </p:txBody>
+      </p:sp>
+      <p:sp>
+        <p:nvSpPr>
+          <p:cNvPr id="2" name="Titre 1"/>
+          <p:cNvSpPr>
+            <a:spLocks noGrp="1"/>
+          </p:cNvSpPr>
+          <p:nvPr>
+            <p:ph type="ctrTitle"/>
+          </p:nvPr>
+        </p:nvSpPr>
+        <p:spPr>
+          <a:xfrm>
+            <a:off x="323528" y="332656"/>
+            <a:ext cx="2304256" cy="936104"/>
+          </a:xfrm>
+        </p:spPr>
+        <p:txBody>
+          <a:bodyPr>
+            <a:noAutofit/>
+          </a:bodyPr>
+          <a:lstStyle/>
+          <a:p>
+            <a:r>
+              <a:rPr lang="fr-FR" sz="7200" dirty="0" smtClean="0"/>
+              <a:t>-</a:t>
+            </a:r>
+            <a:endParaRPr lang="fr-FR" sz="7200" dirty="0"/>
+          </a:p>
+        </p:txBody>
+      </p:sp>
+      <p:sp>
+        <p:nvSpPr>
+          <p:cNvPr id="3" name="Sous-titre 2"/>
+          <p:cNvSpPr>
+            <a:spLocks noGrp="1"/>
+          </p:cNvSpPr>
+          <p:nvPr>
+            <p:ph type="subTitle" idx="1"/>
+          </p:nvPr>
+        </p:nvSpPr>
+        <p:spPr>
+          <a:xfrm>
+            <a:off x="1907704" y="2744924"/>
+            <a:ext cx="4856584" cy="1368152"/>
+          </a:xfrm>
+        </p:spPr>
+        <p:txBody>
+          <a:bodyPr>
+            <a:normAutofit fontScale="62500" lnSpcReduction="20000"/>
+          </a:bodyPr>
+          <a:lstStyle/>
+          <a:p>
+            <a:r>
+              <a:rPr lang="fr-FR" sz="8000" dirty="0" err="1">
+                <a:solidFill>
+                  <a:schemeClr val="tx1"/>
+                </a:solidFill>
+              </a:rPr>
+              <a:t>Phagnalon</a:t>
+            </a:r>
+            <a:r>
+              <a:rPr lang="fr-FR" sz="8000" dirty="0">
+                <a:solidFill>
+                  <a:schemeClr val="tx1"/>
+                </a:solidFill>
+              </a:rPr>
+              <a:t> des rochers</a:t>
+            </a:r>
+          </a:p>
+        </p:txBody>
+      </p:sp>
+      <p:sp>
+        <p:nvSpPr>
+          <p:cNvPr id="4" name="Titre 1"/>
+          <p:cNvSpPr txBox="1">
+            <a:spLocks/>
+          </p:cNvSpPr>
+          <p:nvPr/>
+        </p:nvSpPr>
+        <p:spPr>
+          <a:xfrm>
+            <a:off x="7452320" y="260648"/>
+            <a:ext cx="1368152" cy="648072"/>
+          </a:xfrm>
+          <a:prstGeom prst="rect">
+            <a:avLst/>
+          </a:prstGeom>
+        </p:spPr>
+        <p:txBody>
+          <a:bodyPr vert="horz" lIns="91440" tIns="45720" rIns="91440" bIns="45720" rtlCol="0" anchor="ctr">
+            <a:noAutofit/>
+          </a:bodyPr>
+          <a:lstStyle>
+            <a:lvl1pPr algn="ctr">
+              <a:spcBef>
+                <a:spcPct val="0"/>
+              </a:spcBef>
+              <a:buNone/>
+              <a:defRPr sz="7200">
+                <a:latin typeface="+mj-lt"/>
+                <a:ea typeface="+mj-ea"/>
+                <a:cs typeface="+mj-cs"/>
+              </a:defRPr>
+            </a:lvl1pPr>
+          </a:lstStyle>
+          <a:p>
+            <a:endParaRPr lang="fr-FR" dirty="0"/>
+          </a:p>
+        </p:txBody>
+      </p:sp>
+      <p:sp>
+        <p:nvSpPr>
+          <p:cNvPr id="5" name="Titre 1"/>
+          <p:cNvSpPr txBox="1">
+            <a:spLocks/>
+          </p:cNvSpPr>
+          <p:nvPr/>
+        </p:nvSpPr>
+        <p:spPr>
+          <a:xfrm>
+            <a:off x="467544" y="5472288"/>
+            <a:ext cx="3888432" cy="648072"/>
+          </a:xfrm>
+          <a:prstGeom prst="rect">
+            <a:avLst/>
+          </a:prstGeom>
+        </p:spPr>
+        <p:txBody>
+          <a:bodyPr vert="horz" lIns="91440" tIns="45720" rIns="91440" bIns="45720" rtlCol="0" anchor="ctr">
+            <a:noAutofit/>
+          </a:bodyPr>
+          <a:lstStyle>
+            <a:defPPr>
+              <a:defRPr lang="fr-FR"/>
+            </a:defPPr>
+            <a:lvl1pPr algn="ctr">
+              <a:spcBef>
+                <a:spcPct val="0"/>
+              </a:spcBef>
+              <a:buNone/>
+              <a:defRPr sz="7200">
+                <a:latin typeface="+mj-lt"/>
+                <a:ea typeface="+mj-ea"/>
+                <a:cs typeface="+mj-cs"/>
+              </a:defRPr>
+            </a:lvl1pPr>
+          </a:lstStyle>
+          <a:p>
+            <a:r>
+              <a:rPr lang="fr-FR" sz="4800" dirty="0" smtClean="0"/>
+              <a:t>Action de la carte protégée -2</a:t>
+            </a:r>
+            <a:endParaRPr lang="fr-FR" sz="4800" dirty="0"/>
+          </a:p>
+        </p:txBody>
+      </p:sp>
+      <p:sp>
+        <p:nvSpPr>
+          <p:cNvPr id="7" name="Titre 1"/>
+          <p:cNvSpPr txBox="1">
+            <a:spLocks/>
+          </p:cNvSpPr>
+          <p:nvPr/>
+        </p:nvSpPr>
+        <p:spPr>
+          <a:xfrm>
+            <a:off x="4572000" y="4725144"/>
+            <a:ext cx="4464496" cy="1800200"/>
+          </a:xfrm>
+          <a:prstGeom prst="rect">
+            <a:avLst/>
+          </a:prstGeom>
+        </p:spPr>
+        <p:txBody>
+          <a:bodyPr vert="horz" lIns="91440" tIns="45720" rIns="91440" bIns="45720" rtlCol="0" anchor="ctr">
+            <a:noAutofit/>
+          </a:bodyPr>
+          <a:lstStyle>
+            <a:defPPr>
+              <a:defRPr lang="fr-FR"/>
+            </a:defPPr>
+            <a:lvl1pPr algn="ctr">
+              <a:spcBef>
+                <a:spcPct val="0"/>
+              </a:spcBef>
+              <a:buNone/>
+              <a:defRPr sz="7200">
+                <a:latin typeface="+mj-lt"/>
+                <a:ea typeface="+mj-ea"/>
+                <a:cs typeface="+mj-cs"/>
+              </a:defRPr>
+            </a:lvl1pPr>
+          </a:lstStyle>
+          <a:p>
+            <a:r>
+              <a:rPr lang="fr-FR" sz="5400" dirty="0" smtClean="0"/>
+              <a:t>Protège du vol</a:t>
+            </a:r>
+            <a:endParaRPr lang="fr-FR" sz="5400" dirty="0"/>
+          </a:p>
+        </p:txBody>
+      </p:sp>
+      <p:sp>
+        <p:nvSpPr>
+          <p:cNvPr id="8" name="Titre 1"/>
+          <p:cNvSpPr txBox="1">
+            <a:spLocks/>
+          </p:cNvSpPr>
+          <p:nvPr/>
+        </p:nvSpPr>
+        <p:spPr>
+          <a:xfrm>
+            <a:off x="7604720" y="413048"/>
+            <a:ext cx="1368152" cy="648072"/>
+          </a:xfrm>
+          <a:prstGeom prst="rect">
+            <a:avLst/>
+          </a:prstGeom>
+        </p:spPr>
+        <p:txBody>
+          <a:bodyPr vert="horz" lIns="91440" tIns="45720" rIns="91440" bIns="45720" rtlCol="0" anchor="ctr">
+            <a:noAutofit/>
+          </a:bodyPr>
+          <a:lstStyle>
+            <a:lvl1pPr algn="ctr">
+              <a:spcBef>
+                <a:spcPct val="0"/>
+              </a:spcBef>
+              <a:buNone/>
+              <a:defRPr sz="7200">
+                <a:latin typeface="+mj-lt"/>
+                <a:ea typeface="+mj-ea"/>
+                <a:cs typeface="+mj-cs"/>
+              </a:defRPr>
+            </a:lvl1pPr>
+          </a:lstStyle>
+          <a:p>
+            <a:r>
+              <a:rPr lang="fr-FR" dirty="0" smtClean="0"/>
+              <a:t>-</a:t>
+            </a:r>
+            <a:endParaRPr lang="fr-FR" dirty="0"/>
+          </a:p>
+        </p:txBody>
+      </p:sp>
+    </p:spTree>
+    <p:extLst>
+      <p:ext uri="{BB962C8B-B14F-4D97-AF65-F5344CB8AC3E}">
+        <p14:creationId xmlns:p14="http://schemas.microsoft.com/office/powerpoint/2010/main" val="3712932756"/>
+      </p:ext>
+    </p:extLst>
+  </p:cSld>
+  <p:clrMapOvr>
+    <a:masterClrMapping/>
+  </p:clrMapOvr>
+  <p:timing>
+    <p:tnLst>
+      <p:par>
+        <p:cTn id="1" dur="indefinite" restart="never" nodeType="tmRoot"/>
+      </p:par>
+    </p:tnLst>
+  </p:timing>
+</p:sld>
+</file>
+
+<file path=ppt/slides/slide23.xml><?xml version="1.0" encoding="utf-8"?>
+<p:sld xmlns:a="http://schemas.openxmlformats.org/drawingml/2006/main" xmlns:r="http://schemas.openxmlformats.org/officeDocument/2006/relationships" xmlns:p="http://schemas.openxmlformats.org/presentationml/2006/main">
+  <p:cSld>
+    <p:spTree>
+      <p:nvGrpSpPr>
+        <p:cNvPr id="1" name=""/>
+        <p:cNvGrpSpPr/>
+        <p:nvPr/>
+      </p:nvGrpSpPr>
+      <p:grpSpPr>
+        <a:xfrm>
+          <a:off x="0" y="0"/>
+          <a:ext cx="0" cy="0"/>
+          <a:chOff x="0" y="0"/>
+          <a:chExt cx="0" cy="0"/>
+        </a:xfrm>
+      </p:grpSpPr>
+      <p:sp>
+        <p:nvSpPr>
+          <p:cNvPr id="6" name="Rectangle 5"/>
+          <p:cNvSpPr/>
+          <p:nvPr/>
+        </p:nvSpPr>
+        <p:spPr>
+          <a:xfrm>
+            <a:off x="0" y="0"/>
+            <a:ext cx="9144000" cy="6858000"/>
+          </a:xfrm>
+          <a:prstGeom prst="rect">
+            <a:avLst/>
+          </a:prstGeom>
+          <a:solidFill>
+            <a:srgbClr val="FFC000">
+              <a:alpha val="0"/>
+            </a:srgbClr>
+          </a:solidFill>
+          <a:ln w="101600">
+            <a:solidFill>
+              <a:schemeClr val="tx1"/>
+            </a:solidFill>
+          </a:ln>
+        </p:spPr>
+        <p:style>
+          <a:lnRef idx="2">
+            <a:schemeClr val="accent1">
+              <a:shade val="50000"/>
+            </a:schemeClr>
+          </a:lnRef>
+          <a:fillRef idx="1">
+            <a:schemeClr val="accent1"/>
+          </a:fillRef>
+          <a:effectRef idx="0">
+            <a:schemeClr val="accent1"/>
+          </a:effectRef>
+          <a:fontRef idx="minor">
+            <a:schemeClr val="lt1"/>
+          </a:fontRef>
+        </p:style>
+        <p:txBody>
+          <a:bodyPr rtlCol="0" anchor="ctr"/>
+          <a:lstStyle/>
+          <a:p>
+            <a:pPr algn="ctr"/>
+            <a:endParaRPr lang="fr-FR">
+              <a:solidFill>
+                <a:srgbClr val="FFC000"/>
+              </a:solidFill>
+            </a:endParaRPr>
+          </a:p>
+        </p:txBody>
+      </p:sp>
+      <p:sp>
+        <p:nvSpPr>
+          <p:cNvPr id="2" name="Titre 1"/>
+          <p:cNvSpPr>
+            <a:spLocks noGrp="1"/>
+          </p:cNvSpPr>
+          <p:nvPr>
+            <p:ph type="ctrTitle"/>
+          </p:nvPr>
+        </p:nvSpPr>
+        <p:spPr>
+          <a:xfrm>
+            <a:off x="323528" y="332656"/>
+            <a:ext cx="2304256" cy="936104"/>
+          </a:xfrm>
+        </p:spPr>
+        <p:txBody>
+          <a:bodyPr>
+            <a:noAutofit/>
+          </a:bodyPr>
+          <a:lstStyle/>
+          <a:p>
+            <a:r>
+              <a:rPr lang="fr-FR" sz="7200" dirty="0" smtClean="0"/>
+              <a:t>-</a:t>
+            </a:r>
+            <a:endParaRPr lang="fr-FR" sz="7200" dirty="0"/>
+          </a:p>
+        </p:txBody>
+      </p:sp>
+      <p:sp>
+        <p:nvSpPr>
+          <p:cNvPr id="3" name="Sous-titre 2"/>
+          <p:cNvSpPr>
+            <a:spLocks noGrp="1"/>
+          </p:cNvSpPr>
+          <p:nvPr>
+            <p:ph type="subTitle" idx="1"/>
+          </p:nvPr>
+        </p:nvSpPr>
+        <p:spPr>
+          <a:xfrm>
+            <a:off x="1907704" y="2744924"/>
+            <a:ext cx="4856584" cy="1368152"/>
+          </a:xfrm>
+        </p:spPr>
+        <p:txBody>
+          <a:bodyPr>
+            <a:normAutofit/>
+          </a:bodyPr>
+          <a:lstStyle/>
+          <a:p>
+            <a:r>
+              <a:rPr lang="fr-FR" sz="8000" dirty="0">
+                <a:solidFill>
+                  <a:schemeClr val="tx1"/>
+                </a:solidFill>
+              </a:rPr>
+              <a:t>Nerprun</a:t>
+            </a:r>
+          </a:p>
+        </p:txBody>
+      </p:sp>
+      <p:sp>
+        <p:nvSpPr>
+          <p:cNvPr id="4" name="Titre 1"/>
+          <p:cNvSpPr txBox="1">
+            <a:spLocks/>
+          </p:cNvSpPr>
+          <p:nvPr/>
+        </p:nvSpPr>
+        <p:spPr>
+          <a:xfrm>
+            <a:off x="7452320" y="260648"/>
+            <a:ext cx="1368152" cy="648072"/>
+          </a:xfrm>
+          <a:prstGeom prst="rect">
+            <a:avLst/>
+          </a:prstGeom>
+        </p:spPr>
+        <p:txBody>
+          <a:bodyPr vert="horz" lIns="91440" tIns="45720" rIns="91440" bIns="45720" rtlCol="0" anchor="ctr">
+            <a:noAutofit/>
+          </a:bodyPr>
+          <a:lstStyle>
+            <a:lvl1pPr algn="ctr">
+              <a:spcBef>
+                <a:spcPct val="0"/>
+              </a:spcBef>
+              <a:buNone/>
+              <a:defRPr sz="7200">
+                <a:latin typeface="+mj-lt"/>
+                <a:ea typeface="+mj-ea"/>
+                <a:cs typeface="+mj-cs"/>
+              </a:defRPr>
+            </a:lvl1pPr>
+          </a:lstStyle>
+          <a:p>
+            <a:endParaRPr lang="fr-FR" dirty="0"/>
+          </a:p>
+        </p:txBody>
+      </p:sp>
+      <p:sp>
+        <p:nvSpPr>
+          <p:cNvPr id="5" name="Titre 1"/>
+          <p:cNvSpPr txBox="1">
+            <a:spLocks/>
+          </p:cNvSpPr>
+          <p:nvPr/>
+        </p:nvSpPr>
+        <p:spPr>
+          <a:xfrm>
+            <a:off x="467544" y="5472288"/>
+            <a:ext cx="3096344" cy="648072"/>
+          </a:xfrm>
+          <a:prstGeom prst="rect">
+            <a:avLst/>
+          </a:prstGeom>
+        </p:spPr>
+        <p:txBody>
+          <a:bodyPr vert="horz" lIns="91440" tIns="45720" rIns="91440" bIns="45720" rtlCol="0" anchor="ctr">
+            <a:noAutofit/>
+          </a:bodyPr>
+          <a:lstStyle>
+            <a:defPPr>
+              <a:defRPr lang="fr-FR"/>
+            </a:defPPr>
+            <a:lvl1pPr algn="ctr">
+              <a:spcBef>
+                <a:spcPct val="0"/>
+              </a:spcBef>
+              <a:buNone/>
+              <a:defRPr sz="7200">
+                <a:latin typeface="+mj-lt"/>
+                <a:ea typeface="+mj-ea"/>
+                <a:cs typeface="+mj-cs"/>
+              </a:defRPr>
+            </a:lvl1pPr>
+          </a:lstStyle>
+          <a:p>
+            <a:r>
+              <a:rPr lang="fr-FR" sz="4800" dirty="0" smtClean="0"/>
+              <a:t>9 Actions</a:t>
+            </a:r>
+            <a:endParaRPr lang="fr-FR" sz="4800" dirty="0"/>
+          </a:p>
+        </p:txBody>
+      </p:sp>
+      <p:sp>
+        <p:nvSpPr>
+          <p:cNvPr id="7" name="Titre 1"/>
+          <p:cNvSpPr txBox="1">
+            <a:spLocks/>
+          </p:cNvSpPr>
+          <p:nvPr/>
+        </p:nvSpPr>
+        <p:spPr>
+          <a:xfrm>
+            <a:off x="4572000" y="4725144"/>
+            <a:ext cx="4464496" cy="1800200"/>
+          </a:xfrm>
+          <a:prstGeom prst="rect">
+            <a:avLst/>
+          </a:prstGeom>
+        </p:spPr>
+        <p:txBody>
+          <a:bodyPr vert="horz" lIns="91440" tIns="45720" rIns="91440" bIns="45720" rtlCol="0" anchor="ctr">
+            <a:noAutofit/>
+          </a:bodyPr>
+          <a:lstStyle>
+            <a:defPPr>
+              <a:defRPr lang="fr-FR"/>
+            </a:defPPr>
+            <a:lvl1pPr algn="ctr">
+              <a:spcBef>
+                <a:spcPct val="0"/>
+              </a:spcBef>
+              <a:buNone/>
+              <a:defRPr sz="7200">
+                <a:latin typeface="+mj-lt"/>
+                <a:ea typeface="+mj-ea"/>
+                <a:cs typeface="+mj-cs"/>
+              </a:defRPr>
+            </a:lvl1pPr>
+          </a:lstStyle>
+          <a:p>
+            <a:r>
+              <a:rPr lang="fr-FR" sz="4400" dirty="0" smtClean="0"/>
+              <a:t>Piocher une carte par At subie</a:t>
+            </a:r>
+            <a:endParaRPr lang="fr-FR" sz="4400" dirty="0"/>
+          </a:p>
+        </p:txBody>
+      </p:sp>
+      <p:sp>
+        <p:nvSpPr>
+          <p:cNvPr id="8" name="Titre 1"/>
+          <p:cNvSpPr txBox="1">
+            <a:spLocks/>
+          </p:cNvSpPr>
+          <p:nvPr/>
+        </p:nvSpPr>
+        <p:spPr>
+          <a:xfrm>
+            <a:off x="7604720" y="413048"/>
+            <a:ext cx="1368152" cy="648072"/>
+          </a:xfrm>
+          <a:prstGeom prst="rect">
+            <a:avLst/>
+          </a:prstGeom>
+        </p:spPr>
+        <p:txBody>
+          <a:bodyPr vert="horz" lIns="91440" tIns="45720" rIns="91440" bIns="45720" rtlCol="0" anchor="ctr">
+            <a:noAutofit/>
+          </a:bodyPr>
+          <a:lstStyle>
+            <a:lvl1pPr algn="ctr">
+              <a:spcBef>
+                <a:spcPct val="0"/>
+              </a:spcBef>
+              <a:buNone/>
+              <a:defRPr sz="7200">
+                <a:latin typeface="+mj-lt"/>
+                <a:ea typeface="+mj-ea"/>
+                <a:cs typeface="+mj-cs"/>
+              </a:defRPr>
+            </a:lvl1pPr>
+          </a:lstStyle>
+          <a:p>
+            <a:r>
+              <a:rPr lang="fr-FR" dirty="0" smtClean="0"/>
+              <a:t>-</a:t>
+            </a:r>
+            <a:endParaRPr lang="fr-FR" dirty="0"/>
+          </a:p>
+        </p:txBody>
+      </p:sp>
+    </p:spTree>
+    <p:extLst>
+      <p:ext uri="{BB962C8B-B14F-4D97-AF65-F5344CB8AC3E}">
+        <p14:creationId xmlns:p14="http://schemas.microsoft.com/office/powerpoint/2010/main" val="2002626027"/>
+      </p:ext>
+    </p:extLst>
+  </p:cSld>
+  <p:clrMapOvr>
+    <a:masterClrMapping/>
+  </p:clrMapOvr>
+  <p:timing>
+    <p:tnLst>
+      <p:par>
+        <p:cTn id="1" dur="indefinite" restart="never" nodeType="tmRoot"/>
+      </p:par>
+    </p:tnLst>
+  </p:timing>
+</p:sld>
+</file>
+
+<file path=ppt/slides/slide24.xml><?xml version="1.0" encoding="utf-8"?>
+<p:sld xmlns:a="http://schemas.openxmlformats.org/drawingml/2006/main" xmlns:r="http://schemas.openxmlformats.org/officeDocument/2006/relationships" xmlns:p="http://schemas.openxmlformats.org/presentationml/2006/main">
+  <p:cSld>
+    <p:spTree>
+      <p:nvGrpSpPr>
+        <p:cNvPr id="1" name=""/>
+        <p:cNvGrpSpPr/>
+        <p:nvPr/>
+      </p:nvGrpSpPr>
+      <p:grpSpPr>
+        <a:xfrm>
+          <a:off x="0" y="0"/>
+          <a:ext cx="0" cy="0"/>
+          <a:chOff x="0" y="0"/>
+          <a:chExt cx="0" cy="0"/>
+        </a:xfrm>
+      </p:grpSpPr>
+      <p:sp>
+        <p:nvSpPr>
+          <p:cNvPr id="6" name="Rectangle 5"/>
+          <p:cNvSpPr/>
+          <p:nvPr/>
+        </p:nvSpPr>
+        <p:spPr>
+          <a:xfrm>
+            <a:off x="0" y="0"/>
+            <a:ext cx="9144000" cy="6858000"/>
+          </a:xfrm>
+          <a:prstGeom prst="rect">
+            <a:avLst/>
+          </a:prstGeom>
+          <a:solidFill>
+            <a:srgbClr val="FFC000">
+              <a:alpha val="0"/>
+            </a:srgbClr>
+          </a:solidFill>
+          <a:ln w="101600">
+            <a:solidFill>
+              <a:schemeClr val="tx1"/>
+            </a:solidFill>
+          </a:ln>
+        </p:spPr>
+        <p:style>
+          <a:lnRef idx="2">
+            <a:schemeClr val="accent1">
+              <a:shade val="50000"/>
+            </a:schemeClr>
+          </a:lnRef>
+          <a:fillRef idx="1">
+            <a:schemeClr val="accent1"/>
+          </a:fillRef>
+          <a:effectRef idx="0">
+            <a:schemeClr val="accent1"/>
+          </a:effectRef>
+          <a:fontRef idx="minor">
+            <a:schemeClr val="lt1"/>
+          </a:fontRef>
+        </p:style>
+        <p:txBody>
+          <a:bodyPr rtlCol="0" anchor="ctr"/>
+          <a:lstStyle/>
+          <a:p>
+            <a:pPr algn="ctr"/>
+            <a:endParaRPr lang="fr-FR">
+              <a:solidFill>
+                <a:srgbClr val="FFC000"/>
+              </a:solidFill>
+            </a:endParaRPr>
+          </a:p>
+        </p:txBody>
+      </p:sp>
+      <p:sp>
+        <p:nvSpPr>
+          <p:cNvPr id="2" name="Titre 1"/>
+          <p:cNvSpPr>
+            <a:spLocks noGrp="1"/>
+          </p:cNvSpPr>
+          <p:nvPr>
+            <p:ph type="ctrTitle"/>
+          </p:nvPr>
+        </p:nvSpPr>
+        <p:spPr>
+          <a:xfrm>
+            <a:off x="323528" y="332656"/>
+            <a:ext cx="2304256" cy="936104"/>
+          </a:xfrm>
+        </p:spPr>
+        <p:txBody>
+          <a:bodyPr>
+            <a:noAutofit/>
+          </a:bodyPr>
+          <a:lstStyle/>
+          <a:p>
+            <a:r>
+              <a:rPr lang="fr-FR" sz="7200" dirty="0" smtClean="0"/>
+              <a:t>-</a:t>
+            </a:r>
+            <a:endParaRPr lang="fr-FR" sz="7200" dirty="0"/>
+          </a:p>
+        </p:txBody>
+      </p:sp>
+      <p:sp>
+        <p:nvSpPr>
+          <p:cNvPr id="3" name="Sous-titre 2"/>
+          <p:cNvSpPr>
+            <a:spLocks noGrp="1"/>
+          </p:cNvSpPr>
+          <p:nvPr>
+            <p:ph type="subTitle" idx="1"/>
+          </p:nvPr>
+        </p:nvSpPr>
+        <p:spPr>
+          <a:xfrm>
+            <a:off x="1907704" y="2744924"/>
+            <a:ext cx="4856584" cy="1368152"/>
+          </a:xfrm>
+        </p:spPr>
+        <p:txBody>
+          <a:bodyPr>
+            <a:normAutofit/>
+          </a:bodyPr>
+          <a:lstStyle/>
+          <a:p>
+            <a:r>
+              <a:rPr lang="fr-FR" sz="8000" dirty="0">
+                <a:solidFill>
+                  <a:schemeClr val="tx1"/>
+                </a:solidFill>
+              </a:rPr>
+              <a:t>Nerprun</a:t>
+            </a:r>
+          </a:p>
+        </p:txBody>
+      </p:sp>
+      <p:sp>
+        <p:nvSpPr>
+          <p:cNvPr id="4" name="Titre 1"/>
+          <p:cNvSpPr txBox="1">
+            <a:spLocks/>
+          </p:cNvSpPr>
+          <p:nvPr/>
+        </p:nvSpPr>
+        <p:spPr>
+          <a:xfrm>
+            <a:off x="7452320" y="260648"/>
+            <a:ext cx="1368152" cy="648072"/>
+          </a:xfrm>
+          <a:prstGeom prst="rect">
+            <a:avLst/>
+          </a:prstGeom>
+        </p:spPr>
+        <p:txBody>
+          <a:bodyPr vert="horz" lIns="91440" tIns="45720" rIns="91440" bIns="45720" rtlCol="0" anchor="ctr">
+            <a:noAutofit/>
+          </a:bodyPr>
+          <a:lstStyle>
+            <a:lvl1pPr algn="ctr">
+              <a:spcBef>
+                <a:spcPct val="0"/>
+              </a:spcBef>
+              <a:buNone/>
+              <a:defRPr sz="7200">
+                <a:latin typeface="+mj-lt"/>
+                <a:ea typeface="+mj-ea"/>
+                <a:cs typeface="+mj-cs"/>
+              </a:defRPr>
+            </a:lvl1pPr>
+          </a:lstStyle>
+          <a:p>
+            <a:endParaRPr lang="fr-FR" dirty="0"/>
+          </a:p>
+        </p:txBody>
+      </p:sp>
+      <p:sp>
+        <p:nvSpPr>
+          <p:cNvPr id="5" name="Titre 1"/>
+          <p:cNvSpPr txBox="1">
+            <a:spLocks/>
+          </p:cNvSpPr>
+          <p:nvPr/>
+        </p:nvSpPr>
+        <p:spPr>
+          <a:xfrm>
+            <a:off x="467544" y="5472288"/>
+            <a:ext cx="3096344" cy="648072"/>
+          </a:xfrm>
+          <a:prstGeom prst="rect">
+            <a:avLst/>
+          </a:prstGeom>
+        </p:spPr>
+        <p:txBody>
+          <a:bodyPr vert="horz" lIns="91440" tIns="45720" rIns="91440" bIns="45720" rtlCol="0" anchor="ctr">
+            <a:noAutofit/>
+          </a:bodyPr>
+          <a:lstStyle>
+            <a:defPPr>
+              <a:defRPr lang="fr-FR"/>
+            </a:defPPr>
+            <a:lvl1pPr algn="ctr">
+              <a:spcBef>
+                <a:spcPct val="0"/>
+              </a:spcBef>
+              <a:buNone/>
+              <a:defRPr sz="7200">
+                <a:latin typeface="+mj-lt"/>
+                <a:ea typeface="+mj-ea"/>
+                <a:cs typeface="+mj-cs"/>
+              </a:defRPr>
+            </a:lvl1pPr>
+          </a:lstStyle>
+          <a:p>
+            <a:r>
+              <a:rPr lang="fr-FR" sz="4800" dirty="0" smtClean="0"/>
+              <a:t>9 Actions</a:t>
+            </a:r>
+            <a:endParaRPr lang="fr-FR" sz="4800" dirty="0"/>
+          </a:p>
+        </p:txBody>
+      </p:sp>
+      <p:sp>
+        <p:nvSpPr>
+          <p:cNvPr id="7" name="Titre 1"/>
+          <p:cNvSpPr txBox="1">
+            <a:spLocks/>
+          </p:cNvSpPr>
+          <p:nvPr/>
+        </p:nvSpPr>
+        <p:spPr>
+          <a:xfrm>
+            <a:off x="4572000" y="4725144"/>
+            <a:ext cx="4464496" cy="1800200"/>
+          </a:xfrm>
+          <a:prstGeom prst="rect">
+            <a:avLst/>
+          </a:prstGeom>
+        </p:spPr>
+        <p:txBody>
+          <a:bodyPr vert="horz" lIns="91440" tIns="45720" rIns="91440" bIns="45720" rtlCol="0" anchor="ctr">
+            <a:noAutofit/>
+          </a:bodyPr>
+          <a:lstStyle>
+            <a:defPPr>
+              <a:defRPr lang="fr-FR"/>
+            </a:defPPr>
+            <a:lvl1pPr algn="ctr">
+              <a:spcBef>
+                <a:spcPct val="0"/>
+              </a:spcBef>
+              <a:buNone/>
+              <a:defRPr sz="7200">
+                <a:latin typeface="+mj-lt"/>
+                <a:ea typeface="+mj-ea"/>
+                <a:cs typeface="+mj-cs"/>
+              </a:defRPr>
+            </a:lvl1pPr>
+          </a:lstStyle>
+          <a:p>
+            <a:r>
+              <a:rPr lang="fr-FR" sz="4400" dirty="0" smtClean="0"/>
+              <a:t>Piocher une carte par At subie</a:t>
+            </a:r>
+            <a:endParaRPr lang="fr-FR" sz="4400" dirty="0"/>
+          </a:p>
+        </p:txBody>
+      </p:sp>
+      <p:sp>
+        <p:nvSpPr>
+          <p:cNvPr id="8" name="Titre 1"/>
+          <p:cNvSpPr txBox="1">
+            <a:spLocks/>
+          </p:cNvSpPr>
+          <p:nvPr/>
+        </p:nvSpPr>
+        <p:spPr>
+          <a:xfrm>
+            <a:off x="7604720" y="413048"/>
+            <a:ext cx="1368152" cy="648072"/>
+          </a:xfrm>
+          <a:prstGeom prst="rect">
+            <a:avLst/>
+          </a:prstGeom>
+        </p:spPr>
+        <p:txBody>
+          <a:bodyPr vert="horz" lIns="91440" tIns="45720" rIns="91440" bIns="45720" rtlCol="0" anchor="ctr">
+            <a:noAutofit/>
+          </a:bodyPr>
+          <a:lstStyle>
+            <a:lvl1pPr algn="ctr">
+              <a:spcBef>
+                <a:spcPct val="0"/>
+              </a:spcBef>
+              <a:buNone/>
+              <a:defRPr sz="7200">
+                <a:latin typeface="+mj-lt"/>
+                <a:ea typeface="+mj-ea"/>
+                <a:cs typeface="+mj-cs"/>
+              </a:defRPr>
+            </a:lvl1pPr>
+          </a:lstStyle>
+          <a:p>
+            <a:r>
+              <a:rPr lang="fr-FR" dirty="0" smtClean="0"/>
+              <a:t>-</a:t>
+            </a:r>
+            <a:endParaRPr lang="fr-FR" dirty="0"/>
+          </a:p>
+        </p:txBody>
+      </p:sp>
+    </p:spTree>
+    <p:extLst>
+      <p:ext uri="{BB962C8B-B14F-4D97-AF65-F5344CB8AC3E}">
+        <p14:creationId xmlns:p14="http://schemas.microsoft.com/office/powerpoint/2010/main" val="3408708528"/>
+      </p:ext>
+    </p:extLst>
+  </p:cSld>
+  <p:clrMapOvr>
+    <a:masterClrMapping/>
+  </p:clrMapOvr>
+  <p:timing>
+    <p:tnLst>
+      <p:par>
+        <p:cTn id="1" dur="indefinite" restart="never" nodeType="tmRoot"/>
+      </p:par>
+    </p:tnLst>
+  </p:timing>
+</p:sld>
+</file>
+
+<file path=ppt/slides/slide25.xml><?xml version="1.0" encoding="utf-8"?>
+<p:sld xmlns:a="http://schemas.openxmlformats.org/drawingml/2006/main" xmlns:r="http://schemas.openxmlformats.org/officeDocument/2006/relationships" xmlns:p="http://schemas.openxmlformats.org/presentationml/2006/main">
+  <p:cSld>
+    <p:spTree>
+      <p:nvGrpSpPr>
+        <p:cNvPr id="1" name=""/>
+        <p:cNvGrpSpPr/>
+        <p:nvPr/>
+      </p:nvGrpSpPr>
+      <p:grpSpPr>
+        <a:xfrm>
+          <a:off x="0" y="0"/>
+          <a:ext cx="0" cy="0"/>
+          <a:chOff x="0" y="0"/>
+          <a:chExt cx="0" cy="0"/>
+        </a:xfrm>
+      </p:grpSpPr>
+      <p:sp>
+        <p:nvSpPr>
+          <p:cNvPr id="6" name="Rectangle 5"/>
+          <p:cNvSpPr/>
+          <p:nvPr/>
+        </p:nvSpPr>
+        <p:spPr>
+          <a:xfrm>
+            <a:off x="0" y="0"/>
+            <a:ext cx="9144000" cy="6858000"/>
+          </a:xfrm>
+          <a:prstGeom prst="rect">
+            <a:avLst/>
+          </a:prstGeom>
+          <a:solidFill>
+            <a:srgbClr val="FFC000">
+              <a:alpha val="0"/>
+            </a:srgbClr>
+          </a:solidFill>
+          <a:ln w="101600">
+            <a:solidFill>
+              <a:schemeClr val="tx1"/>
+            </a:solidFill>
+          </a:ln>
+        </p:spPr>
+        <p:style>
+          <a:lnRef idx="2">
+            <a:schemeClr val="accent1">
+              <a:shade val="50000"/>
+            </a:schemeClr>
+          </a:lnRef>
+          <a:fillRef idx="1">
+            <a:schemeClr val="accent1"/>
+          </a:fillRef>
+          <a:effectRef idx="0">
+            <a:schemeClr val="accent1"/>
+          </a:effectRef>
+          <a:fontRef idx="minor">
+            <a:schemeClr val="lt1"/>
+          </a:fontRef>
+        </p:style>
+        <p:txBody>
+          <a:bodyPr rtlCol="0" anchor="ctr"/>
+          <a:lstStyle/>
+          <a:p>
+            <a:pPr algn="ctr"/>
+            <a:endParaRPr lang="fr-FR">
+              <a:solidFill>
+                <a:srgbClr val="FFC000"/>
+              </a:solidFill>
+            </a:endParaRPr>
+          </a:p>
+        </p:txBody>
+      </p:sp>
+      <p:sp>
+        <p:nvSpPr>
+          <p:cNvPr id="2" name="Titre 1"/>
+          <p:cNvSpPr>
+            <a:spLocks noGrp="1"/>
+          </p:cNvSpPr>
+          <p:nvPr>
+            <p:ph type="ctrTitle"/>
+          </p:nvPr>
+        </p:nvSpPr>
+        <p:spPr>
+          <a:xfrm>
+            <a:off x="323528" y="332656"/>
+            <a:ext cx="2304256" cy="936104"/>
+          </a:xfrm>
+        </p:spPr>
+        <p:txBody>
+          <a:bodyPr>
+            <a:noAutofit/>
+          </a:bodyPr>
+          <a:lstStyle/>
+          <a:p>
+            <a:r>
+              <a:rPr lang="fr-FR" sz="7200" dirty="0" smtClean="0"/>
+              <a:t>-</a:t>
+            </a:r>
+            <a:endParaRPr lang="fr-FR" sz="7200" dirty="0"/>
+          </a:p>
+        </p:txBody>
+      </p:sp>
+      <p:sp>
+        <p:nvSpPr>
+          <p:cNvPr id="3" name="Sous-titre 2"/>
+          <p:cNvSpPr>
+            <a:spLocks noGrp="1"/>
+          </p:cNvSpPr>
+          <p:nvPr>
+            <p:ph type="subTitle" idx="1"/>
+          </p:nvPr>
+        </p:nvSpPr>
+        <p:spPr>
+          <a:xfrm>
+            <a:off x="1907704" y="2744924"/>
+            <a:ext cx="4856584" cy="1368152"/>
+          </a:xfrm>
+        </p:spPr>
+        <p:txBody>
+          <a:bodyPr vert="horz" lIns="91440" tIns="45720" rIns="91440" bIns="45720" rtlCol="0" anchor="ctr">
+            <a:noAutofit/>
+          </a:bodyPr>
+          <a:lstStyle/>
+          <a:p>
+            <a:pPr>
+              <a:spcBef>
+                <a:spcPct val="0"/>
+              </a:spcBef>
+            </a:pPr>
+            <a:r>
+              <a:rPr lang="fr-FR" sz="8800" dirty="0">
+                <a:solidFill>
+                  <a:schemeClr val="tx1"/>
+                </a:solidFill>
+                <a:latin typeface="+mj-lt"/>
+                <a:ea typeface="+mj-ea"/>
+                <a:cs typeface="+mj-cs"/>
+              </a:rPr>
+              <a:t>Mégère</a:t>
+            </a:r>
+          </a:p>
+        </p:txBody>
+      </p:sp>
+      <p:sp>
+        <p:nvSpPr>
+          <p:cNvPr id="4" name="Titre 1"/>
+          <p:cNvSpPr txBox="1">
+            <a:spLocks/>
+          </p:cNvSpPr>
+          <p:nvPr/>
+        </p:nvSpPr>
+        <p:spPr>
+          <a:xfrm>
+            <a:off x="7452320" y="260648"/>
+            <a:ext cx="1368152" cy="648072"/>
+          </a:xfrm>
+          <a:prstGeom prst="rect">
+            <a:avLst/>
+          </a:prstGeom>
+        </p:spPr>
+        <p:txBody>
+          <a:bodyPr vert="horz" lIns="91440" tIns="45720" rIns="91440" bIns="45720" rtlCol="0" anchor="ctr">
+            <a:noAutofit/>
+          </a:bodyPr>
+          <a:lstStyle>
+            <a:lvl1pPr algn="ctr">
+              <a:spcBef>
+                <a:spcPct val="0"/>
+              </a:spcBef>
+              <a:buNone/>
+              <a:defRPr sz="7200">
+                <a:latin typeface="+mj-lt"/>
+                <a:ea typeface="+mj-ea"/>
+                <a:cs typeface="+mj-cs"/>
+              </a:defRPr>
+            </a:lvl1pPr>
+          </a:lstStyle>
+          <a:p>
+            <a:endParaRPr lang="fr-FR" dirty="0"/>
+          </a:p>
+        </p:txBody>
+      </p:sp>
+      <p:sp>
+        <p:nvSpPr>
+          <p:cNvPr id="5" name="Titre 1"/>
+          <p:cNvSpPr txBox="1">
+            <a:spLocks/>
+          </p:cNvSpPr>
+          <p:nvPr/>
+        </p:nvSpPr>
+        <p:spPr>
+          <a:xfrm>
+            <a:off x="467544" y="5472288"/>
+            <a:ext cx="2592288" cy="648072"/>
+          </a:xfrm>
+          <a:prstGeom prst="rect">
+            <a:avLst/>
+          </a:prstGeom>
+        </p:spPr>
+        <p:txBody>
+          <a:bodyPr vert="horz" lIns="91440" tIns="45720" rIns="91440" bIns="45720" rtlCol="0" anchor="ctr">
+            <a:noAutofit/>
+          </a:bodyPr>
+          <a:lstStyle>
+            <a:defPPr>
+              <a:defRPr lang="fr-FR"/>
+            </a:defPPr>
+            <a:lvl1pPr algn="ctr">
+              <a:spcBef>
+                <a:spcPct val="0"/>
+              </a:spcBef>
+              <a:buNone/>
+              <a:defRPr sz="7200">
+                <a:latin typeface="+mj-lt"/>
+                <a:ea typeface="+mj-ea"/>
+                <a:cs typeface="+mj-cs"/>
+              </a:defRPr>
+            </a:lvl1pPr>
+          </a:lstStyle>
+          <a:p>
+            <a:r>
+              <a:rPr lang="fr-FR" sz="4800" dirty="0" smtClean="0"/>
+              <a:t>5 Actions</a:t>
+            </a:r>
+            <a:endParaRPr lang="fr-FR" sz="4800" dirty="0"/>
+          </a:p>
+        </p:txBody>
+      </p:sp>
+      <p:sp>
+        <p:nvSpPr>
+          <p:cNvPr id="7" name="Titre 1"/>
+          <p:cNvSpPr txBox="1">
+            <a:spLocks/>
+          </p:cNvSpPr>
+          <p:nvPr/>
+        </p:nvSpPr>
+        <p:spPr>
+          <a:xfrm>
+            <a:off x="5139680" y="5229200"/>
+            <a:ext cx="3680792" cy="1341088"/>
+          </a:xfrm>
+          <a:prstGeom prst="rect">
+            <a:avLst/>
+          </a:prstGeom>
+        </p:spPr>
+        <p:txBody>
+          <a:bodyPr vert="horz" lIns="91440" tIns="45720" rIns="91440" bIns="45720" rtlCol="0" anchor="ctr">
+            <a:noAutofit/>
+          </a:bodyPr>
+          <a:lstStyle>
+            <a:defPPr>
+              <a:defRPr lang="fr-FR"/>
+            </a:defPPr>
+            <a:lvl1pPr algn="ctr">
+              <a:spcBef>
+                <a:spcPct val="0"/>
+              </a:spcBef>
+              <a:buNone/>
+              <a:defRPr sz="7200">
+                <a:latin typeface="+mj-lt"/>
+                <a:ea typeface="+mj-ea"/>
+                <a:cs typeface="+mj-cs"/>
+              </a:defRPr>
+            </a:lvl1pPr>
+          </a:lstStyle>
+          <a:p>
+            <a:r>
+              <a:rPr lang="fr-FR" sz="4400" dirty="0" smtClean="0"/>
+              <a:t>-1 Action</a:t>
+            </a:r>
+            <a:endParaRPr lang="fr-FR" sz="4400" dirty="0"/>
+          </a:p>
+        </p:txBody>
+      </p:sp>
+      <p:sp>
+        <p:nvSpPr>
+          <p:cNvPr id="8" name="Titre 1"/>
+          <p:cNvSpPr txBox="1">
+            <a:spLocks/>
+          </p:cNvSpPr>
+          <p:nvPr/>
+        </p:nvSpPr>
+        <p:spPr>
+          <a:xfrm>
+            <a:off x="7604720" y="413048"/>
+            <a:ext cx="1368152" cy="648072"/>
+          </a:xfrm>
+          <a:prstGeom prst="rect">
+            <a:avLst/>
+          </a:prstGeom>
+        </p:spPr>
+        <p:txBody>
+          <a:bodyPr vert="horz" lIns="91440" tIns="45720" rIns="91440" bIns="45720" rtlCol="0" anchor="ctr">
+            <a:noAutofit/>
+          </a:bodyPr>
+          <a:lstStyle>
+            <a:lvl1pPr algn="ctr">
+              <a:spcBef>
+                <a:spcPct val="0"/>
+              </a:spcBef>
+              <a:buNone/>
+              <a:defRPr sz="7200">
+                <a:latin typeface="+mj-lt"/>
+                <a:ea typeface="+mj-ea"/>
+                <a:cs typeface="+mj-cs"/>
+              </a:defRPr>
+            </a:lvl1pPr>
+          </a:lstStyle>
+          <a:p>
+            <a:r>
+              <a:rPr lang="fr-FR" dirty="0" smtClean="0"/>
+              <a:t>-</a:t>
+            </a:r>
+            <a:endParaRPr lang="fr-FR" dirty="0"/>
+          </a:p>
+        </p:txBody>
+      </p:sp>
+    </p:spTree>
+    <p:extLst>
+      <p:ext uri="{BB962C8B-B14F-4D97-AF65-F5344CB8AC3E}">
+        <p14:creationId xmlns:p14="http://schemas.microsoft.com/office/powerpoint/2010/main" val="1528464223"/>
+      </p:ext>
+    </p:extLst>
+  </p:cSld>
+  <p:clrMapOvr>
+    <a:masterClrMapping/>
+  </p:clrMapOvr>
+  <p:timing>
+    <p:tnLst>
+      <p:par>
+        <p:cTn id="1" dur="indefinite" restart="never" nodeType="tmRoot"/>
+      </p:par>
+    </p:tnLst>
+  </p:timing>
+</p:sld>
+</file>
+
+<file path=ppt/slides/slide26.xml><?xml version="1.0" encoding="utf-8"?>
+<p:sld xmlns:a="http://schemas.openxmlformats.org/drawingml/2006/main" xmlns:r="http://schemas.openxmlformats.org/officeDocument/2006/relationships" xmlns:p="http://schemas.openxmlformats.org/presentationml/2006/main">
+  <p:cSld>
+    <p:spTree>
+      <p:nvGrpSpPr>
+        <p:cNvPr id="1" name=""/>
+        <p:cNvGrpSpPr/>
+        <p:nvPr/>
+      </p:nvGrpSpPr>
+      <p:grpSpPr>
+        <a:xfrm>
+          <a:off x="0" y="0"/>
+          <a:ext cx="0" cy="0"/>
+          <a:chOff x="0" y="0"/>
+          <a:chExt cx="0" cy="0"/>
+        </a:xfrm>
+      </p:grpSpPr>
+      <p:sp>
+        <p:nvSpPr>
+          <p:cNvPr id="6" name="Rectangle 5"/>
+          <p:cNvSpPr/>
+          <p:nvPr/>
+        </p:nvSpPr>
+        <p:spPr>
+          <a:xfrm>
+            <a:off x="0" y="0"/>
+            <a:ext cx="9144000" cy="6858000"/>
+          </a:xfrm>
+          <a:prstGeom prst="rect">
+            <a:avLst/>
+          </a:prstGeom>
+          <a:solidFill>
+            <a:srgbClr val="FFC000">
+              <a:alpha val="0"/>
+            </a:srgbClr>
+          </a:solidFill>
+          <a:ln w="101600">
+            <a:solidFill>
+              <a:schemeClr val="tx1"/>
+            </a:solidFill>
+          </a:ln>
+        </p:spPr>
+        <p:style>
+          <a:lnRef idx="2">
+            <a:schemeClr val="accent1">
+              <a:shade val="50000"/>
+            </a:schemeClr>
+          </a:lnRef>
+          <a:fillRef idx="1">
+            <a:schemeClr val="accent1"/>
+          </a:fillRef>
+          <a:effectRef idx="0">
+            <a:schemeClr val="accent1"/>
+          </a:effectRef>
+          <a:fontRef idx="minor">
+            <a:schemeClr val="lt1"/>
+          </a:fontRef>
+        </p:style>
+        <p:txBody>
+          <a:bodyPr rtlCol="0" anchor="ctr"/>
+          <a:lstStyle/>
+          <a:p>
+            <a:pPr algn="ctr"/>
+            <a:endParaRPr lang="fr-FR">
+              <a:solidFill>
+                <a:srgbClr val="FFC000"/>
+              </a:solidFill>
+            </a:endParaRPr>
+          </a:p>
+        </p:txBody>
+      </p:sp>
+      <p:sp>
+        <p:nvSpPr>
+          <p:cNvPr id="2" name="Titre 1"/>
+          <p:cNvSpPr>
+            <a:spLocks noGrp="1"/>
+          </p:cNvSpPr>
+          <p:nvPr>
+            <p:ph type="ctrTitle"/>
+          </p:nvPr>
+        </p:nvSpPr>
+        <p:spPr>
+          <a:xfrm>
+            <a:off x="323528" y="332656"/>
+            <a:ext cx="2304256" cy="936104"/>
+          </a:xfrm>
+        </p:spPr>
+        <p:txBody>
+          <a:bodyPr>
+            <a:noAutofit/>
+          </a:bodyPr>
+          <a:lstStyle/>
+          <a:p>
+            <a:r>
+              <a:rPr lang="fr-FR" sz="7200" dirty="0" smtClean="0"/>
+              <a:t>-</a:t>
+            </a:r>
+            <a:endParaRPr lang="fr-FR" sz="7200" dirty="0"/>
+          </a:p>
+        </p:txBody>
+      </p:sp>
+      <p:sp>
+        <p:nvSpPr>
+          <p:cNvPr id="3" name="Sous-titre 2"/>
+          <p:cNvSpPr>
+            <a:spLocks noGrp="1"/>
+          </p:cNvSpPr>
+          <p:nvPr>
+            <p:ph type="subTitle" idx="1"/>
+          </p:nvPr>
+        </p:nvSpPr>
+        <p:spPr>
+          <a:xfrm>
+            <a:off x="1907704" y="2744924"/>
+            <a:ext cx="4856584" cy="1368152"/>
+          </a:xfrm>
+        </p:spPr>
+        <p:txBody>
+          <a:bodyPr vert="horz" lIns="91440" tIns="45720" rIns="91440" bIns="45720" rtlCol="0" anchor="ctr">
+            <a:noAutofit/>
+          </a:bodyPr>
+          <a:lstStyle/>
+          <a:p>
+            <a:pPr>
+              <a:spcBef>
+                <a:spcPct val="0"/>
+              </a:spcBef>
+            </a:pPr>
+            <a:r>
+              <a:rPr lang="fr-FR" sz="8800" dirty="0">
+                <a:solidFill>
+                  <a:schemeClr val="tx1"/>
+                </a:solidFill>
+                <a:latin typeface="+mj-lt"/>
+                <a:ea typeface="+mj-ea"/>
+                <a:cs typeface="+mj-cs"/>
+              </a:rPr>
+              <a:t>Mégère</a:t>
+            </a:r>
+          </a:p>
+        </p:txBody>
+      </p:sp>
+      <p:sp>
+        <p:nvSpPr>
+          <p:cNvPr id="4" name="Titre 1"/>
+          <p:cNvSpPr txBox="1">
+            <a:spLocks/>
+          </p:cNvSpPr>
+          <p:nvPr/>
+        </p:nvSpPr>
+        <p:spPr>
+          <a:xfrm>
+            <a:off x="7452320" y="260648"/>
+            <a:ext cx="1368152" cy="648072"/>
+          </a:xfrm>
+          <a:prstGeom prst="rect">
+            <a:avLst/>
+          </a:prstGeom>
+        </p:spPr>
+        <p:txBody>
+          <a:bodyPr vert="horz" lIns="91440" tIns="45720" rIns="91440" bIns="45720" rtlCol="0" anchor="ctr">
+            <a:noAutofit/>
+          </a:bodyPr>
+          <a:lstStyle>
+            <a:lvl1pPr algn="ctr">
+              <a:spcBef>
+                <a:spcPct val="0"/>
+              </a:spcBef>
+              <a:buNone/>
+              <a:defRPr sz="7200">
+                <a:latin typeface="+mj-lt"/>
+                <a:ea typeface="+mj-ea"/>
+                <a:cs typeface="+mj-cs"/>
+              </a:defRPr>
+            </a:lvl1pPr>
+          </a:lstStyle>
+          <a:p>
+            <a:endParaRPr lang="fr-FR" dirty="0"/>
+          </a:p>
+        </p:txBody>
+      </p:sp>
+      <p:sp>
+        <p:nvSpPr>
+          <p:cNvPr id="5" name="Titre 1"/>
+          <p:cNvSpPr txBox="1">
+            <a:spLocks/>
+          </p:cNvSpPr>
+          <p:nvPr/>
+        </p:nvSpPr>
+        <p:spPr>
+          <a:xfrm>
+            <a:off x="467544" y="5472288"/>
+            <a:ext cx="2592288" cy="648072"/>
+          </a:xfrm>
+          <a:prstGeom prst="rect">
+            <a:avLst/>
+          </a:prstGeom>
+        </p:spPr>
+        <p:txBody>
+          <a:bodyPr vert="horz" lIns="91440" tIns="45720" rIns="91440" bIns="45720" rtlCol="0" anchor="ctr">
+            <a:noAutofit/>
+          </a:bodyPr>
+          <a:lstStyle>
+            <a:defPPr>
+              <a:defRPr lang="fr-FR"/>
+            </a:defPPr>
+            <a:lvl1pPr algn="ctr">
+              <a:spcBef>
+                <a:spcPct val="0"/>
+              </a:spcBef>
+              <a:buNone/>
+              <a:defRPr sz="7200">
+                <a:latin typeface="+mj-lt"/>
+                <a:ea typeface="+mj-ea"/>
+                <a:cs typeface="+mj-cs"/>
+              </a:defRPr>
+            </a:lvl1pPr>
+          </a:lstStyle>
+          <a:p>
+            <a:r>
+              <a:rPr lang="fr-FR" sz="4800" dirty="0" smtClean="0"/>
+              <a:t>5 Actions</a:t>
+            </a:r>
+            <a:endParaRPr lang="fr-FR" sz="4800" dirty="0"/>
+          </a:p>
+        </p:txBody>
+      </p:sp>
+      <p:sp>
+        <p:nvSpPr>
+          <p:cNvPr id="7" name="Titre 1"/>
+          <p:cNvSpPr txBox="1">
+            <a:spLocks/>
+          </p:cNvSpPr>
+          <p:nvPr/>
+        </p:nvSpPr>
+        <p:spPr>
+          <a:xfrm>
+            <a:off x="5139680" y="5229200"/>
+            <a:ext cx="3680792" cy="1341088"/>
+          </a:xfrm>
+          <a:prstGeom prst="rect">
+            <a:avLst/>
+          </a:prstGeom>
+        </p:spPr>
+        <p:txBody>
+          <a:bodyPr vert="horz" lIns="91440" tIns="45720" rIns="91440" bIns="45720" rtlCol="0" anchor="ctr">
+            <a:noAutofit/>
+          </a:bodyPr>
+          <a:lstStyle>
+            <a:defPPr>
+              <a:defRPr lang="fr-FR"/>
+            </a:defPPr>
+            <a:lvl1pPr algn="ctr">
+              <a:spcBef>
+                <a:spcPct val="0"/>
+              </a:spcBef>
+              <a:buNone/>
+              <a:defRPr sz="7200">
+                <a:latin typeface="+mj-lt"/>
+                <a:ea typeface="+mj-ea"/>
+                <a:cs typeface="+mj-cs"/>
+              </a:defRPr>
+            </a:lvl1pPr>
+          </a:lstStyle>
+          <a:p>
+            <a:r>
+              <a:rPr lang="fr-FR" sz="4400" dirty="0" smtClean="0"/>
+              <a:t>-1 Action</a:t>
+            </a:r>
+            <a:endParaRPr lang="fr-FR" sz="4400" dirty="0"/>
+          </a:p>
+        </p:txBody>
+      </p:sp>
+      <p:sp>
+        <p:nvSpPr>
+          <p:cNvPr id="8" name="Titre 1"/>
+          <p:cNvSpPr txBox="1">
+            <a:spLocks/>
+          </p:cNvSpPr>
+          <p:nvPr/>
+        </p:nvSpPr>
+        <p:spPr>
+          <a:xfrm>
+            <a:off x="7604720" y="413048"/>
+            <a:ext cx="1368152" cy="648072"/>
+          </a:xfrm>
+          <a:prstGeom prst="rect">
+            <a:avLst/>
+          </a:prstGeom>
+        </p:spPr>
+        <p:txBody>
+          <a:bodyPr vert="horz" lIns="91440" tIns="45720" rIns="91440" bIns="45720" rtlCol="0" anchor="ctr">
+            <a:noAutofit/>
+          </a:bodyPr>
+          <a:lstStyle>
+            <a:lvl1pPr algn="ctr">
+              <a:spcBef>
+                <a:spcPct val="0"/>
+              </a:spcBef>
+              <a:buNone/>
+              <a:defRPr sz="7200">
+                <a:latin typeface="+mj-lt"/>
+                <a:ea typeface="+mj-ea"/>
+                <a:cs typeface="+mj-cs"/>
+              </a:defRPr>
+            </a:lvl1pPr>
+          </a:lstStyle>
+          <a:p>
+            <a:r>
+              <a:rPr lang="fr-FR" dirty="0" smtClean="0"/>
+              <a:t>-</a:t>
+            </a:r>
+            <a:endParaRPr lang="fr-FR" dirty="0"/>
+          </a:p>
+        </p:txBody>
+      </p:sp>
+    </p:spTree>
+    <p:extLst>
+      <p:ext uri="{BB962C8B-B14F-4D97-AF65-F5344CB8AC3E}">
+        <p14:creationId xmlns:p14="http://schemas.microsoft.com/office/powerpoint/2010/main" val="640322658"/>
+      </p:ext>
+    </p:extLst>
+  </p:cSld>
+  <p:clrMapOvr>
+    <a:masterClrMapping/>
+  </p:clrMapOvr>
+  <p:timing>
+    <p:tnLst>
+      <p:par>
+        <p:cTn id="1" dur="indefinite" restart="never" nodeType="tmRoot"/>
+      </p:par>
+    </p:tnLst>
+  </p:timing>
+</p:sld>
+</file>
+
+<file path=ppt/slides/slide27.xml><?xml version="1.0" encoding="utf-8"?>
+<p:sld xmlns:a="http://schemas.openxmlformats.org/drawingml/2006/main" xmlns:r="http://schemas.openxmlformats.org/officeDocument/2006/relationships" xmlns:p="http://schemas.openxmlformats.org/presentationml/2006/main">
+  <p:cSld>
+    <p:spTree>
+      <p:nvGrpSpPr>
+        <p:cNvPr id="1" name=""/>
+        <p:cNvGrpSpPr/>
+        <p:nvPr/>
+      </p:nvGrpSpPr>
+      <p:grpSpPr>
+        <a:xfrm>
+          <a:off x="0" y="0"/>
+          <a:ext cx="0" cy="0"/>
+          <a:chOff x="0" y="0"/>
+          <a:chExt cx="0" cy="0"/>
+        </a:xfrm>
+      </p:grpSpPr>
+      <p:sp>
+        <p:nvSpPr>
+          <p:cNvPr id="6" name="Rectangle 5"/>
+          <p:cNvSpPr/>
+          <p:nvPr/>
+        </p:nvSpPr>
+        <p:spPr>
+          <a:xfrm>
+            <a:off x="0" y="0"/>
+            <a:ext cx="9144000" cy="6858000"/>
+          </a:xfrm>
+          <a:prstGeom prst="rect">
+            <a:avLst/>
+          </a:prstGeom>
+          <a:solidFill>
+            <a:srgbClr val="FFC000">
+              <a:alpha val="0"/>
+            </a:srgbClr>
+          </a:solidFill>
+          <a:ln w="101600">
+            <a:solidFill>
+              <a:schemeClr val="tx1"/>
+            </a:solidFill>
+          </a:ln>
+        </p:spPr>
+        <p:style>
+          <a:lnRef idx="2">
+            <a:schemeClr val="accent1">
+              <a:shade val="50000"/>
+            </a:schemeClr>
+          </a:lnRef>
+          <a:fillRef idx="1">
+            <a:schemeClr val="accent1"/>
+          </a:fillRef>
+          <a:effectRef idx="0">
+            <a:schemeClr val="accent1"/>
+          </a:effectRef>
+          <a:fontRef idx="minor">
+            <a:schemeClr val="lt1"/>
+          </a:fontRef>
+        </p:style>
+        <p:txBody>
+          <a:bodyPr rtlCol="0" anchor="ctr"/>
+          <a:lstStyle/>
+          <a:p>
+            <a:pPr algn="ctr"/>
+            <a:endParaRPr lang="fr-FR">
+              <a:solidFill>
+                <a:srgbClr val="FFC000"/>
+              </a:solidFill>
+            </a:endParaRPr>
+          </a:p>
+        </p:txBody>
+      </p:sp>
+      <p:sp>
+        <p:nvSpPr>
+          <p:cNvPr id="2" name="Titre 1"/>
+          <p:cNvSpPr>
+            <a:spLocks noGrp="1"/>
+          </p:cNvSpPr>
+          <p:nvPr>
+            <p:ph type="ctrTitle"/>
+          </p:nvPr>
+        </p:nvSpPr>
+        <p:spPr>
+          <a:xfrm>
+            <a:off x="323528" y="332656"/>
+            <a:ext cx="2304256" cy="936104"/>
+          </a:xfrm>
+        </p:spPr>
+        <p:txBody>
+          <a:bodyPr>
+            <a:noAutofit/>
+          </a:bodyPr>
+          <a:lstStyle/>
+          <a:p>
+            <a:r>
+              <a:rPr lang="fr-FR" sz="7200" dirty="0" smtClean="0"/>
+              <a:t>-</a:t>
+            </a:r>
+            <a:endParaRPr lang="fr-FR" sz="7200" dirty="0"/>
+          </a:p>
+        </p:txBody>
+      </p:sp>
+      <p:sp>
+        <p:nvSpPr>
+          <p:cNvPr id="3" name="Sous-titre 2"/>
+          <p:cNvSpPr>
+            <a:spLocks noGrp="1"/>
+          </p:cNvSpPr>
+          <p:nvPr>
+            <p:ph type="subTitle" idx="1"/>
+          </p:nvPr>
+        </p:nvSpPr>
+        <p:spPr>
+          <a:xfrm>
+            <a:off x="1907704" y="2744924"/>
+            <a:ext cx="4856584" cy="1368152"/>
+          </a:xfrm>
+        </p:spPr>
+        <p:txBody>
+          <a:bodyPr vert="horz" lIns="91440" tIns="45720" rIns="91440" bIns="45720" rtlCol="0" anchor="ctr">
+            <a:noAutofit/>
+          </a:bodyPr>
+          <a:lstStyle/>
+          <a:p>
+            <a:pPr>
+              <a:spcBef>
+                <a:spcPct val="0"/>
+              </a:spcBef>
+            </a:pPr>
+            <a:r>
+              <a:rPr lang="fr-FR" sz="8800" dirty="0">
+                <a:solidFill>
+                  <a:schemeClr val="tx1"/>
+                </a:solidFill>
+                <a:latin typeface="+mj-lt"/>
+                <a:ea typeface="+mj-ea"/>
+                <a:cs typeface="+mj-cs"/>
+              </a:rPr>
+              <a:t>Mégère</a:t>
+            </a:r>
+          </a:p>
+        </p:txBody>
+      </p:sp>
+      <p:sp>
+        <p:nvSpPr>
+          <p:cNvPr id="4" name="Titre 1"/>
+          <p:cNvSpPr txBox="1">
+            <a:spLocks/>
+          </p:cNvSpPr>
+          <p:nvPr/>
+        </p:nvSpPr>
+        <p:spPr>
+          <a:xfrm>
+            <a:off x="7452320" y="260648"/>
+            <a:ext cx="1368152" cy="648072"/>
+          </a:xfrm>
+          <a:prstGeom prst="rect">
+            <a:avLst/>
+          </a:prstGeom>
+        </p:spPr>
+        <p:txBody>
+          <a:bodyPr vert="horz" lIns="91440" tIns="45720" rIns="91440" bIns="45720" rtlCol="0" anchor="ctr">
+            <a:noAutofit/>
+          </a:bodyPr>
+          <a:lstStyle>
+            <a:lvl1pPr algn="ctr">
+              <a:spcBef>
+                <a:spcPct val="0"/>
+              </a:spcBef>
+              <a:buNone/>
+              <a:defRPr sz="7200">
+                <a:latin typeface="+mj-lt"/>
+                <a:ea typeface="+mj-ea"/>
+                <a:cs typeface="+mj-cs"/>
+              </a:defRPr>
+            </a:lvl1pPr>
+          </a:lstStyle>
+          <a:p>
+            <a:endParaRPr lang="fr-FR" dirty="0"/>
+          </a:p>
+        </p:txBody>
+      </p:sp>
+      <p:sp>
+        <p:nvSpPr>
+          <p:cNvPr id="5" name="Titre 1"/>
+          <p:cNvSpPr txBox="1">
+            <a:spLocks/>
+          </p:cNvSpPr>
+          <p:nvPr/>
+        </p:nvSpPr>
+        <p:spPr>
+          <a:xfrm>
+            <a:off x="467544" y="5472288"/>
+            <a:ext cx="2592288" cy="648072"/>
+          </a:xfrm>
+          <a:prstGeom prst="rect">
+            <a:avLst/>
+          </a:prstGeom>
+        </p:spPr>
+        <p:txBody>
+          <a:bodyPr vert="horz" lIns="91440" tIns="45720" rIns="91440" bIns="45720" rtlCol="0" anchor="ctr">
+            <a:noAutofit/>
+          </a:bodyPr>
+          <a:lstStyle>
+            <a:defPPr>
+              <a:defRPr lang="fr-FR"/>
+            </a:defPPr>
+            <a:lvl1pPr algn="ctr">
+              <a:spcBef>
+                <a:spcPct val="0"/>
+              </a:spcBef>
+              <a:buNone/>
+              <a:defRPr sz="7200">
+                <a:latin typeface="+mj-lt"/>
+                <a:ea typeface="+mj-ea"/>
+                <a:cs typeface="+mj-cs"/>
+              </a:defRPr>
+            </a:lvl1pPr>
+          </a:lstStyle>
+          <a:p>
+            <a:r>
+              <a:rPr lang="fr-FR" sz="4800" dirty="0" smtClean="0"/>
+              <a:t>5 Actions</a:t>
+            </a:r>
+            <a:endParaRPr lang="fr-FR" sz="4800" dirty="0"/>
+          </a:p>
+        </p:txBody>
+      </p:sp>
+      <p:sp>
+        <p:nvSpPr>
+          <p:cNvPr id="7" name="Titre 1"/>
+          <p:cNvSpPr txBox="1">
+            <a:spLocks/>
+          </p:cNvSpPr>
+          <p:nvPr/>
+        </p:nvSpPr>
+        <p:spPr>
+          <a:xfrm>
+            <a:off x="5139680" y="5229200"/>
+            <a:ext cx="3680792" cy="1341088"/>
+          </a:xfrm>
+          <a:prstGeom prst="rect">
+            <a:avLst/>
+          </a:prstGeom>
+        </p:spPr>
+        <p:txBody>
+          <a:bodyPr vert="horz" lIns="91440" tIns="45720" rIns="91440" bIns="45720" rtlCol="0" anchor="ctr">
+            <a:noAutofit/>
+          </a:bodyPr>
+          <a:lstStyle>
+            <a:defPPr>
+              <a:defRPr lang="fr-FR"/>
+            </a:defPPr>
+            <a:lvl1pPr algn="ctr">
+              <a:spcBef>
+                <a:spcPct val="0"/>
+              </a:spcBef>
+              <a:buNone/>
+              <a:defRPr sz="7200">
+                <a:latin typeface="+mj-lt"/>
+                <a:ea typeface="+mj-ea"/>
+                <a:cs typeface="+mj-cs"/>
+              </a:defRPr>
+            </a:lvl1pPr>
+          </a:lstStyle>
+          <a:p>
+            <a:r>
+              <a:rPr lang="fr-FR" sz="4400" dirty="0" smtClean="0"/>
+              <a:t>-1 Action</a:t>
+            </a:r>
+            <a:endParaRPr lang="fr-FR" sz="4400" dirty="0"/>
+          </a:p>
+        </p:txBody>
+      </p:sp>
+      <p:sp>
+        <p:nvSpPr>
+          <p:cNvPr id="8" name="Titre 1"/>
+          <p:cNvSpPr txBox="1">
+            <a:spLocks/>
+          </p:cNvSpPr>
+          <p:nvPr/>
+        </p:nvSpPr>
+        <p:spPr>
+          <a:xfrm>
+            <a:off x="7604720" y="413048"/>
+            <a:ext cx="1368152" cy="648072"/>
+          </a:xfrm>
+          <a:prstGeom prst="rect">
+            <a:avLst/>
+          </a:prstGeom>
+        </p:spPr>
+        <p:txBody>
+          <a:bodyPr vert="horz" lIns="91440" tIns="45720" rIns="91440" bIns="45720" rtlCol="0" anchor="ctr">
+            <a:noAutofit/>
+          </a:bodyPr>
+          <a:lstStyle>
+            <a:lvl1pPr algn="ctr">
+              <a:spcBef>
+                <a:spcPct val="0"/>
+              </a:spcBef>
+              <a:buNone/>
+              <a:defRPr sz="7200">
+                <a:latin typeface="+mj-lt"/>
+                <a:ea typeface="+mj-ea"/>
+                <a:cs typeface="+mj-cs"/>
+              </a:defRPr>
+            </a:lvl1pPr>
+          </a:lstStyle>
+          <a:p>
+            <a:r>
+              <a:rPr lang="fr-FR" dirty="0" smtClean="0"/>
+              <a:t>-</a:t>
+            </a:r>
+            <a:endParaRPr lang="fr-FR" dirty="0"/>
+          </a:p>
+        </p:txBody>
+      </p:sp>
+    </p:spTree>
+    <p:extLst>
+      <p:ext uri="{BB962C8B-B14F-4D97-AF65-F5344CB8AC3E}">
+        <p14:creationId xmlns:p14="http://schemas.microsoft.com/office/powerpoint/2010/main" val="3709401625"/>
       </p:ext>
     </p:extLst>
   </p:cSld>
@@ -7105,7 +9999,7 @@
         </p:spPr>
         <p:txBody>
           <a:bodyPr>
-            <a:normAutofit fontScale="62500" lnSpcReduction="20000"/>
+            <a:normAutofit fontScale="77500" lnSpcReduction="20000"/>
           </a:bodyPr>
           <a:lstStyle/>
           <a:p>
@@ -7115,7 +10009,7 @@
                   <a:schemeClr val="tx1"/>
                 </a:solidFill>
               </a:rPr>
-              <a:t>Immortelle des dunes</a:t>
+              <a:t>Criste-marine</a:t>
             </a:r>
             <a:endParaRPr lang="fr-FR" sz="8000" dirty="0">
               <a:solidFill>
@@ -7175,7 +10069,7 @@
         <p:spPr>
           <a:xfrm>
             <a:off x="467544" y="5805264"/>
-            <a:ext cx="2103218" cy="648072"/>
+            <a:ext cx="3384376" cy="648072"/>
           </a:xfrm>
           <a:prstGeom prst="rect">
             <a:avLst/>
@@ -7203,18 +10097,14 @@
           </a:lstStyle>
           <a:p>
             <a:r>
-              <a:rPr lang="fr-FR" dirty="0" err="1"/>
-              <a:t>Niv</a:t>
-            </a:r>
-            <a:r>
-              <a:rPr lang="fr-FR" dirty="0"/>
-              <a:t> </a:t>
-            </a:r>
-            <a:r>
-              <a:rPr lang="fr-FR" dirty="0" smtClean="0"/>
-              <a:t>4</a:t>
-            </a:r>
-            <a:endParaRPr lang="fr-FR" dirty="0"/>
+              <a:rPr lang="fr-FR" sz="6600" dirty="0"/>
+              <a:t>3</a:t>
+            </a:r>
+            <a:r>
+              <a:rPr lang="fr-FR" sz="6600" dirty="0" smtClean="0"/>
+              <a:t> Actions</a:t>
+            </a:r>
+            <a:endParaRPr lang="fr-FR" sz="6600" dirty="0"/>
           </a:p>
         </p:txBody>
       </p:sp>
@@ -7258,7 +10148,7 @@
           <a:p>
             <a:r>
               <a:rPr lang="fr-FR" sz="5400" dirty="0" smtClean="0"/>
-              <a:t>+1 PV</a:t>
+              <a:t>Stocke 1 actions</a:t>
             </a:r>
             <a:endParaRPr lang="fr-FR" sz="5400" dirty="0"/>
           </a:p>
@@ -7310,7 +10200,7 @@
     </p:spTree>
     <p:extLst>
       <p:ext uri="{BB962C8B-B14F-4D97-AF65-F5344CB8AC3E}">
-        <p14:creationId xmlns:p14="http://schemas.microsoft.com/office/powerpoint/2010/main" val="38543887"/>
+        <p14:creationId xmlns:p14="http://schemas.microsoft.com/office/powerpoint/2010/main" val="1095364675"/>
       </p:ext>
     </p:extLst>
   </p:cSld>
@@ -7451,20 +10341,12 @@
           <a:lstStyle/>
           <a:p>
             <a:r>
-              <a:rPr lang="fr-FR" sz="8000" dirty="0">
-                <a:solidFill>
-                  <a:schemeClr val="tx1"/>
-                </a:solidFill>
-              </a:rPr>
-              <a:t>Immortelle des </a:t>
-            </a:r>
-            <a:r>
               <a:rPr lang="fr-FR" sz="8000" dirty="0" smtClean="0">
                 <a:solidFill>
                   <a:schemeClr val="tx1"/>
                 </a:solidFill>
               </a:rPr>
-              <a:t>dunes</a:t>
+              <a:t>Immortelle des dunes</a:t>
             </a:r>
             <a:endParaRPr lang="fr-FR" sz="8000" dirty="0">
               <a:solidFill>
@@ -7524,7 +10406,7 @@
         <p:spPr>
           <a:xfrm>
             <a:off x="467544" y="5805264"/>
-            <a:ext cx="2103218" cy="648072"/>
+            <a:ext cx="3240360" cy="648072"/>
           </a:xfrm>
           <a:prstGeom prst="rect">
             <a:avLst/>
@@ -7552,16 +10434,12 @@
           </a:lstStyle>
           <a:p>
             <a:r>
-              <a:rPr lang="fr-FR" dirty="0" err="1"/>
-              <a:t>Niv</a:t>
-            </a:r>
-            <a:r>
-              <a:rPr lang="fr-FR" dirty="0"/>
-              <a:t> </a:t>
-            </a:r>
-            <a:r>
               <a:rPr lang="fr-FR" dirty="0" smtClean="0"/>
-              <a:t>4</a:t>
+              <a:t>4 </a:t>
+            </a:r>
+            <a:r>
+              <a:rPr lang="fr-FR" sz="6000" dirty="0" smtClean="0"/>
+              <a:t>Actions</a:t>
             </a:r>
             <a:endParaRPr lang="fr-FR" dirty="0"/>
           </a:p>
@@ -7607,7 +10485,7 @@
           <a:p>
             <a:r>
               <a:rPr lang="fr-FR" sz="5400" dirty="0" smtClean="0"/>
-              <a:t>+1 PV</a:t>
+              <a:t>+1 PV, au début de son tour</a:t>
             </a:r>
             <a:endParaRPr lang="fr-FR" sz="5400" dirty="0"/>
           </a:p>
@@ -7659,7 +10537,7 @@
     </p:spTree>
     <p:extLst>
       <p:ext uri="{BB962C8B-B14F-4D97-AF65-F5344CB8AC3E}">
-        <p14:creationId xmlns:p14="http://schemas.microsoft.com/office/powerpoint/2010/main" val="774890117"/>
+        <p14:creationId xmlns:p14="http://schemas.microsoft.com/office/powerpoint/2010/main" val="38543887"/>
       </p:ext>
     </p:extLst>
   </p:cSld>
@@ -7805,7 +10683,7 @@
                   <a:schemeClr val="tx1"/>
                 </a:solidFill>
               </a:rPr>
-              <a:t>Lézard des muraille</a:t>
+              <a:t>Immortelle des dunes</a:t>
             </a:r>
             <a:endParaRPr lang="fr-FR" sz="8000" dirty="0">
               <a:solidFill>
@@ -7865,7 +10743,7 @@
         <p:spPr>
           <a:xfrm>
             <a:off x="467544" y="5805264"/>
-            <a:ext cx="2103218" cy="648072"/>
+            <a:ext cx="3240360" cy="648072"/>
           </a:xfrm>
           <a:prstGeom prst="rect">
             <a:avLst/>
@@ -7893,16 +10771,12 @@
           </a:lstStyle>
           <a:p>
             <a:r>
-              <a:rPr lang="fr-FR" dirty="0" err="1"/>
-              <a:t>Niv</a:t>
-            </a:r>
-            <a:r>
-              <a:rPr lang="fr-FR" dirty="0"/>
-              <a:t> </a:t>
-            </a:r>
-            <a:r>
               <a:rPr lang="fr-FR" dirty="0" smtClean="0"/>
-              <a:t>6</a:t>
+              <a:t>4 </a:t>
+            </a:r>
+            <a:r>
+              <a:rPr lang="fr-FR" sz="6000" dirty="0" smtClean="0"/>
+              <a:t>Actions</a:t>
             </a:r>
             <a:endParaRPr lang="fr-FR" dirty="0"/>
           </a:p>
@@ -7918,7 +10792,7 @@
         </p:nvSpPr>
         <p:spPr>
           <a:xfrm>
-            <a:off x="5076056" y="4905164"/>
+            <a:off x="4572000" y="4725144"/>
             <a:ext cx="4464496" cy="1800200"/>
           </a:xfrm>
           <a:prstGeom prst="rect">
@@ -7947,9 +10821,10 @@
           </a:lstStyle>
           <a:p>
             <a:r>
-              <a:rPr lang="fr-FR" dirty="0"/>
-              <a:t>+2 PV</a:t>
-            </a:r>
+              <a:rPr lang="fr-FR" sz="5400" dirty="0" smtClean="0"/>
+              <a:t>+1 PV, au début de son tour</a:t>
+            </a:r>
+            <a:endParaRPr lang="fr-FR" sz="5400" dirty="0"/>
           </a:p>
         </p:txBody>
       </p:sp>
@@ -7999,7 +10874,7 @@
     </p:spTree>
     <p:extLst>
       <p:ext uri="{BB962C8B-B14F-4D97-AF65-F5344CB8AC3E}">
-        <p14:creationId xmlns:p14="http://schemas.microsoft.com/office/powerpoint/2010/main" val="4211050952"/>
+        <p14:creationId xmlns:p14="http://schemas.microsoft.com/office/powerpoint/2010/main" val="3961708627"/>
       </p:ext>
     </p:extLst>
   </p:cSld>
@@ -8145,7 +11020,7 @@
                   <a:schemeClr val="tx1"/>
                 </a:solidFill>
               </a:rPr>
-              <a:t>Lézard des muraille</a:t>
+              <a:t>Immortelle des dunes</a:t>
             </a:r>
             <a:endParaRPr lang="fr-FR" sz="8000" dirty="0">
               <a:solidFill>
@@ -8205,7 +11080,7 @@
         <p:spPr>
           <a:xfrm>
             <a:off x="467544" y="5805264"/>
-            <a:ext cx="2103218" cy="648072"/>
+            <a:ext cx="3240360" cy="648072"/>
           </a:xfrm>
           <a:prstGeom prst="rect">
             <a:avLst/>
@@ -8233,16 +11108,12 @@
           </a:lstStyle>
           <a:p>
             <a:r>
-              <a:rPr lang="fr-FR" dirty="0" err="1"/>
-              <a:t>Niv</a:t>
-            </a:r>
-            <a:r>
-              <a:rPr lang="fr-FR" dirty="0"/>
-              <a:t> </a:t>
-            </a:r>
-            <a:r>
               <a:rPr lang="fr-FR" dirty="0" smtClean="0"/>
-              <a:t>6</a:t>
+              <a:t>4 </a:t>
+            </a:r>
+            <a:r>
+              <a:rPr lang="fr-FR" sz="6000" dirty="0" smtClean="0"/>
+              <a:t>Actions</a:t>
             </a:r>
             <a:endParaRPr lang="fr-FR" dirty="0"/>
           </a:p>
@@ -8258,7 +11129,7 @@
         </p:nvSpPr>
         <p:spPr>
           <a:xfrm>
-            <a:off x="5076056" y="4905164"/>
+            <a:off x="4572000" y="4725144"/>
             <a:ext cx="4464496" cy="1800200"/>
           </a:xfrm>
           <a:prstGeom prst="rect">
@@ -8287,9 +11158,10 @@
           </a:lstStyle>
           <a:p>
             <a:r>
-              <a:rPr lang="fr-FR" dirty="0"/>
-              <a:t>+2 PV</a:t>
-            </a:r>
+              <a:rPr lang="fr-FR" sz="5400" dirty="0" smtClean="0"/>
+              <a:t>+1 PV, au début de son tour</a:t>
+            </a:r>
+            <a:endParaRPr lang="fr-FR" sz="5400" dirty="0"/>
           </a:p>
         </p:txBody>
       </p:sp>
@@ -8339,7 +11211,7 @@
     </p:spTree>
     <p:extLst>
       <p:ext uri="{BB962C8B-B14F-4D97-AF65-F5344CB8AC3E}">
-        <p14:creationId xmlns:p14="http://schemas.microsoft.com/office/powerpoint/2010/main" val="1123019848"/>
+        <p14:creationId xmlns:p14="http://schemas.microsoft.com/office/powerpoint/2010/main" val="2617909211"/>
       </p:ext>
     </p:extLst>
   </p:cSld>
@@ -8381,7 +11253,7 @@
         </p:nvSpPr>
         <p:spPr>
           <a:xfrm>
-            <a:off x="20751" y="0"/>
+            <a:off x="0" y="0"/>
             <a:ext cx="9144000" cy="6858000"/>
           </a:xfrm>
           <a:prstGeom prst="rect">
@@ -8451,7 +11323,7 @@
           <a:p>
             <a:r>
               <a:rPr lang="fr-FR" sz="7200" dirty="0" smtClean="0"/>
-              <a:t>A 0</a:t>
+              <a:t>-</a:t>
             </a:r>
             <a:endParaRPr lang="fr-FR" sz="7200" dirty="0"/>
           </a:p>
@@ -8480,13 +11352,18 @@
           <a:lstStyle/>
           <a:p>
             <a:r>
-              <a:rPr lang="fr-FR" sz="8000" dirty="0">
+              <a:rPr lang="fr-FR" sz="8000" dirty="0" smtClean="0">
                 <a:solidFill>
                   <a:schemeClr val="tx1"/>
                 </a:solidFill>
               </a:rPr>
-              <a:t>Euphorbe des garrigues</a:t>
-            </a:r>
+              <a:t>Immortelle des dunes</a:t>
+            </a:r>
+            <a:endParaRPr lang="fr-FR" sz="8000" dirty="0">
+              <a:solidFill>
+                <a:schemeClr val="tx1"/>
+              </a:solidFill>
+            </a:endParaRPr>
           </a:p>
         </p:txBody>
       </p:sp>
@@ -8525,14 +11402,6 @@
             </a:lvl1pPr>
           </a:lstStyle>
           <a:p>
-            <a:r>
-              <a:rPr lang="fr-FR" dirty="0"/>
-              <a:t>S </a:t>
-            </a:r>
-            <a:r>
-              <a:rPr lang="fr-FR" dirty="0" smtClean="0"/>
-              <a:t>0</a:t>
-            </a:r>
             <a:endParaRPr lang="fr-FR" dirty="0"/>
           </a:p>
         </p:txBody>
@@ -8548,7 +11417,7 @@
         <p:spPr>
           <a:xfrm>
             <a:off x="467544" y="5805264"/>
-            <a:ext cx="2103218" cy="648072"/>
+            <a:ext cx="3240360" cy="648072"/>
           </a:xfrm>
           <a:prstGeom prst="rect">
             <a:avLst/>
@@ -8576,16 +11445,12 @@
           </a:lstStyle>
           <a:p>
             <a:r>
-              <a:rPr lang="fr-FR" dirty="0" err="1"/>
-              <a:t>Niv</a:t>
-            </a:r>
-            <a:r>
-              <a:rPr lang="fr-FR" dirty="0"/>
-              <a:t> </a:t>
-            </a:r>
-            <a:r>
               <a:rPr lang="fr-FR" dirty="0" smtClean="0"/>
-              <a:t>4</a:t>
+              <a:t>4 </a:t>
+            </a:r>
+            <a:r>
+              <a:rPr lang="fr-FR" sz="6000" dirty="0" smtClean="0"/>
+              <a:t>Actions</a:t>
             </a:r>
             <a:endParaRPr lang="fr-FR" dirty="0"/>
           </a:p>
@@ -8601,8 +11466,8 @@
         </p:nvSpPr>
         <p:spPr>
           <a:xfrm>
-            <a:off x="6228184" y="5877272"/>
-            <a:ext cx="2808312" cy="648072"/>
+            <a:off x="4572000" y="4725144"/>
+            <a:ext cx="4464496" cy="1800200"/>
           </a:xfrm>
           <a:prstGeom prst="rect">
             <a:avLst/>
@@ -8630,8 +11495,51 @@
           </a:lstStyle>
           <a:p>
             <a:r>
+              <a:rPr lang="fr-FR" sz="5400" dirty="0" smtClean="0"/>
+              <a:t>+1 PV, au début de son tour</a:t>
+            </a:r>
+            <a:endParaRPr lang="fr-FR" sz="5400" dirty="0"/>
+          </a:p>
+        </p:txBody>
+      </p:sp>
+      <p:sp>
+        <p:nvSpPr>
+          <p:cNvPr id="8" name="Titre 1"/>
+          <p:cNvSpPr txBox="1">
+            <a:spLocks/>
+          </p:cNvSpPr>
+          <p:nvPr/>
+        </p:nvSpPr>
+        <p:spPr>
+          <a:xfrm>
+            <a:off x="7604720" y="413048"/>
+            <a:ext cx="1368152" cy="648072"/>
+          </a:xfrm>
+          <a:prstGeom prst="rect">
+            <a:avLst/>
+          </a:prstGeom>
+        </p:spPr>
+        <p:txBody>
+          <a:bodyPr vert="horz" lIns="91440" tIns="45720" rIns="91440" bIns="45720" rtlCol="0" anchor="ctr">
+            <a:noAutofit/>
+          </a:bodyPr>
+          <a:lstStyle>
+            <a:lvl1pPr algn="ctr">
+              <a:spcBef>
+                <a:spcPct val="0"/>
+              </a:spcBef>
+              <a:buNone/>
+              <a:defRPr sz="7200">
+                <a:latin typeface="+mj-lt"/>
+                <a:ea typeface="+mj-ea"/>
+                <a:cs typeface="+mj-cs"/>
+              </a:defRPr>
+            </a:lvl1pPr>
+          </a:lstStyle>
+          <a:p>
+            <a:r>
               <a:rPr lang="fr-FR" dirty="0" smtClean="0"/>
-              <a:t>- 1 PV </a:t>
+              <a:t>-</a:t>
             </a:r>
             <a:endParaRPr lang="fr-FR" dirty="0"/>
           </a:p>
@@ -8640,7 +11548,7 @@
     </p:spTree>
     <p:extLst>
       <p:ext uri="{BB962C8B-B14F-4D97-AF65-F5344CB8AC3E}">
-        <p14:creationId xmlns:p14="http://schemas.microsoft.com/office/powerpoint/2010/main" val="2419852552"/>
+        <p14:creationId xmlns:p14="http://schemas.microsoft.com/office/powerpoint/2010/main" val="1604650604"/>
       </p:ext>
     </p:extLst>
   </p:cSld>
@@ -8682,7 +11590,7 @@
         </p:nvSpPr>
         <p:spPr>
           <a:xfrm>
-            <a:off x="20751" y="0"/>
+            <a:off x="0" y="0"/>
             <a:ext cx="9144000" cy="6858000"/>
           </a:xfrm>
           <a:prstGeom prst="rect">
@@ -8752,7 +11660,7 @@
           <a:p>
             <a:r>
               <a:rPr lang="fr-FR" sz="7200" dirty="0" smtClean="0"/>
-              <a:t>A 0</a:t>
+              <a:t>-</a:t>
             </a:r>
             <a:endParaRPr lang="fr-FR" sz="7200" dirty="0"/>
           </a:p>
@@ -8781,13 +11689,18 @@
           <a:lstStyle/>
           <a:p>
             <a:r>
-              <a:rPr lang="fr-FR" sz="8000" dirty="0">
+              <a:rPr lang="fr-FR" sz="8000" dirty="0" smtClean="0">
                 <a:solidFill>
                   <a:schemeClr val="tx1"/>
                 </a:solidFill>
               </a:rPr>
-              <a:t>Euphorbe des garrigues</a:t>
-            </a:r>
+              <a:t>Immortelle des dunes</a:t>
+            </a:r>
+            <a:endParaRPr lang="fr-FR" sz="8000" dirty="0">
+              <a:solidFill>
+                <a:schemeClr val="tx1"/>
+              </a:solidFill>
+            </a:endParaRPr>
           </a:p>
         </p:txBody>
       </p:sp>
@@ -8826,14 +11739,6 @@
             </a:lvl1pPr>
           </a:lstStyle>
           <a:p>
-            <a:r>
-              <a:rPr lang="fr-FR" dirty="0"/>
-              <a:t>S </a:t>
-            </a:r>
-            <a:r>
-              <a:rPr lang="fr-FR" dirty="0" smtClean="0"/>
-              <a:t>0</a:t>
-            </a:r>
             <a:endParaRPr lang="fr-FR" dirty="0"/>
           </a:p>
         </p:txBody>
@@ -8849,7 +11754,7 @@
         <p:spPr>
           <a:xfrm>
             <a:off x="467544" y="5805264"/>
-            <a:ext cx="2103218" cy="648072"/>
+            <a:ext cx="3240360" cy="648072"/>
           </a:xfrm>
           <a:prstGeom prst="rect">
             <a:avLst/>
@@ -8877,16 +11782,12 @@
           </a:lstStyle>
           <a:p>
             <a:r>
-              <a:rPr lang="fr-FR" dirty="0" err="1"/>
-              <a:t>Niv</a:t>
-            </a:r>
-            <a:r>
-              <a:rPr lang="fr-FR" dirty="0"/>
-              <a:t> </a:t>
-            </a:r>
-            <a:r>
               <a:rPr lang="fr-FR" dirty="0" smtClean="0"/>
-              <a:t>4</a:t>
+              <a:t>4 </a:t>
+            </a:r>
+            <a:r>
+              <a:rPr lang="fr-FR" sz="6000" dirty="0" smtClean="0"/>
+              <a:t>Actions</a:t>
             </a:r>
             <a:endParaRPr lang="fr-FR" dirty="0"/>
           </a:p>
@@ -8902,8 +11803,8 @@
         </p:nvSpPr>
         <p:spPr>
           <a:xfrm>
-            <a:off x="6228184" y="5877272"/>
-            <a:ext cx="2808312" cy="648072"/>
+            <a:off x="4572000" y="4725144"/>
+            <a:ext cx="4464496" cy="1800200"/>
           </a:xfrm>
           <a:prstGeom prst="rect">
             <a:avLst/>
@@ -8931,8 +11832,51 @@
           </a:lstStyle>
           <a:p>
             <a:r>
+              <a:rPr lang="fr-FR" sz="5400" dirty="0" smtClean="0"/>
+              <a:t>+1 PV, au début de son tour</a:t>
+            </a:r>
+            <a:endParaRPr lang="fr-FR" sz="5400" dirty="0"/>
+          </a:p>
+        </p:txBody>
+      </p:sp>
+      <p:sp>
+        <p:nvSpPr>
+          <p:cNvPr id="8" name="Titre 1"/>
+          <p:cNvSpPr txBox="1">
+            <a:spLocks/>
+          </p:cNvSpPr>
+          <p:nvPr/>
+        </p:nvSpPr>
+        <p:spPr>
+          <a:xfrm>
+            <a:off x="7604720" y="413048"/>
+            <a:ext cx="1368152" cy="648072"/>
+          </a:xfrm>
+          <a:prstGeom prst="rect">
+            <a:avLst/>
+          </a:prstGeom>
+        </p:spPr>
+        <p:txBody>
+          <a:bodyPr vert="horz" lIns="91440" tIns="45720" rIns="91440" bIns="45720" rtlCol="0" anchor="ctr">
+            <a:noAutofit/>
+          </a:bodyPr>
+          <a:lstStyle>
+            <a:lvl1pPr algn="ctr">
+              <a:spcBef>
+                <a:spcPct val="0"/>
+              </a:spcBef>
+              <a:buNone/>
+              <a:defRPr sz="7200">
+                <a:latin typeface="+mj-lt"/>
+                <a:ea typeface="+mj-ea"/>
+                <a:cs typeface="+mj-cs"/>
+              </a:defRPr>
+            </a:lvl1pPr>
+          </a:lstStyle>
+          <a:p>
+            <a:r>
               <a:rPr lang="fr-FR" dirty="0" smtClean="0"/>
-              <a:t>- 1 PV </a:t>
+              <a:t>-</a:t>
             </a:r>
             <a:endParaRPr lang="fr-FR" dirty="0"/>
           </a:p>
@@ -8941,7 +11885,7 @@
     </p:spTree>
     <p:extLst>
       <p:ext uri="{BB962C8B-B14F-4D97-AF65-F5344CB8AC3E}">
-        <p14:creationId xmlns:p14="http://schemas.microsoft.com/office/powerpoint/2010/main" val="3930640153"/>
+        <p14:creationId xmlns:p14="http://schemas.microsoft.com/office/powerpoint/2010/main" val="3555652026"/>
       </p:ext>
     </p:extLst>
   </p:cSld>
@@ -8983,7 +11927,7 @@
         </p:nvSpPr>
         <p:spPr>
           <a:xfrm>
-            <a:off x="20751" y="0"/>
+            <a:off x="0" y="0"/>
             <a:ext cx="9144000" cy="6858000"/>
           </a:xfrm>
           <a:prstGeom prst="rect">
@@ -9053,7 +11997,7 @@
           <a:p>
             <a:r>
               <a:rPr lang="fr-FR" sz="7200" dirty="0" smtClean="0"/>
-              <a:t>A 0</a:t>
+              <a:t>-</a:t>
             </a:r>
             <a:endParaRPr lang="fr-FR" sz="7200" dirty="0"/>
           </a:p>
@@ -9082,13 +12026,18 @@
           <a:lstStyle/>
           <a:p>
             <a:r>
-              <a:rPr lang="fr-FR" sz="8000" dirty="0">
+              <a:rPr lang="fr-FR" sz="8000" dirty="0" smtClean="0">
                 <a:solidFill>
                   <a:schemeClr val="tx1"/>
                 </a:solidFill>
               </a:rPr>
-              <a:t>Euphorbe des garrigues</a:t>
-            </a:r>
+              <a:t>Immortelle des dunes</a:t>
+            </a:r>
+            <a:endParaRPr lang="fr-FR" sz="8000" dirty="0">
+              <a:solidFill>
+                <a:schemeClr val="tx1"/>
+              </a:solidFill>
+            </a:endParaRPr>
           </a:p>
         </p:txBody>
       </p:sp>
@@ -9127,14 +12076,6 @@
             </a:lvl1pPr>
           </a:lstStyle>
           <a:p>
-            <a:r>
-              <a:rPr lang="fr-FR" dirty="0"/>
-              <a:t>S </a:t>
-            </a:r>
-            <a:r>
-              <a:rPr lang="fr-FR" dirty="0" smtClean="0"/>
-              <a:t>0</a:t>
-            </a:r>
             <a:endParaRPr lang="fr-FR" dirty="0"/>
           </a:p>
         </p:txBody>
@@ -9150,7 +12091,7 @@
         <p:spPr>
           <a:xfrm>
             <a:off x="467544" y="5805264"/>
-            <a:ext cx="2103218" cy="648072"/>
+            <a:ext cx="3240360" cy="648072"/>
           </a:xfrm>
           <a:prstGeom prst="rect">
             <a:avLst/>
@@ -9178,16 +12119,12 @@
           </a:lstStyle>
           <a:p>
             <a:r>
-              <a:rPr lang="fr-FR" dirty="0" err="1"/>
-              <a:t>Niv</a:t>
-            </a:r>
-            <a:r>
-              <a:rPr lang="fr-FR" dirty="0"/>
-              <a:t> </a:t>
-            </a:r>
-            <a:r>
               <a:rPr lang="fr-FR" dirty="0" smtClean="0"/>
-              <a:t>4</a:t>
+              <a:t>4 </a:t>
+            </a:r>
+            <a:r>
+              <a:rPr lang="fr-FR" sz="6000" dirty="0" smtClean="0"/>
+              <a:t>Actions</a:t>
             </a:r>
             <a:endParaRPr lang="fr-FR" dirty="0"/>
           </a:p>
@@ -9203,8 +12140,8 @@
         </p:nvSpPr>
         <p:spPr>
           <a:xfrm>
-            <a:off x="6228184" y="5877272"/>
-            <a:ext cx="2808312" cy="648072"/>
+            <a:off x="4572000" y="4725144"/>
+            <a:ext cx="4464496" cy="1800200"/>
           </a:xfrm>
           <a:prstGeom prst="rect">
             <a:avLst/>
@@ -9232,8 +12169,51 @@
           </a:lstStyle>
           <a:p>
             <a:r>
+              <a:rPr lang="fr-FR" sz="5400" dirty="0" smtClean="0"/>
+              <a:t>+1 PV, au début de son tour</a:t>
+            </a:r>
+            <a:endParaRPr lang="fr-FR" sz="5400" dirty="0"/>
+          </a:p>
+        </p:txBody>
+      </p:sp>
+      <p:sp>
+        <p:nvSpPr>
+          <p:cNvPr id="8" name="Titre 1"/>
+          <p:cNvSpPr txBox="1">
+            <a:spLocks/>
+          </p:cNvSpPr>
+          <p:nvPr/>
+        </p:nvSpPr>
+        <p:spPr>
+          <a:xfrm>
+            <a:off x="7604720" y="413048"/>
+            <a:ext cx="1368152" cy="648072"/>
+          </a:xfrm>
+          <a:prstGeom prst="rect">
+            <a:avLst/>
+          </a:prstGeom>
+        </p:spPr>
+        <p:txBody>
+          <a:bodyPr vert="horz" lIns="91440" tIns="45720" rIns="91440" bIns="45720" rtlCol="0" anchor="ctr">
+            <a:noAutofit/>
+          </a:bodyPr>
+          <a:lstStyle>
+            <a:lvl1pPr algn="ctr">
+              <a:spcBef>
+                <a:spcPct val="0"/>
+              </a:spcBef>
+              <a:buNone/>
+              <a:defRPr sz="7200">
+                <a:latin typeface="+mj-lt"/>
+                <a:ea typeface="+mj-ea"/>
+                <a:cs typeface="+mj-cs"/>
+              </a:defRPr>
+            </a:lvl1pPr>
+          </a:lstStyle>
+          <a:p>
+            <a:r>
               <a:rPr lang="fr-FR" dirty="0" smtClean="0"/>
-              <a:t>- 1 PV </a:t>
+              <a:t>-</a:t>
             </a:r>
             <a:endParaRPr lang="fr-FR" dirty="0"/>
           </a:p>
@@ -9242,7 +12222,7 @@
     </p:spTree>
     <p:extLst>
       <p:ext uri="{BB962C8B-B14F-4D97-AF65-F5344CB8AC3E}">
-        <p14:creationId xmlns:p14="http://schemas.microsoft.com/office/powerpoint/2010/main" val="570601236"/>
+        <p14:creationId xmlns:p14="http://schemas.microsoft.com/office/powerpoint/2010/main" val="1604650604"/>
       </p:ext>
     </p:extLst>
   </p:cSld>
